--- a/CLE2_T3G5/present.pptx
+++ b/CLE2_T3G5/present.pptx
@@ -4310,7 +4310,7 @@
             <p:ph idx="1"/>
             <p:extLst>
               <p:ext uri="{D42A27DB-BD31-4B8C-83A1-F6EECF244321}">
-                <p14:modId xmlns:p14="http://schemas.microsoft.com/office/powerpoint/2010/main" val="2031968638"/>
+                <p14:modId xmlns:p14="http://schemas.microsoft.com/office/powerpoint/2010/main" val="3345072810"/>
               </p:ext>
             </p:extLst>
           </p:nvPr>
@@ -4537,14 +4537,11 @@
                         </a:rPr>
                         <a:t>Mean</a:t>
                       </a:r>
-                      <a:r>
-                        <a:rPr lang="pt-PT" sz="1400" b="0" dirty="0">
-                          <a:latin typeface="Calibri" panose="020F0502020204030204" pitchFamily="34" charset="0"/>
-                          <a:ea typeface="Calibri" panose="020F0502020204030204" pitchFamily="34" charset="0"/>
-                          <a:cs typeface="Calibri" panose="020F0502020204030204" pitchFamily="34" charset="0"/>
-                        </a:rPr>
-                        <a:t> (s)</a:t>
-                      </a:r>
+                      <a:endParaRPr lang="pt-PT" sz="1400" b="0" dirty="0">
+                        <a:latin typeface="Calibri" panose="020F0502020204030204" pitchFamily="34" charset="0"/>
+                        <a:ea typeface="Calibri" panose="020F0502020204030204" pitchFamily="34" charset="0"/>
+                        <a:cs typeface="Calibri" panose="020F0502020204030204" pitchFamily="34" charset="0"/>
+                      </a:endParaRPr>
                     </a:p>
                   </a:txBody>
                   <a:tcPr marL="81828" marR="81828" anchor="ctr">
@@ -4577,14 +4574,11 @@
                         </a:rPr>
                         <a:t>deviation</a:t>
                       </a:r>
-                      <a:r>
-                        <a:rPr lang="pt-PT" sz="1400" b="0" dirty="0">
-                          <a:latin typeface="Calibri" panose="020F0502020204030204" pitchFamily="34" charset="0"/>
-                          <a:ea typeface="Calibri" panose="020F0502020204030204" pitchFamily="34" charset="0"/>
-                          <a:cs typeface="Calibri" panose="020F0502020204030204" pitchFamily="34" charset="0"/>
-                        </a:rPr>
-                        <a:t> (s)</a:t>
-                      </a:r>
+                      <a:endParaRPr lang="pt-PT" sz="1400" b="0" dirty="0">
+                        <a:latin typeface="Calibri" panose="020F0502020204030204" pitchFamily="34" charset="0"/>
+                        <a:ea typeface="Calibri" panose="020F0502020204030204" pitchFamily="34" charset="0"/>
+                        <a:cs typeface="Calibri" panose="020F0502020204030204" pitchFamily="34" charset="0"/>
+                      </a:endParaRPr>
                     </a:p>
                   </a:txBody>
                   <a:tcPr marL="81828" marR="81828" anchor="ctr">
@@ -4609,14 +4603,11 @@
                         </a:rPr>
                         <a:t>Mean</a:t>
                       </a:r>
-                      <a:r>
-                        <a:rPr lang="pt-PT" sz="1400" b="0" dirty="0">
-                          <a:latin typeface="Calibri" panose="020F0502020204030204" pitchFamily="34" charset="0"/>
-                          <a:ea typeface="Calibri" panose="020F0502020204030204" pitchFamily="34" charset="0"/>
-                          <a:cs typeface="Calibri" panose="020F0502020204030204" pitchFamily="34" charset="0"/>
-                        </a:rPr>
-                        <a:t> (s)</a:t>
-                      </a:r>
+                      <a:endParaRPr lang="pt-PT" sz="1400" b="0" dirty="0">
+                        <a:latin typeface="Calibri" panose="020F0502020204030204" pitchFamily="34" charset="0"/>
+                        <a:ea typeface="Calibri" panose="020F0502020204030204" pitchFamily="34" charset="0"/>
+                        <a:cs typeface="Calibri" panose="020F0502020204030204" pitchFamily="34" charset="0"/>
+                      </a:endParaRPr>
                     </a:p>
                   </a:txBody>
                   <a:tcPr marL="81828" marR="81828" anchor="ctr">
@@ -4649,14 +4640,11 @@
                         </a:rPr>
                         <a:t>deviation</a:t>
                       </a:r>
-                      <a:r>
-                        <a:rPr lang="pt-PT" sz="1400" b="0" dirty="0">
-                          <a:latin typeface="Calibri" panose="020F0502020204030204" pitchFamily="34" charset="0"/>
-                          <a:ea typeface="Calibri" panose="020F0502020204030204" pitchFamily="34" charset="0"/>
-                          <a:cs typeface="Calibri" panose="020F0502020204030204" pitchFamily="34" charset="0"/>
-                        </a:rPr>
-                        <a:t> (s)</a:t>
-                      </a:r>
+                      <a:endParaRPr lang="pt-PT" sz="1400" b="0" dirty="0">
+                        <a:latin typeface="Calibri" panose="020F0502020204030204" pitchFamily="34" charset="0"/>
+                        <a:ea typeface="Calibri" panose="020F0502020204030204" pitchFamily="34" charset="0"/>
+                        <a:cs typeface="Calibri" panose="020F0502020204030204" pitchFamily="34" charset="0"/>
+                      </a:endParaRPr>
                     </a:p>
                   </a:txBody>
                   <a:tcPr marL="81828" marR="81828" anchor="ctr">
@@ -4681,14 +4669,11 @@
                         </a:rPr>
                         <a:t>Mean</a:t>
                       </a:r>
-                      <a:r>
-                        <a:rPr lang="pt-PT" sz="1400" b="0" dirty="0">
-                          <a:latin typeface="Calibri" panose="020F0502020204030204" pitchFamily="34" charset="0"/>
-                          <a:ea typeface="Calibri" panose="020F0502020204030204" pitchFamily="34" charset="0"/>
-                          <a:cs typeface="Calibri" panose="020F0502020204030204" pitchFamily="34" charset="0"/>
-                        </a:rPr>
-                        <a:t> (s)</a:t>
-                      </a:r>
+                      <a:endParaRPr lang="pt-PT" sz="1400" b="0" dirty="0">
+                        <a:latin typeface="Calibri" panose="020F0502020204030204" pitchFamily="34" charset="0"/>
+                        <a:ea typeface="Calibri" panose="020F0502020204030204" pitchFamily="34" charset="0"/>
+                        <a:cs typeface="Calibri" panose="020F0502020204030204" pitchFamily="34" charset="0"/>
+                      </a:endParaRPr>
                     </a:p>
                   </a:txBody>
                   <a:tcPr marL="81828" marR="81828" anchor="ctr">
@@ -4721,14 +4706,11 @@
                         </a:rPr>
                         <a:t>deviation</a:t>
                       </a:r>
-                      <a:r>
-                        <a:rPr lang="pt-PT" sz="1400" b="0" dirty="0">
-                          <a:latin typeface="Calibri" panose="020F0502020204030204" pitchFamily="34" charset="0"/>
-                          <a:ea typeface="Calibri" panose="020F0502020204030204" pitchFamily="34" charset="0"/>
-                          <a:cs typeface="Calibri" panose="020F0502020204030204" pitchFamily="34" charset="0"/>
-                        </a:rPr>
-                        <a:t> (s)</a:t>
-                      </a:r>
+                      <a:endParaRPr lang="pt-PT" sz="1400" b="0" dirty="0">
+                        <a:latin typeface="Calibri" panose="020F0502020204030204" pitchFamily="34" charset="0"/>
+                        <a:ea typeface="Calibri" panose="020F0502020204030204" pitchFamily="34" charset="0"/>
+                        <a:cs typeface="Calibri" panose="020F0502020204030204" pitchFamily="34" charset="0"/>
+                      </a:endParaRPr>
                     </a:p>
                   </a:txBody>
                   <a:tcPr marL="81828" marR="81828" anchor="ctr">
@@ -4753,14 +4735,11 @@
                         </a:rPr>
                         <a:t>Mean</a:t>
                       </a:r>
-                      <a:r>
-                        <a:rPr lang="pt-PT" sz="1400" b="0" dirty="0">
-                          <a:latin typeface="Calibri" panose="020F0502020204030204" pitchFamily="34" charset="0"/>
-                          <a:ea typeface="Calibri" panose="020F0502020204030204" pitchFamily="34" charset="0"/>
-                          <a:cs typeface="Calibri" panose="020F0502020204030204" pitchFamily="34" charset="0"/>
-                        </a:rPr>
-                        <a:t> (s)</a:t>
-                      </a:r>
+                      <a:endParaRPr lang="pt-PT" sz="1400" b="0" dirty="0">
+                        <a:latin typeface="Calibri" panose="020F0502020204030204" pitchFamily="34" charset="0"/>
+                        <a:ea typeface="Calibri" panose="020F0502020204030204" pitchFamily="34" charset="0"/>
+                        <a:cs typeface="Calibri" panose="020F0502020204030204" pitchFamily="34" charset="0"/>
+                      </a:endParaRPr>
                     </a:p>
                   </a:txBody>
                   <a:tcPr marL="81828" marR="81828" anchor="ctr">
@@ -4793,14 +4772,11 @@
                         </a:rPr>
                         <a:t>deviation</a:t>
                       </a:r>
-                      <a:r>
-                        <a:rPr lang="pt-PT" sz="1400" b="0" dirty="0">
-                          <a:latin typeface="Calibri" panose="020F0502020204030204" pitchFamily="34" charset="0"/>
-                          <a:ea typeface="Calibri" panose="020F0502020204030204" pitchFamily="34" charset="0"/>
-                          <a:cs typeface="Calibri" panose="020F0502020204030204" pitchFamily="34" charset="0"/>
-                        </a:rPr>
-                        <a:t> (s)</a:t>
-                      </a:r>
+                      <a:endParaRPr lang="pt-PT" sz="1400" b="0" dirty="0">
+                        <a:latin typeface="Calibri" panose="020F0502020204030204" pitchFamily="34" charset="0"/>
+                        <a:ea typeface="Calibri" panose="020F0502020204030204" pitchFamily="34" charset="0"/>
+                        <a:cs typeface="Calibri" panose="020F0502020204030204" pitchFamily="34" charset="0"/>
+                      </a:endParaRPr>
                     </a:p>
                   </a:txBody>
                   <a:tcPr marL="81828" marR="81828" anchor="ctr">
@@ -4824,7 +4800,23 @@
                     <a:lstStyle/>
                     <a:p>
                       <a:pPr algn="ctr"/>
-                      <a:endParaRPr lang="pt-PT" b="0" dirty="0">
+                      <a:r>
+                        <a:rPr lang="pt-PT" sz="1400" b="0" dirty="0">
+                          <a:latin typeface="Calibri" panose="020F0502020204030204" pitchFamily="34" charset="0"/>
+                          <a:ea typeface="Calibri" panose="020F0502020204030204" pitchFamily="34" charset="0"/>
+                          <a:cs typeface="Calibri" panose="020F0502020204030204" pitchFamily="34" charset="0"/>
+                        </a:rPr>
+                        <a:t>15.933 </a:t>
+                      </a:r>
+                      <a:r>
+                        <a:rPr lang="pt-PT" sz="1400" b="0" dirty="0" err="1">
+                          <a:latin typeface="Calibri" panose="020F0502020204030204" pitchFamily="34" charset="0"/>
+                          <a:ea typeface="Calibri" panose="020F0502020204030204" pitchFamily="34" charset="0"/>
+                          <a:cs typeface="Calibri" panose="020F0502020204030204" pitchFamily="34" charset="0"/>
+                        </a:rPr>
+                        <a:t>ms</a:t>
+                      </a:r>
+                      <a:endParaRPr lang="pt-PT" sz="1400" b="0" dirty="0">
                         <a:latin typeface="Calibri" panose="020F0502020204030204" pitchFamily="34" charset="0"/>
                         <a:ea typeface="Calibri" panose="020F0502020204030204" pitchFamily="34" charset="0"/>
                         <a:cs typeface="Calibri" panose="020F0502020204030204" pitchFamily="34" charset="0"/>
@@ -4855,7 +4847,23 @@
                         <a:tabLst/>
                         <a:defRPr/>
                       </a:pPr>
-                      <a:endParaRPr lang="pt-PT" b="0" dirty="0">
+                      <a:r>
+                        <a:rPr lang="pt-PT" sz="1400" b="0" dirty="0">
+                          <a:latin typeface="Calibri" panose="020F0502020204030204" pitchFamily="34" charset="0"/>
+                          <a:ea typeface="Calibri" panose="020F0502020204030204" pitchFamily="34" charset="0"/>
+                          <a:cs typeface="Calibri" panose="020F0502020204030204" pitchFamily="34" charset="0"/>
+                        </a:rPr>
+                        <a:t>2.358 </a:t>
+                      </a:r>
+                      <a:r>
+                        <a:rPr lang="pt-PT" sz="1400" b="0" dirty="0" err="1">
+                          <a:latin typeface="Calibri" panose="020F0502020204030204" pitchFamily="34" charset="0"/>
+                          <a:ea typeface="Calibri" panose="020F0502020204030204" pitchFamily="34" charset="0"/>
+                          <a:cs typeface="Calibri" panose="020F0502020204030204" pitchFamily="34" charset="0"/>
+                        </a:rPr>
+                        <a:t>ms</a:t>
+                      </a:r>
+                      <a:endParaRPr lang="pt-PT" sz="1400" b="0" dirty="0">
                         <a:latin typeface="Calibri" panose="020F0502020204030204" pitchFamily="34" charset="0"/>
                         <a:ea typeface="Calibri" panose="020F0502020204030204" pitchFamily="34" charset="0"/>
                         <a:cs typeface="Calibri" panose="020F0502020204030204" pitchFamily="34" charset="0"/>
@@ -4870,7 +4878,23 @@
                     <a:lstStyle/>
                     <a:p>
                       <a:pPr algn="ctr"/>
-                      <a:endParaRPr lang="pt-PT" b="0" dirty="0">
+                      <a:r>
+                        <a:rPr lang="pt-PT" sz="1400" b="0" dirty="0">
+                          <a:latin typeface="Calibri" panose="020F0502020204030204" pitchFamily="34" charset="0"/>
+                          <a:ea typeface="Calibri" panose="020F0502020204030204" pitchFamily="34" charset="0"/>
+                          <a:cs typeface="Calibri" panose="020F0502020204030204" pitchFamily="34" charset="0"/>
+                        </a:rPr>
+                        <a:t>17.545 </a:t>
+                      </a:r>
+                      <a:r>
+                        <a:rPr lang="pt-PT" sz="1400" b="0" dirty="0" err="1">
+                          <a:latin typeface="Calibri" panose="020F0502020204030204" pitchFamily="34" charset="0"/>
+                          <a:ea typeface="Calibri" panose="020F0502020204030204" pitchFamily="34" charset="0"/>
+                          <a:cs typeface="Calibri" panose="020F0502020204030204" pitchFamily="34" charset="0"/>
+                        </a:rPr>
+                        <a:t>ms</a:t>
+                      </a:r>
+                      <a:endParaRPr lang="pt-PT" sz="1400" b="0" dirty="0">
                         <a:latin typeface="Calibri" panose="020F0502020204030204" pitchFamily="34" charset="0"/>
                         <a:ea typeface="Calibri" panose="020F0502020204030204" pitchFamily="34" charset="0"/>
                         <a:cs typeface="Calibri" panose="020F0502020204030204" pitchFamily="34" charset="0"/>
@@ -4901,7 +4925,23 @@
                         <a:tabLst/>
                         <a:defRPr/>
                       </a:pPr>
-                      <a:endParaRPr lang="pt-PT" b="0" dirty="0">
+                      <a:r>
+                        <a:rPr lang="pt-PT" sz="1400" b="0" dirty="0">
+                          <a:latin typeface="Calibri" panose="020F0502020204030204" pitchFamily="34" charset="0"/>
+                          <a:ea typeface="Calibri" panose="020F0502020204030204" pitchFamily="34" charset="0"/>
+                          <a:cs typeface="Calibri" panose="020F0502020204030204" pitchFamily="34" charset="0"/>
+                        </a:rPr>
+                        <a:t>4.722 </a:t>
+                      </a:r>
+                      <a:r>
+                        <a:rPr lang="pt-PT" sz="1400" b="0" dirty="0" err="1">
+                          <a:latin typeface="Calibri" panose="020F0502020204030204" pitchFamily="34" charset="0"/>
+                          <a:ea typeface="Calibri" panose="020F0502020204030204" pitchFamily="34" charset="0"/>
+                          <a:cs typeface="Calibri" panose="020F0502020204030204" pitchFamily="34" charset="0"/>
+                        </a:rPr>
+                        <a:t>ms</a:t>
+                      </a:r>
+                      <a:endParaRPr lang="pt-PT" sz="1400" b="0" dirty="0">
                         <a:latin typeface="Calibri" panose="020F0502020204030204" pitchFamily="34" charset="0"/>
                         <a:ea typeface="Calibri" panose="020F0502020204030204" pitchFamily="34" charset="0"/>
                         <a:cs typeface="Calibri" panose="020F0502020204030204" pitchFamily="34" charset="0"/>
@@ -4916,7 +4956,23 @@
                     <a:lstStyle/>
                     <a:p>
                       <a:pPr algn="ctr"/>
-                      <a:endParaRPr lang="pt-PT" b="0" dirty="0">
+                      <a:r>
+                        <a:rPr lang="pt-PT" sz="1400" b="0" dirty="0">
+                          <a:latin typeface="Calibri" panose="020F0502020204030204" pitchFamily="34" charset="0"/>
+                          <a:ea typeface="Calibri" panose="020F0502020204030204" pitchFamily="34" charset="0"/>
+                          <a:cs typeface="Calibri" panose="020F0502020204030204" pitchFamily="34" charset="0"/>
+                        </a:rPr>
+                        <a:t>11.612 </a:t>
+                      </a:r>
+                      <a:r>
+                        <a:rPr lang="pt-PT" sz="1400" b="0" dirty="0" err="1">
+                          <a:latin typeface="Calibri" panose="020F0502020204030204" pitchFamily="34" charset="0"/>
+                          <a:ea typeface="Calibri" panose="020F0502020204030204" pitchFamily="34" charset="0"/>
+                          <a:cs typeface="Calibri" panose="020F0502020204030204" pitchFamily="34" charset="0"/>
+                        </a:rPr>
+                        <a:t>ms</a:t>
+                      </a:r>
+                      <a:endParaRPr lang="pt-PT" sz="1400" b="0" dirty="0">
                         <a:latin typeface="Calibri" panose="020F0502020204030204" pitchFamily="34" charset="0"/>
                         <a:ea typeface="Calibri" panose="020F0502020204030204" pitchFamily="34" charset="0"/>
                         <a:cs typeface="Calibri" panose="020F0502020204030204" pitchFamily="34" charset="0"/>
@@ -4947,7 +5003,23 @@
                         <a:tabLst/>
                         <a:defRPr/>
                       </a:pPr>
-                      <a:endParaRPr lang="pt-PT" b="0" dirty="0">
+                      <a:r>
+                        <a:rPr lang="pt-PT" sz="1400" b="0" dirty="0">
+                          <a:latin typeface="Calibri" panose="020F0502020204030204" pitchFamily="34" charset="0"/>
+                          <a:ea typeface="Calibri" panose="020F0502020204030204" pitchFamily="34" charset="0"/>
+                          <a:cs typeface="Calibri" panose="020F0502020204030204" pitchFamily="34" charset="0"/>
+                        </a:rPr>
+                        <a:t>1.059 </a:t>
+                      </a:r>
+                      <a:r>
+                        <a:rPr lang="pt-PT" sz="1400" b="0" dirty="0" err="1">
+                          <a:latin typeface="Calibri" panose="020F0502020204030204" pitchFamily="34" charset="0"/>
+                          <a:ea typeface="Calibri" panose="020F0502020204030204" pitchFamily="34" charset="0"/>
+                          <a:cs typeface="Calibri" panose="020F0502020204030204" pitchFamily="34" charset="0"/>
+                        </a:rPr>
+                        <a:t>ms</a:t>
+                      </a:r>
+                      <a:endParaRPr lang="pt-PT" sz="1400" b="0" dirty="0">
                         <a:latin typeface="Calibri" panose="020F0502020204030204" pitchFamily="34" charset="0"/>
                         <a:ea typeface="Calibri" panose="020F0502020204030204" pitchFamily="34" charset="0"/>
                         <a:cs typeface="Calibri" panose="020F0502020204030204" pitchFamily="34" charset="0"/>
@@ -4962,7 +5034,23 @@
                     <a:lstStyle/>
                     <a:p>
                       <a:pPr algn="ctr"/>
-                      <a:endParaRPr lang="pt-PT" b="0" dirty="0">
+                      <a:r>
+                        <a:rPr lang="pt-PT" sz="1400" b="0" dirty="0">
+                          <a:latin typeface="Calibri" panose="020F0502020204030204" pitchFamily="34" charset="0"/>
+                          <a:ea typeface="Calibri" panose="020F0502020204030204" pitchFamily="34" charset="0"/>
+                          <a:cs typeface="Calibri" panose="020F0502020204030204" pitchFamily="34" charset="0"/>
+                        </a:rPr>
+                        <a:t>869.795 </a:t>
+                      </a:r>
+                      <a:r>
+                        <a:rPr lang="pt-PT" sz="1400" b="0" dirty="0" err="1">
+                          <a:latin typeface="Calibri" panose="020F0502020204030204" pitchFamily="34" charset="0"/>
+                          <a:ea typeface="Calibri" panose="020F0502020204030204" pitchFamily="34" charset="0"/>
+                          <a:cs typeface="Calibri" panose="020F0502020204030204" pitchFamily="34" charset="0"/>
+                        </a:rPr>
+                        <a:t>ms</a:t>
+                      </a:r>
+                      <a:endParaRPr lang="pt-PT" sz="1400" b="0" dirty="0">
                         <a:latin typeface="Calibri" panose="020F0502020204030204" pitchFamily="34" charset="0"/>
                         <a:ea typeface="Calibri" panose="020F0502020204030204" pitchFamily="34" charset="0"/>
                         <a:cs typeface="Calibri" panose="020F0502020204030204" pitchFamily="34" charset="0"/>
@@ -4993,7 +5081,23 @@
                         <a:tabLst/>
                         <a:defRPr/>
                       </a:pPr>
-                      <a:endParaRPr lang="pt-PT" b="0" dirty="0">
+                      <a:r>
+                        <a:rPr lang="pt-PT" sz="1400" b="0" dirty="0">
+                          <a:latin typeface="Calibri" panose="020F0502020204030204" pitchFamily="34" charset="0"/>
+                          <a:ea typeface="Calibri" panose="020F0502020204030204" pitchFamily="34" charset="0"/>
+                          <a:cs typeface="Calibri" panose="020F0502020204030204" pitchFamily="34" charset="0"/>
+                        </a:rPr>
+                        <a:t>410.996 </a:t>
+                      </a:r>
+                      <a:r>
+                        <a:rPr lang="pt-PT" sz="1400" b="0" dirty="0" err="1">
+                          <a:latin typeface="Calibri" panose="020F0502020204030204" pitchFamily="34" charset="0"/>
+                          <a:ea typeface="Calibri" panose="020F0502020204030204" pitchFamily="34" charset="0"/>
+                          <a:cs typeface="Calibri" panose="020F0502020204030204" pitchFamily="34" charset="0"/>
+                        </a:rPr>
+                        <a:t>ms</a:t>
+                      </a:r>
+                      <a:endParaRPr lang="pt-PT" sz="1400" b="0" dirty="0">
                         <a:latin typeface="Calibri" panose="020F0502020204030204" pitchFamily="34" charset="0"/>
                         <a:ea typeface="Calibri" panose="020F0502020204030204" pitchFamily="34" charset="0"/>
                         <a:cs typeface="Calibri" panose="020F0502020204030204" pitchFamily="34" charset="0"/>
@@ -5094,7 +5198,7 @@
           <p:nvPr>
             <p:extLst>
               <p:ext uri="{D42A27DB-BD31-4B8C-83A1-F6EECF244321}">
-                <p14:modId xmlns:p14="http://schemas.microsoft.com/office/powerpoint/2010/main" val="892507756"/>
+                <p14:modId xmlns:p14="http://schemas.microsoft.com/office/powerpoint/2010/main" val="1856327118"/>
               </p:ext>
             </p:extLst>
           </p:nvPr>
@@ -5321,14 +5425,11 @@
                         </a:rPr>
                         <a:t>Mean</a:t>
                       </a:r>
-                      <a:r>
-                        <a:rPr lang="pt-PT" sz="1400" b="0" dirty="0">
-                          <a:latin typeface="Calibri" panose="020F0502020204030204" pitchFamily="34" charset="0"/>
-                          <a:ea typeface="Calibri" panose="020F0502020204030204" pitchFamily="34" charset="0"/>
-                          <a:cs typeface="Calibri" panose="020F0502020204030204" pitchFamily="34" charset="0"/>
-                        </a:rPr>
-                        <a:t> (s)</a:t>
-                      </a:r>
+                      <a:endParaRPr lang="pt-PT" sz="1400" b="0" dirty="0">
+                        <a:latin typeface="Calibri" panose="020F0502020204030204" pitchFamily="34" charset="0"/>
+                        <a:ea typeface="Calibri" panose="020F0502020204030204" pitchFamily="34" charset="0"/>
+                        <a:cs typeface="Calibri" panose="020F0502020204030204" pitchFamily="34" charset="0"/>
+                      </a:endParaRPr>
                     </a:p>
                   </a:txBody>
                   <a:tcPr marL="81828" marR="81828" anchor="ctr">
@@ -5361,14 +5462,11 @@
                         </a:rPr>
                         <a:t>deviation</a:t>
                       </a:r>
-                      <a:r>
-                        <a:rPr lang="pt-PT" sz="1400" b="0" dirty="0">
-                          <a:latin typeface="Calibri" panose="020F0502020204030204" pitchFamily="34" charset="0"/>
-                          <a:ea typeface="Calibri" panose="020F0502020204030204" pitchFamily="34" charset="0"/>
-                          <a:cs typeface="Calibri" panose="020F0502020204030204" pitchFamily="34" charset="0"/>
-                        </a:rPr>
-                        <a:t> (s)</a:t>
-                      </a:r>
+                      <a:endParaRPr lang="pt-PT" sz="1400" b="0" dirty="0">
+                        <a:latin typeface="Calibri" panose="020F0502020204030204" pitchFamily="34" charset="0"/>
+                        <a:ea typeface="Calibri" panose="020F0502020204030204" pitchFamily="34" charset="0"/>
+                        <a:cs typeface="Calibri" panose="020F0502020204030204" pitchFamily="34" charset="0"/>
+                      </a:endParaRPr>
                     </a:p>
                   </a:txBody>
                   <a:tcPr marL="81828" marR="81828" anchor="ctr">
@@ -5393,14 +5491,11 @@
                         </a:rPr>
                         <a:t>Mean</a:t>
                       </a:r>
-                      <a:r>
-                        <a:rPr lang="pt-PT" sz="1400" b="0" dirty="0">
-                          <a:latin typeface="Calibri" panose="020F0502020204030204" pitchFamily="34" charset="0"/>
-                          <a:ea typeface="Calibri" panose="020F0502020204030204" pitchFamily="34" charset="0"/>
-                          <a:cs typeface="Calibri" panose="020F0502020204030204" pitchFamily="34" charset="0"/>
-                        </a:rPr>
-                        <a:t> (s)</a:t>
-                      </a:r>
+                      <a:endParaRPr lang="pt-PT" sz="1400" b="0" dirty="0">
+                        <a:latin typeface="Calibri" panose="020F0502020204030204" pitchFamily="34" charset="0"/>
+                        <a:ea typeface="Calibri" panose="020F0502020204030204" pitchFamily="34" charset="0"/>
+                        <a:cs typeface="Calibri" panose="020F0502020204030204" pitchFamily="34" charset="0"/>
+                      </a:endParaRPr>
                     </a:p>
                   </a:txBody>
                   <a:tcPr marL="81828" marR="81828" anchor="ctr">
@@ -5433,14 +5528,11 @@
                         </a:rPr>
                         <a:t>deviation</a:t>
                       </a:r>
-                      <a:r>
-                        <a:rPr lang="pt-PT" sz="1400" b="0" dirty="0">
-                          <a:latin typeface="Calibri" panose="020F0502020204030204" pitchFamily="34" charset="0"/>
-                          <a:ea typeface="Calibri" panose="020F0502020204030204" pitchFamily="34" charset="0"/>
-                          <a:cs typeface="Calibri" panose="020F0502020204030204" pitchFamily="34" charset="0"/>
-                        </a:rPr>
-                        <a:t> (s)</a:t>
-                      </a:r>
+                      <a:endParaRPr lang="pt-PT" sz="1400" b="0" dirty="0">
+                        <a:latin typeface="Calibri" panose="020F0502020204030204" pitchFamily="34" charset="0"/>
+                        <a:ea typeface="Calibri" panose="020F0502020204030204" pitchFamily="34" charset="0"/>
+                        <a:cs typeface="Calibri" panose="020F0502020204030204" pitchFamily="34" charset="0"/>
+                      </a:endParaRPr>
                     </a:p>
                   </a:txBody>
                   <a:tcPr marL="81828" marR="81828" anchor="ctr">
@@ -5465,14 +5557,11 @@
                         </a:rPr>
                         <a:t>Mean</a:t>
                       </a:r>
-                      <a:r>
-                        <a:rPr lang="pt-PT" sz="1400" b="0" dirty="0">
-                          <a:latin typeface="Calibri" panose="020F0502020204030204" pitchFamily="34" charset="0"/>
-                          <a:ea typeface="Calibri" panose="020F0502020204030204" pitchFamily="34" charset="0"/>
-                          <a:cs typeface="Calibri" panose="020F0502020204030204" pitchFamily="34" charset="0"/>
-                        </a:rPr>
-                        <a:t> (s)</a:t>
-                      </a:r>
+                      <a:endParaRPr lang="pt-PT" sz="1400" b="0" dirty="0">
+                        <a:latin typeface="Calibri" panose="020F0502020204030204" pitchFamily="34" charset="0"/>
+                        <a:ea typeface="Calibri" panose="020F0502020204030204" pitchFamily="34" charset="0"/>
+                        <a:cs typeface="Calibri" panose="020F0502020204030204" pitchFamily="34" charset="0"/>
+                      </a:endParaRPr>
                     </a:p>
                   </a:txBody>
                   <a:tcPr marL="81828" marR="81828" anchor="ctr">
@@ -5505,14 +5594,11 @@
                         </a:rPr>
                         <a:t>deviation</a:t>
                       </a:r>
-                      <a:r>
-                        <a:rPr lang="pt-PT" sz="1400" b="0" dirty="0">
-                          <a:latin typeface="Calibri" panose="020F0502020204030204" pitchFamily="34" charset="0"/>
-                          <a:ea typeface="Calibri" panose="020F0502020204030204" pitchFamily="34" charset="0"/>
-                          <a:cs typeface="Calibri" panose="020F0502020204030204" pitchFamily="34" charset="0"/>
-                        </a:rPr>
-                        <a:t> (s)</a:t>
-                      </a:r>
+                      <a:endParaRPr lang="pt-PT" sz="1400" b="0" dirty="0">
+                        <a:latin typeface="Calibri" panose="020F0502020204030204" pitchFamily="34" charset="0"/>
+                        <a:ea typeface="Calibri" panose="020F0502020204030204" pitchFamily="34" charset="0"/>
+                        <a:cs typeface="Calibri" panose="020F0502020204030204" pitchFamily="34" charset="0"/>
+                      </a:endParaRPr>
                     </a:p>
                   </a:txBody>
                   <a:tcPr marL="81828" marR="81828" anchor="ctr">
@@ -5537,14 +5623,11 @@
                         </a:rPr>
                         <a:t>Mean</a:t>
                       </a:r>
-                      <a:r>
-                        <a:rPr lang="pt-PT" sz="1400" b="0" dirty="0">
-                          <a:latin typeface="Calibri" panose="020F0502020204030204" pitchFamily="34" charset="0"/>
-                          <a:ea typeface="Calibri" panose="020F0502020204030204" pitchFamily="34" charset="0"/>
-                          <a:cs typeface="Calibri" panose="020F0502020204030204" pitchFamily="34" charset="0"/>
-                        </a:rPr>
-                        <a:t> (s)</a:t>
-                      </a:r>
+                      <a:endParaRPr lang="pt-PT" sz="1400" b="0" dirty="0">
+                        <a:latin typeface="Calibri" panose="020F0502020204030204" pitchFamily="34" charset="0"/>
+                        <a:ea typeface="Calibri" panose="020F0502020204030204" pitchFamily="34" charset="0"/>
+                        <a:cs typeface="Calibri" panose="020F0502020204030204" pitchFamily="34" charset="0"/>
+                      </a:endParaRPr>
                     </a:p>
                   </a:txBody>
                   <a:tcPr marL="81828" marR="81828" anchor="ctr">
@@ -5577,14 +5660,11 @@
                         </a:rPr>
                         <a:t>deviation</a:t>
                       </a:r>
-                      <a:r>
-                        <a:rPr lang="pt-PT" sz="1400" b="0" dirty="0">
-                          <a:latin typeface="Calibri" panose="020F0502020204030204" pitchFamily="34" charset="0"/>
-                          <a:ea typeface="Calibri" panose="020F0502020204030204" pitchFamily="34" charset="0"/>
-                          <a:cs typeface="Calibri" panose="020F0502020204030204" pitchFamily="34" charset="0"/>
-                        </a:rPr>
-                        <a:t> (s)</a:t>
-                      </a:r>
+                      <a:endParaRPr lang="pt-PT" sz="1400" b="0" dirty="0">
+                        <a:latin typeface="Calibri" panose="020F0502020204030204" pitchFamily="34" charset="0"/>
+                        <a:ea typeface="Calibri" panose="020F0502020204030204" pitchFamily="34" charset="0"/>
+                        <a:cs typeface="Calibri" panose="020F0502020204030204" pitchFamily="34" charset="0"/>
+                      </a:endParaRPr>
                     </a:p>
                   </a:txBody>
                   <a:tcPr marL="81828" marR="81828" anchor="ctr">
@@ -5608,7 +5688,7 @@
                     <a:lstStyle/>
                     <a:p>
                       <a:pPr algn="ctr"/>
-                      <a:endParaRPr lang="pt-PT" b="0" dirty="0">
+                      <a:endParaRPr lang="pt-PT" sz="1400" b="0" dirty="0">
                         <a:latin typeface="Calibri" panose="020F0502020204030204" pitchFamily="34" charset="0"/>
                         <a:ea typeface="Calibri" panose="020F0502020204030204" pitchFamily="34" charset="0"/>
                         <a:cs typeface="Calibri" panose="020F0502020204030204" pitchFamily="34" charset="0"/>
@@ -5639,7 +5719,7 @@
                         <a:tabLst/>
                         <a:defRPr/>
                       </a:pPr>
-                      <a:endParaRPr lang="pt-PT" b="0" dirty="0">
+                      <a:endParaRPr lang="pt-PT" sz="1400" b="0" dirty="0">
                         <a:latin typeface="Calibri" panose="020F0502020204030204" pitchFamily="34" charset="0"/>
                         <a:ea typeface="Calibri" panose="020F0502020204030204" pitchFamily="34" charset="0"/>
                         <a:cs typeface="Calibri" panose="020F0502020204030204" pitchFamily="34" charset="0"/>
@@ -5654,7 +5734,7 @@
                     <a:lstStyle/>
                     <a:p>
                       <a:pPr algn="ctr"/>
-                      <a:endParaRPr lang="pt-PT" b="0" dirty="0">
+                      <a:endParaRPr lang="pt-PT" sz="1400" b="0" dirty="0">
                         <a:latin typeface="Calibri" panose="020F0502020204030204" pitchFamily="34" charset="0"/>
                         <a:ea typeface="Calibri" panose="020F0502020204030204" pitchFamily="34" charset="0"/>
                         <a:cs typeface="Calibri" panose="020F0502020204030204" pitchFamily="34" charset="0"/>
@@ -5685,7 +5765,7 @@
                         <a:tabLst/>
                         <a:defRPr/>
                       </a:pPr>
-                      <a:endParaRPr lang="pt-PT" b="0" dirty="0">
+                      <a:endParaRPr lang="pt-PT" sz="1400" b="0" dirty="0">
                         <a:latin typeface="Calibri" panose="020F0502020204030204" pitchFamily="34" charset="0"/>
                         <a:ea typeface="Calibri" panose="020F0502020204030204" pitchFamily="34" charset="0"/>
                         <a:cs typeface="Calibri" panose="020F0502020204030204" pitchFamily="34" charset="0"/>
@@ -5700,7 +5780,7 @@
                     <a:lstStyle/>
                     <a:p>
                       <a:pPr algn="ctr"/>
-                      <a:endParaRPr lang="pt-PT" b="0" dirty="0">
+                      <a:endParaRPr lang="pt-PT" sz="1400" b="0" dirty="0">
                         <a:latin typeface="Calibri" panose="020F0502020204030204" pitchFamily="34" charset="0"/>
                         <a:ea typeface="Calibri" panose="020F0502020204030204" pitchFamily="34" charset="0"/>
                         <a:cs typeface="Calibri" panose="020F0502020204030204" pitchFamily="34" charset="0"/>
@@ -5731,7 +5811,7 @@
                         <a:tabLst/>
                         <a:defRPr/>
                       </a:pPr>
-                      <a:endParaRPr lang="pt-PT" b="0" dirty="0">
+                      <a:endParaRPr lang="pt-PT" sz="1400" b="0" dirty="0">
                         <a:latin typeface="Calibri" panose="020F0502020204030204" pitchFamily="34" charset="0"/>
                         <a:ea typeface="Calibri" panose="020F0502020204030204" pitchFamily="34" charset="0"/>
                         <a:cs typeface="Calibri" panose="020F0502020204030204" pitchFamily="34" charset="0"/>
@@ -5746,7 +5826,7 @@
                     <a:lstStyle/>
                     <a:p>
                       <a:pPr algn="ctr"/>
-                      <a:endParaRPr lang="pt-PT" b="0" dirty="0">
+                      <a:endParaRPr lang="pt-PT" sz="1400" b="0" dirty="0">
                         <a:latin typeface="Calibri" panose="020F0502020204030204" pitchFamily="34" charset="0"/>
                         <a:ea typeface="Calibri" panose="020F0502020204030204" pitchFamily="34" charset="0"/>
                         <a:cs typeface="Calibri" panose="020F0502020204030204" pitchFamily="34" charset="0"/>
@@ -5777,7 +5857,7 @@
                         <a:tabLst/>
                         <a:defRPr/>
                       </a:pPr>
-                      <a:endParaRPr lang="pt-PT" b="0" dirty="0">
+                      <a:endParaRPr lang="pt-PT" sz="1400" b="0" dirty="0">
                         <a:latin typeface="Calibri" panose="020F0502020204030204" pitchFamily="34" charset="0"/>
                         <a:ea typeface="Calibri" panose="020F0502020204030204" pitchFamily="34" charset="0"/>
                         <a:cs typeface="Calibri" panose="020F0502020204030204" pitchFamily="34" charset="0"/>
@@ -6097,7 +6177,7 @@
             <a:pPr algn="just"/>
             <a:r>
               <a:rPr lang="pt-PT" dirty="0" err="1"/>
-              <a:t>Obtained</a:t>
+              <a:t>Expected</a:t>
             </a:r>
             <a:r>
               <a:rPr lang="pt-PT" dirty="0"/>
@@ -6105,7 +6185,7 @@
             </a:r>
             <a:r>
               <a:rPr lang="pt-PT" dirty="0" err="1"/>
-              <a:t>inferences</a:t>
+              <a:t>results</a:t>
             </a:r>
             <a:r>
               <a:rPr lang="pt-PT" dirty="0"/>
@@ -6113,577 +6193,83 @@
             </a:r>
           </a:p>
           <a:p>
-            <a:pPr lvl="1" algn="just"/>
+            <a:pPr lvl="1"/>
             <a:r>
               <a:rPr lang="pt-PT" dirty="0"/>
-              <a:t>In </a:t>
-            </a:r>
-            <a:r>
-              <a:rPr lang="pt-PT" dirty="0" err="1"/>
-              <a:t>both</a:t>
-            </a:r>
+              <a:t>A</a:t>
+            </a:r>
+          </a:p>
+          <a:p>
+            <a:pPr lvl="1"/>
+            <a:endParaRPr lang="pt-PT" dirty="0"/>
+          </a:p>
+          <a:p>
+            <a:pPr lvl="1"/>
             <a:r>
               <a:rPr lang="pt-PT" dirty="0"/>
-              <a:t> </a:t>
-            </a:r>
-            <a:r>
-              <a:rPr lang="pt-PT" dirty="0" err="1"/>
-              <a:t>PCs</a:t>
-            </a:r>
-            <a:r>
-              <a:rPr lang="pt-PT" dirty="0"/>
-              <a:t>, </a:t>
-            </a:r>
-            <a:r>
-              <a:rPr lang="pt-PT" dirty="0" err="1"/>
-              <a:t>there</a:t>
-            </a:r>
-            <a:r>
-              <a:rPr lang="pt-PT" dirty="0"/>
-              <a:t> </a:t>
-            </a:r>
-            <a:r>
-              <a:rPr lang="pt-PT" dirty="0" err="1"/>
-              <a:t>is</a:t>
-            </a:r>
-            <a:r>
-              <a:rPr lang="pt-PT" dirty="0"/>
-              <a:t> a </a:t>
-            </a:r>
-            <a:r>
-              <a:rPr lang="pt-PT" dirty="0" err="1"/>
-              <a:t>small</a:t>
-            </a:r>
-            <a:r>
-              <a:rPr lang="pt-PT" dirty="0"/>
-              <a:t> </a:t>
-            </a:r>
-            <a:r>
-              <a:rPr lang="pt-PT" dirty="0" err="1"/>
-              <a:t>gain</a:t>
-            </a:r>
-            <a:r>
-              <a:rPr lang="pt-PT" dirty="0"/>
-              <a:t> </a:t>
-            </a:r>
-            <a:r>
-              <a:rPr lang="pt-PT" dirty="0" err="1"/>
-              <a:t>when</a:t>
-            </a:r>
-            <a:r>
-              <a:rPr lang="pt-PT" dirty="0"/>
-              <a:t> </a:t>
-            </a:r>
-            <a:r>
-              <a:rPr lang="pt-PT" dirty="0" err="1"/>
-              <a:t>using</a:t>
-            </a:r>
-            <a:r>
-              <a:rPr lang="pt-PT" dirty="0"/>
-              <a:t> 2 </a:t>
-            </a:r>
-            <a:r>
-              <a:rPr lang="pt-PT" dirty="0" err="1"/>
-              <a:t>threads</a:t>
-            </a:r>
-            <a:r>
-              <a:rPr lang="pt-PT" dirty="0"/>
-              <a:t> </a:t>
-            </a:r>
-            <a:r>
-              <a:rPr lang="pt-PT" dirty="0" err="1"/>
-              <a:t>comparing</a:t>
-            </a:r>
-            <a:r>
-              <a:rPr lang="pt-PT" dirty="0"/>
-              <a:t> to 1 </a:t>
-            </a:r>
-            <a:r>
-              <a:rPr lang="pt-PT" dirty="0" err="1"/>
-              <a:t>thread</a:t>
-            </a:r>
-            <a:r>
-              <a:rPr lang="pt-PT" dirty="0"/>
-              <a:t> </a:t>
-            </a:r>
-            <a:r>
-              <a:rPr lang="pt-PT" dirty="0" err="1"/>
-              <a:t>only</a:t>
-            </a:r>
-            <a:r>
-              <a:rPr lang="pt-PT" dirty="0"/>
-              <a:t>.</a:t>
-            </a:r>
-          </a:p>
-          <a:p>
-            <a:pPr lvl="1" algn="just"/>
-            <a:endParaRPr lang="pt-PT" dirty="0"/>
-          </a:p>
-          <a:p>
-            <a:pPr lvl="1" algn="just"/>
-            <a:r>
-              <a:rPr lang="pt-PT" dirty="0" err="1"/>
-              <a:t>From</a:t>
-            </a:r>
-            <a:r>
-              <a:rPr lang="pt-PT" dirty="0"/>
-              <a:t> </a:t>
-            </a:r>
-            <a:r>
-              <a:rPr lang="pt-PT" dirty="0" err="1"/>
-              <a:t>two</a:t>
-            </a:r>
-            <a:r>
-              <a:rPr lang="pt-PT" dirty="0"/>
-              <a:t> </a:t>
-            </a:r>
-            <a:r>
-              <a:rPr lang="pt-PT" dirty="0" err="1"/>
-              <a:t>threads</a:t>
-            </a:r>
-            <a:r>
-              <a:rPr lang="pt-PT" dirty="0"/>
-              <a:t> </a:t>
-            </a:r>
-            <a:r>
-              <a:rPr lang="pt-PT" dirty="0" err="1"/>
-              <a:t>upwards</a:t>
-            </a:r>
-            <a:r>
-              <a:rPr lang="pt-PT" dirty="0"/>
-              <a:t> and </a:t>
-            </a:r>
-            <a:r>
-              <a:rPr lang="pt-PT" b="1" dirty="0" err="1"/>
-              <a:t>given</a:t>
-            </a:r>
-            <a:r>
-              <a:rPr lang="pt-PT" b="1" dirty="0"/>
-              <a:t> the input files </a:t>
-            </a:r>
-            <a:r>
-              <a:rPr lang="pt-PT" b="1" dirty="0" err="1"/>
-              <a:t>used</a:t>
-            </a:r>
-            <a:r>
-              <a:rPr lang="pt-PT" dirty="0"/>
-              <a:t>, the </a:t>
-            </a:r>
-            <a:r>
-              <a:rPr lang="pt-PT" dirty="0" err="1"/>
-              <a:t>program</a:t>
-            </a:r>
-            <a:r>
-              <a:rPr lang="pt-PT" dirty="0"/>
-              <a:t> </a:t>
-            </a:r>
-            <a:r>
-              <a:rPr lang="pt-PT" dirty="0" err="1"/>
-              <a:t>execution</a:t>
-            </a:r>
-            <a:r>
-              <a:rPr lang="pt-PT" dirty="0"/>
-              <a:t> time does </a:t>
-            </a:r>
-            <a:r>
-              <a:rPr lang="pt-PT" dirty="0" err="1"/>
-              <a:t>not</a:t>
-            </a:r>
-            <a:r>
-              <a:rPr lang="pt-PT" dirty="0"/>
-              <a:t> </a:t>
-            </a:r>
-            <a:r>
-              <a:rPr lang="pt-PT" dirty="0" err="1"/>
-              <a:t>benefit</a:t>
-            </a:r>
-            <a:r>
-              <a:rPr lang="pt-PT" dirty="0"/>
-              <a:t> </a:t>
-            </a:r>
-            <a:r>
-              <a:rPr lang="pt-PT" dirty="0" err="1"/>
-              <a:t>at</a:t>
-            </a:r>
-            <a:r>
-              <a:rPr lang="pt-PT" dirty="0"/>
-              <a:t> </a:t>
-            </a:r>
-            <a:r>
-              <a:rPr lang="pt-PT" dirty="0" err="1"/>
-              <a:t>all</a:t>
-            </a:r>
-            <a:r>
-              <a:rPr lang="pt-PT" dirty="0"/>
-              <a:t> of </a:t>
-            </a:r>
-            <a:r>
-              <a:rPr lang="pt-PT" dirty="0" err="1"/>
-              <a:t>being</a:t>
-            </a:r>
-            <a:r>
-              <a:rPr lang="pt-PT" dirty="0"/>
-              <a:t> </a:t>
-            </a:r>
-            <a:r>
-              <a:rPr lang="pt-PT" dirty="0" err="1"/>
-              <a:t>run</a:t>
-            </a:r>
-            <a:r>
-              <a:rPr lang="pt-PT" dirty="0"/>
-              <a:t> </a:t>
-            </a:r>
-            <a:r>
-              <a:rPr lang="pt-PT" dirty="0" err="1"/>
-              <a:t>using</a:t>
-            </a:r>
-            <a:r>
-              <a:rPr lang="pt-PT" dirty="0"/>
-              <a:t> more </a:t>
-            </a:r>
-            <a:r>
-              <a:rPr lang="pt-PT" dirty="0" err="1"/>
-              <a:t>threads</a:t>
-            </a:r>
-            <a:r>
-              <a:rPr lang="pt-PT" dirty="0"/>
-              <a:t>.</a:t>
-            </a:r>
-          </a:p>
-          <a:p>
-            <a:pPr lvl="1" algn="just"/>
-            <a:endParaRPr lang="pt-PT" dirty="0"/>
-          </a:p>
-          <a:p>
-            <a:pPr lvl="1" algn="just"/>
-            <a:r>
-              <a:rPr lang="pt-PT" dirty="0" err="1"/>
-              <a:t>By</a:t>
-            </a:r>
-            <a:r>
-              <a:rPr lang="pt-PT" dirty="0"/>
-              <a:t> the </a:t>
-            </a:r>
-            <a:r>
-              <a:rPr lang="pt-PT" dirty="0" err="1"/>
-              <a:t>low</a:t>
-            </a:r>
-            <a:r>
-              <a:rPr lang="pt-PT" dirty="0"/>
-              <a:t> </a:t>
-            </a:r>
-            <a:r>
-              <a:rPr lang="pt-PT" dirty="0" err="1"/>
-              <a:t>values</a:t>
-            </a:r>
-            <a:r>
-              <a:rPr lang="pt-PT" dirty="0"/>
-              <a:t> of the standard </a:t>
-            </a:r>
-            <a:r>
-              <a:rPr lang="pt-PT" dirty="0" err="1"/>
-              <a:t>deviation</a:t>
-            </a:r>
-            <a:r>
-              <a:rPr lang="pt-PT" dirty="0"/>
-              <a:t> </a:t>
-            </a:r>
-            <a:r>
-              <a:rPr lang="pt-PT" dirty="0" err="1"/>
-              <a:t>we</a:t>
-            </a:r>
-            <a:r>
-              <a:rPr lang="pt-PT" dirty="0"/>
-              <a:t> can </a:t>
-            </a:r>
-            <a:r>
-              <a:rPr lang="pt-PT" dirty="0" err="1"/>
-              <a:t>perceive</a:t>
-            </a:r>
-            <a:r>
-              <a:rPr lang="pt-PT" dirty="0"/>
-              <a:t> </a:t>
-            </a:r>
-            <a:r>
-              <a:rPr lang="pt-PT" dirty="0" err="1"/>
-              <a:t>that</a:t>
-            </a:r>
-            <a:r>
-              <a:rPr lang="pt-PT" dirty="0"/>
-              <a:t> </a:t>
-            </a:r>
-            <a:r>
-              <a:rPr lang="pt-PT" dirty="0" err="1"/>
-              <a:t>all</a:t>
-            </a:r>
-            <a:r>
-              <a:rPr lang="pt-PT" dirty="0"/>
-              <a:t> </a:t>
-            </a:r>
-            <a:r>
-              <a:rPr lang="pt-PT" dirty="0" err="1"/>
-              <a:t>program’s</a:t>
-            </a:r>
-            <a:r>
-              <a:rPr lang="pt-PT" dirty="0"/>
-              <a:t> </a:t>
-            </a:r>
-            <a:r>
-              <a:rPr lang="pt-PT" dirty="0" err="1"/>
-              <a:t>executions</a:t>
-            </a:r>
-            <a:r>
-              <a:rPr lang="pt-PT" dirty="0"/>
-              <a:t> </a:t>
-            </a:r>
-            <a:r>
-              <a:rPr lang="pt-PT" dirty="0" err="1"/>
-              <a:t>follow</a:t>
-            </a:r>
-            <a:r>
-              <a:rPr lang="pt-PT" dirty="0"/>
-              <a:t> the </a:t>
-            </a:r>
-            <a:r>
-              <a:rPr lang="pt-PT" dirty="0" err="1"/>
-              <a:t>same</a:t>
-            </a:r>
-            <a:r>
-              <a:rPr lang="pt-PT" dirty="0"/>
-              <a:t> </a:t>
-            </a:r>
-            <a:r>
-              <a:rPr lang="pt-PT" dirty="0" err="1"/>
-              <a:t>conditions</a:t>
-            </a:r>
-            <a:r>
-              <a:rPr lang="pt-PT" dirty="0"/>
-              <a:t> (</a:t>
-            </a:r>
-            <a:r>
-              <a:rPr lang="pt-PT" dirty="0" err="1"/>
-              <a:t>it</a:t>
-            </a:r>
-            <a:r>
-              <a:rPr lang="pt-PT" dirty="0"/>
-              <a:t> </a:t>
-            </a:r>
-            <a:r>
-              <a:rPr lang="pt-PT" dirty="0" err="1"/>
-              <a:t>means</a:t>
-            </a:r>
-            <a:r>
-              <a:rPr lang="pt-PT" dirty="0"/>
-              <a:t> </a:t>
-            </a:r>
-            <a:r>
-              <a:rPr lang="pt-PT" dirty="0" err="1"/>
-              <a:t>that</a:t>
-            </a:r>
-            <a:r>
-              <a:rPr lang="pt-PT" dirty="0"/>
-              <a:t> </a:t>
-            </a:r>
-            <a:r>
-              <a:rPr lang="pt-PT" dirty="0" err="1"/>
-              <a:t>there</a:t>
-            </a:r>
-            <a:r>
-              <a:rPr lang="pt-PT" dirty="0"/>
-              <a:t> </a:t>
-            </a:r>
-            <a:r>
-              <a:rPr lang="pt-PT" dirty="0" err="1"/>
-              <a:t>were</a:t>
-            </a:r>
-            <a:r>
-              <a:rPr lang="pt-PT" dirty="0"/>
-              <a:t> no </a:t>
-            </a:r>
-            <a:r>
-              <a:rPr lang="pt-PT" dirty="0" err="1"/>
-              <a:t>big</a:t>
-            </a:r>
-            <a:r>
-              <a:rPr lang="pt-PT" dirty="0"/>
-              <a:t> </a:t>
-            </a:r>
-            <a:r>
-              <a:rPr lang="pt-PT" dirty="0" err="1"/>
-              <a:t>changes</a:t>
-            </a:r>
-            <a:r>
-              <a:rPr lang="pt-PT" dirty="0"/>
-              <a:t> in </a:t>
-            </a:r>
-            <a:r>
-              <a:rPr lang="pt-PT" dirty="0" err="1"/>
-              <a:t>terms</a:t>
-            </a:r>
-            <a:r>
-              <a:rPr lang="pt-PT" dirty="0"/>
-              <a:t> of </a:t>
-            </a:r>
-            <a:r>
-              <a:rPr lang="pt-PT" dirty="0" err="1"/>
-              <a:t>available</a:t>
-            </a:r>
-            <a:r>
-              <a:rPr lang="pt-PT" dirty="0"/>
-              <a:t> hardware/software). </a:t>
-            </a:r>
-            <a:r>
-              <a:rPr lang="pt-PT" dirty="0" err="1"/>
-              <a:t>However</a:t>
-            </a:r>
-            <a:r>
-              <a:rPr lang="pt-PT" dirty="0"/>
-              <a:t>, PC1 </a:t>
-            </a:r>
-            <a:r>
-              <a:rPr lang="pt-PT" dirty="0" err="1"/>
-              <a:t>presents</a:t>
-            </a:r>
-            <a:r>
-              <a:rPr lang="pt-PT" dirty="0"/>
-              <a:t> </a:t>
-            </a:r>
-            <a:r>
-              <a:rPr lang="pt-PT" dirty="0" err="1"/>
-              <a:t>lower</a:t>
-            </a:r>
-            <a:r>
-              <a:rPr lang="pt-PT" dirty="0"/>
-              <a:t> </a:t>
-            </a:r>
-            <a:r>
-              <a:rPr lang="pt-PT" dirty="0" err="1"/>
-              <a:t>deviation</a:t>
-            </a:r>
-            <a:r>
-              <a:rPr lang="pt-PT" dirty="0"/>
-              <a:t> </a:t>
-            </a:r>
-            <a:r>
-              <a:rPr lang="pt-PT" dirty="0" err="1"/>
-              <a:t>values</a:t>
-            </a:r>
-            <a:r>
-              <a:rPr lang="pt-PT" dirty="0"/>
-              <a:t>, </a:t>
-            </a:r>
-            <a:r>
-              <a:rPr lang="pt-PT" dirty="0" err="1"/>
-              <a:t>which</a:t>
-            </a:r>
-            <a:r>
-              <a:rPr lang="pt-PT" dirty="0"/>
-              <a:t> </a:t>
-            </a:r>
-            <a:r>
-              <a:rPr lang="pt-PT" dirty="0" err="1"/>
-              <a:t>may</a:t>
-            </a:r>
-            <a:r>
-              <a:rPr lang="pt-PT" dirty="0"/>
-              <a:t> </a:t>
-            </a:r>
-            <a:r>
-              <a:rPr lang="pt-PT" dirty="0" err="1"/>
-              <a:t>be</a:t>
-            </a:r>
-            <a:r>
-              <a:rPr lang="pt-PT" dirty="0"/>
-              <a:t> </a:t>
-            </a:r>
-            <a:r>
-              <a:rPr lang="pt-PT" dirty="0" err="1"/>
-              <a:t>related</a:t>
-            </a:r>
-            <a:r>
-              <a:rPr lang="pt-PT" dirty="0"/>
-              <a:t> to the </a:t>
-            </a:r>
-            <a:r>
-              <a:rPr lang="pt-PT" dirty="0" err="1"/>
-              <a:t>higher</a:t>
-            </a:r>
-            <a:r>
-              <a:rPr lang="pt-PT" dirty="0"/>
-              <a:t> </a:t>
-            </a:r>
-            <a:r>
-              <a:rPr lang="pt-PT" dirty="0" err="1"/>
-              <a:t>specifications</a:t>
-            </a:r>
-            <a:r>
-              <a:rPr lang="pt-PT" dirty="0"/>
-              <a:t> </a:t>
-            </a:r>
-            <a:r>
-              <a:rPr lang="pt-PT" dirty="0" err="1"/>
-              <a:t>given</a:t>
-            </a:r>
-            <a:r>
-              <a:rPr lang="pt-PT" dirty="0"/>
-              <a:t> to the VM </a:t>
-            </a:r>
-            <a:r>
-              <a:rPr lang="pt-PT" dirty="0" err="1"/>
-              <a:t>when</a:t>
-            </a:r>
-            <a:r>
-              <a:rPr lang="pt-PT" dirty="0"/>
-              <a:t> </a:t>
-            </a:r>
-            <a:r>
-              <a:rPr lang="pt-PT" dirty="0" err="1"/>
-              <a:t>comparing</a:t>
-            </a:r>
-            <a:r>
-              <a:rPr lang="pt-PT" dirty="0"/>
-              <a:t> </a:t>
-            </a:r>
-            <a:r>
-              <a:rPr lang="pt-PT" dirty="0" err="1"/>
-              <a:t>with</a:t>
-            </a:r>
-            <a:r>
-              <a:rPr lang="pt-PT" dirty="0"/>
-              <a:t> the </a:t>
-            </a:r>
-            <a:r>
-              <a:rPr lang="pt-PT" dirty="0" err="1"/>
-              <a:t>ones</a:t>
-            </a:r>
-            <a:r>
-              <a:rPr lang="pt-PT" dirty="0"/>
-              <a:t> </a:t>
-            </a:r>
-            <a:r>
-              <a:rPr lang="pt-PT" dirty="0" err="1"/>
-              <a:t>given</a:t>
-            </a:r>
-            <a:r>
-              <a:rPr lang="pt-PT" dirty="0"/>
-              <a:t> to the VM of PC2.</a:t>
-            </a:r>
-          </a:p>
-          <a:p>
-            <a:pPr lvl="1" algn="just"/>
-            <a:endParaRPr lang="pt-PT" dirty="0"/>
-          </a:p>
-          <a:p>
-            <a:pPr algn="just"/>
-            <a:r>
-              <a:rPr lang="en-US" u="sng" dirty="0"/>
-              <a:t>When looking at these conclusions we can't forget the environment at which the program ran: a virtual machine which applies an "additional layer" between the operating system and the program execution.</a:t>
-            </a:r>
-            <a:endParaRPr lang="pt-PT" u="sng" dirty="0">
+              <a:t>B</a:t>
+            </a:r>
+            <a:endParaRPr lang="pt-PT" dirty="0">
               <a:latin typeface="Calibri" panose="020F0502020204030204" pitchFamily="34" charset="0"/>
               <a:ea typeface="Calibri" panose="020F0502020204030204" pitchFamily="34" charset="0"/>
               <a:cs typeface="Calibri" panose="020F0502020204030204" pitchFamily="34" charset="0"/>
             </a:endParaRPr>
+          </a:p>
+          <a:p>
+            <a:pPr lvl="1"/>
+            <a:endParaRPr lang="pt-PT" dirty="0">
+              <a:latin typeface="Calibri" panose="020F0502020204030204" pitchFamily="34" charset="0"/>
+              <a:ea typeface="Calibri" panose="020F0502020204030204" pitchFamily="34" charset="0"/>
+              <a:cs typeface="Calibri" panose="020F0502020204030204" pitchFamily="34" charset="0"/>
+            </a:endParaRPr>
+          </a:p>
+          <a:p>
+            <a:pPr lvl="1" algn="just"/>
+            <a:r>
+              <a:rPr lang="pt-PT" dirty="0"/>
+              <a:t>C</a:t>
+            </a:r>
+          </a:p>
+          <a:p>
+            <a:pPr lvl="1" algn="just"/>
+            <a:endParaRPr lang="pt-PT" dirty="0"/>
+          </a:p>
+          <a:p>
+            <a:pPr algn="just"/>
+            <a:r>
+              <a:rPr lang="en-US" dirty="0"/>
+              <a:t>Test results:</a:t>
+            </a:r>
+          </a:p>
+          <a:p>
+            <a:pPr lvl="1" algn="just"/>
+            <a:r>
+              <a:rPr lang="en-US" dirty="0"/>
+              <a:t>A</a:t>
+            </a:r>
+          </a:p>
+          <a:p>
+            <a:pPr lvl="1" algn="just"/>
+            <a:endParaRPr lang="en-US" dirty="0"/>
+          </a:p>
+          <a:p>
+            <a:pPr lvl="1" algn="just"/>
+            <a:r>
+              <a:rPr lang="en-US" dirty="0"/>
+              <a:t>B</a:t>
+            </a:r>
+          </a:p>
+          <a:p>
+            <a:pPr lvl="1" algn="just"/>
+            <a:endParaRPr lang="en-US" dirty="0"/>
+          </a:p>
+          <a:p>
+            <a:pPr lvl="1" algn="just"/>
+            <a:r>
+              <a:rPr lang="en-US" dirty="0"/>
+              <a:t>C</a:t>
+            </a:r>
+            <a:endParaRPr lang="pt-PT" dirty="0"/>
           </a:p>
           <a:p>
             <a:pPr lvl="1"/>
@@ -6996,7 +6582,7 @@
                 <a:latin typeface="Calibri" panose="020F0502020204030204" pitchFamily="34" charset="0"/>
                 <a:cs typeface="Calibri" panose="020F0502020204030204" pitchFamily="34" charset="0"/>
               </a:rPr>
-              <a:t>[o]</a:t>
+              <a:t>[0]</a:t>
             </a:r>
           </a:p>
         </p:txBody>
@@ -7297,7 +6883,7 @@
             <p:ph idx="1"/>
             <p:extLst>
               <p:ext uri="{D42A27DB-BD31-4B8C-83A1-F6EECF244321}">
-                <p14:modId xmlns:p14="http://schemas.microsoft.com/office/powerpoint/2010/main" val="1477508619"/>
+                <p14:modId xmlns:p14="http://schemas.microsoft.com/office/powerpoint/2010/main" val="4259486077"/>
               </p:ext>
             </p:extLst>
           </p:nvPr>
@@ -7572,14 +7158,11 @@
                         </a:rPr>
                         <a:t>Mean</a:t>
                       </a:r>
-                      <a:r>
-                        <a:rPr lang="pt-PT" sz="1200" b="0" dirty="0">
-                          <a:latin typeface="Calibri" panose="020F0502020204030204" pitchFamily="34" charset="0"/>
-                          <a:ea typeface="Calibri" panose="020F0502020204030204" pitchFamily="34" charset="0"/>
-                          <a:cs typeface="Calibri" panose="020F0502020204030204" pitchFamily="34" charset="0"/>
-                        </a:rPr>
-                        <a:t> (s)</a:t>
-                      </a:r>
+                      <a:endParaRPr lang="pt-PT" sz="1200" b="0" dirty="0">
+                        <a:latin typeface="Calibri" panose="020F0502020204030204" pitchFamily="34" charset="0"/>
+                        <a:ea typeface="Calibri" panose="020F0502020204030204" pitchFamily="34" charset="0"/>
+                        <a:cs typeface="Calibri" panose="020F0502020204030204" pitchFamily="34" charset="0"/>
+                      </a:endParaRPr>
                     </a:p>
                   </a:txBody>
                   <a:tcPr marL="81828" marR="81828" anchor="ctr">
@@ -7612,14 +7195,11 @@
                         </a:rPr>
                         <a:t>deviation</a:t>
                       </a:r>
-                      <a:r>
-                        <a:rPr lang="pt-PT" sz="1200" b="0" dirty="0">
-                          <a:latin typeface="Calibri" panose="020F0502020204030204" pitchFamily="34" charset="0"/>
-                          <a:ea typeface="Calibri" panose="020F0502020204030204" pitchFamily="34" charset="0"/>
-                          <a:cs typeface="Calibri" panose="020F0502020204030204" pitchFamily="34" charset="0"/>
-                        </a:rPr>
-                        <a:t> (s)</a:t>
-                      </a:r>
+                      <a:endParaRPr lang="pt-PT" sz="1200" b="0" dirty="0">
+                        <a:latin typeface="Calibri" panose="020F0502020204030204" pitchFamily="34" charset="0"/>
+                        <a:ea typeface="Calibri" panose="020F0502020204030204" pitchFamily="34" charset="0"/>
+                        <a:cs typeface="Calibri" panose="020F0502020204030204" pitchFamily="34" charset="0"/>
+                      </a:endParaRPr>
                     </a:p>
                   </a:txBody>
                   <a:tcPr marL="81828" marR="81828" anchor="ctr">
@@ -7644,14 +7224,11 @@
                         </a:rPr>
                         <a:t>Mean</a:t>
                       </a:r>
-                      <a:r>
-                        <a:rPr lang="pt-PT" sz="1200" b="0" dirty="0">
-                          <a:latin typeface="Calibri" panose="020F0502020204030204" pitchFamily="34" charset="0"/>
-                          <a:ea typeface="Calibri" panose="020F0502020204030204" pitchFamily="34" charset="0"/>
-                          <a:cs typeface="Calibri" panose="020F0502020204030204" pitchFamily="34" charset="0"/>
-                        </a:rPr>
-                        <a:t> (s)</a:t>
-                      </a:r>
+                      <a:endParaRPr lang="pt-PT" sz="1200" b="0" dirty="0">
+                        <a:latin typeface="Calibri" panose="020F0502020204030204" pitchFamily="34" charset="0"/>
+                        <a:ea typeface="Calibri" panose="020F0502020204030204" pitchFamily="34" charset="0"/>
+                        <a:cs typeface="Calibri" panose="020F0502020204030204" pitchFamily="34" charset="0"/>
+                      </a:endParaRPr>
                     </a:p>
                   </a:txBody>
                   <a:tcPr marL="81828" marR="81828" anchor="ctr">
@@ -7684,14 +7261,11 @@
                         </a:rPr>
                         <a:t>deviation</a:t>
                       </a:r>
-                      <a:r>
-                        <a:rPr lang="pt-PT" sz="1200" b="0" dirty="0">
-                          <a:latin typeface="Calibri" panose="020F0502020204030204" pitchFamily="34" charset="0"/>
-                          <a:ea typeface="Calibri" panose="020F0502020204030204" pitchFamily="34" charset="0"/>
-                          <a:cs typeface="Calibri" panose="020F0502020204030204" pitchFamily="34" charset="0"/>
-                        </a:rPr>
-                        <a:t> (s)</a:t>
-                      </a:r>
+                      <a:endParaRPr lang="pt-PT" sz="1200" b="0" dirty="0">
+                        <a:latin typeface="Calibri" panose="020F0502020204030204" pitchFamily="34" charset="0"/>
+                        <a:ea typeface="Calibri" panose="020F0502020204030204" pitchFamily="34" charset="0"/>
+                        <a:cs typeface="Calibri" panose="020F0502020204030204" pitchFamily="34" charset="0"/>
+                      </a:endParaRPr>
                     </a:p>
                   </a:txBody>
                   <a:tcPr marL="81828" marR="81828" anchor="ctr">
@@ -7716,14 +7290,11 @@
                         </a:rPr>
                         <a:t>Mean</a:t>
                       </a:r>
-                      <a:r>
-                        <a:rPr lang="pt-PT" sz="1200" b="0" dirty="0">
-                          <a:latin typeface="Calibri" panose="020F0502020204030204" pitchFamily="34" charset="0"/>
-                          <a:ea typeface="Calibri" panose="020F0502020204030204" pitchFamily="34" charset="0"/>
-                          <a:cs typeface="Calibri" panose="020F0502020204030204" pitchFamily="34" charset="0"/>
-                        </a:rPr>
-                        <a:t> (s)</a:t>
-                      </a:r>
+                      <a:endParaRPr lang="pt-PT" sz="1200" b="0" dirty="0">
+                        <a:latin typeface="Calibri" panose="020F0502020204030204" pitchFamily="34" charset="0"/>
+                        <a:ea typeface="Calibri" panose="020F0502020204030204" pitchFamily="34" charset="0"/>
+                        <a:cs typeface="Calibri" panose="020F0502020204030204" pitchFamily="34" charset="0"/>
+                      </a:endParaRPr>
                     </a:p>
                   </a:txBody>
                   <a:tcPr marL="81828" marR="81828" anchor="ctr">
@@ -7756,14 +7327,11 @@
                         </a:rPr>
                         <a:t>deviation</a:t>
                       </a:r>
-                      <a:r>
-                        <a:rPr lang="pt-PT" sz="1200" b="0" dirty="0">
-                          <a:latin typeface="Calibri" panose="020F0502020204030204" pitchFamily="34" charset="0"/>
-                          <a:ea typeface="Calibri" panose="020F0502020204030204" pitchFamily="34" charset="0"/>
-                          <a:cs typeface="Calibri" panose="020F0502020204030204" pitchFamily="34" charset="0"/>
-                        </a:rPr>
-                        <a:t> (s)</a:t>
-                      </a:r>
+                      <a:endParaRPr lang="pt-PT" sz="1200" b="0" dirty="0">
+                        <a:latin typeface="Calibri" panose="020F0502020204030204" pitchFamily="34" charset="0"/>
+                        <a:ea typeface="Calibri" panose="020F0502020204030204" pitchFamily="34" charset="0"/>
+                        <a:cs typeface="Calibri" panose="020F0502020204030204" pitchFamily="34" charset="0"/>
+                      </a:endParaRPr>
                     </a:p>
                   </a:txBody>
                   <a:tcPr marL="81828" marR="81828" anchor="ctr">
@@ -7788,14 +7356,11 @@
                         </a:rPr>
                         <a:t>Mean</a:t>
                       </a:r>
-                      <a:r>
-                        <a:rPr lang="pt-PT" sz="1200" b="0" dirty="0">
-                          <a:latin typeface="Calibri" panose="020F0502020204030204" pitchFamily="34" charset="0"/>
-                          <a:ea typeface="Calibri" panose="020F0502020204030204" pitchFamily="34" charset="0"/>
-                          <a:cs typeface="Calibri" panose="020F0502020204030204" pitchFamily="34" charset="0"/>
-                        </a:rPr>
-                        <a:t> (s)</a:t>
-                      </a:r>
+                      <a:endParaRPr lang="pt-PT" sz="1200" b="0" dirty="0">
+                        <a:latin typeface="Calibri" panose="020F0502020204030204" pitchFamily="34" charset="0"/>
+                        <a:ea typeface="Calibri" panose="020F0502020204030204" pitchFamily="34" charset="0"/>
+                        <a:cs typeface="Calibri" panose="020F0502020204030204" pitchFamily="34" charset="0"/>
+                      </a:endParaRPr>
                     </a:p>
                   </a:txBody>
                   <a:tcPr marL="81828" marR="81828" anchor="ctr">
@@ -7828,14 +7393,11 @@
                         </a:rPr>
                         <a:t>deviation</a:t>
                       </a:r>
-                      <a:r>
-                        <a:rPr lang="pt-PT" sz="1200" b="0" dirty="0">
-                          <a:latin typeface="Calibri" panose="020F0502020204030204" pitchFamily="34" charset="0"/>
-                          <a:ea typeface="Calibri" panose="020F0502020204030204" pitchFamily="34" charset="0"/>
-                          <a:cs typeface="Calibri" panose="020F0502020204030204" pitchFamily="34" charset="0"/>
-                        </a:rPr>
-                        <a:t> (s)</a:t>
-                      </a:r>
+                      <a:endParaRPr lang="pt-PT" sz="1200" b="0" dirty="0">
+                        <a:latin typeface="Calibri" panose="020F0502020204030204" pitchFamily="34" charset="0"/>
+                        <a:ea typeface="Calibri" panose="020F0502020204030204" pitchFamily="34" charset="0"/>
+                        <a:cs typeface="Calibri" panose="020F0502020204030204" pitchFamily="34" charset="0"/>
+                      </a:endParaRPr>
                     </a:p>
                   </a:txBody>
                   <a:tcPr marL="81828" marR="81828" anchor="ctr">
@@ -7867,166 +7429,6 @@
                         </a:rPr>
                         <a:t>datSeq32.bin</a:t>
                       </a:r>
-                    </a:p>
-                  </a:txBody>
-                  <a:tcPr anchor="ctr"/>
-                </a:tc>
-                <a:tc>
-                  <a:txBody>
-                    <a:bodyPr/>
-                    <a:lstStyle/>
-                    <a:p>
-                      <a:pPr algn="ctr"/>
-                      <a:endParaRPr lang="pt-PT" sz="1400" dirty="0">
-                        <a:latin typeface="Calibri" panose="020F0502020204030204" pitchFamily="34" charset="0"/>
-                        <a:ea typeface="Calibri" panose="020F0502020204030204" pitchFamily="34" charset="0"/>
-                        <a:cs typeface="Calibri" panose="020F0502020204030204" pitchFamily="34" charset="0"/>
-                      </a:endParaRPr>
-                    </a:p>
-                  </a:txBody>
-                  <a:tcPr anchor="ctr"/>
-                </a:tc>
-                <a:tc>
-                  <a:txBody>
-                    <a:bodyPr/>
-                    <a:lstStyle/>
-                    <a:p>
-                      <a:pPr algn="ctr"/>
-                      <a:endParaRPr lang="pt-PT" sz="1400" dirty="0">
-                        <a:latin typeface="Calibri" panose="020F0502020204030204" pitchFamily="34" charset="0"/>
-                        <a:ea typeface="Calibri" panose="020F0502020204030204" pitchFamily="34" charset="0"/>
-                        <a:cs typeface="Calibri" panose="020F0502020204030204" pitchFamily="34" charset="0"/>
-                      </a:endParaRPr>
-                    </a:p>
-                  </a:txBody>
-                  <a:tcPr anchor="ctr"/>
-                </a:tc>
-                <a:tc>
-                  <a:txBody>
-                    <a:bodyPr/>
-                    <a:lstStyle/>
-                    <a:p>
-                      <a:pPr algn="ctr"/>
-                      <a:endParaRPr lang="pt-PT" sz="1400" dirty="0">
-                        <a:latin typeface="Calibri" panose="020F0502020204030204" pitchFamily="34" charset="0"/>
-                        <a:ea typeface="Calibri" panose="020F0502020204030204" pitchFamily="34" charset="0"/>
-                        <a:cs typeface="Calibri" panose="020F0502020204030204" pitchFamily="34" charset="0"/>
-                      </a:endParaRPr>
-                    </a:p>
-                  </a:txBody>
-                  <a:tcPr anchor="ctr"/>
-                </a:tc>
-                <a:tc>
-                  <a:txBody>
-                    <a:bodyPr/>
-                    <a:lstStyle/>
-                    <a:p>
-                      <a:pPr algn="ctr"/>
-                      <a:endParaRPr lang="pt-PT" sz="1400" dirty="0">
-                        <a:latin typeface="Calibri" panose="020F0502020204030204" pitchFamily="34" charset="0"/>
-                        <a:ea typeface="Calibri" panose="020F0502020204030204" pitchFamily="34" charset="0"/>
-                        <a:cs typeface="Calibri" panose="020F0502020204030204" pitchFamily="34" charset="0"/>
-                      </a:endParaRPr>
-                    </a:p>
-                  </a:txBody>
-                  <a:tcPr anchor="ctr"/>
-                </a:tc>
-                <a:tc>
-                  <a:txBody>
-                    <a:bodyPr/>
-                    <a:lstStyle/>
-                    <a:p>
-                      <a:pPr algn="ctr"/>
-                      <a:endParaRPr lang="pt-PT" sz="1400" dirty="0">
-                        <a:latin typeface="Calibri" panose="020F0502020204030204" pitchFamily="34" charset="0"/>
-                        <a:ea typeface="Calibri" panose="020F0502020204030204" pitchFamily="34" charset="0"/>
-                        <a:cs typeface="Calibri" panose="020F0502020204030204" pitchFamily="34" charset="0"/>
-                      </a:endParaRPr>
-                    </a:p>
-                  </a:txBody>
-                  <a:tcPr anchor="ctr"/>
-                </a:tc>
-                <a:tc>
-                  <a:txBody>
-                    <a:bodyPr/>
-                    <a:lstStyle/>
-                    <a:p>
-                      <a:pPr algn="ctr"/>
-                      <a:endParaRPr lang="pt-PT" sz="1400" dirty="0">
-                        <a:latin typeface="Calibri" panose="020F0502020204030204" pitchFamily="34" charset="0"/>
-                        <a:ea typeface="Calibri" panose="020F0502020204030204" pitchFamily="34" charset="0"/>
-                        <a:cs typeface="Calibri" panose="020F0502020204030204" pitchFamily="34" charset="0"/>
-                      </a:endParaRPr>
-                    </a:p>
-                  </a:txBody>
-                  <a:tcPr anchor="ctr"/>
-                </a:tc>
-                <a:tc>
-                  <a:txBody>
-                    <a:bodyPr/>
-                    <a:lstStyle/>
-                    <a:p>
-                      <a:pPr algn="ctr"/>
-                      <a:endParaRPr lang="pt-PT" sz="1400" dirty="0">
-                        <a:latin typeface="Calibri" panose="020F0502020204030204" pitchFamily="34" charset="0"/>
-                        <a:ea typeface="Calibri" panose="020F0502020204030204" pitchFamily="34" charset="0"/>
-                        <a:cs typeface="Calibri" panose="020F0502020204030204" pitchFamily="34" charset="0"/>
-                      </a:endParaRPr>
-                    </a:p>
-                  </a:txBody>
-                  <a:tcPr anchor="ctr"/>
-                </a:tc>
-                <a:tc>
-                  <a:txBody>
-                    <a:bodyPr/>
-                    <a:lstStyle/>
-                    <a:p>
-                      <a:pPr algn="ctr"/>
-                      <a:endParaRPr lang="pt-PT" sz="1400" dirty="0">
-                        <a:latin typeface="Calibri" panose="020F0502020204030204" pitchFamily="34" charset="0"/>
-                        <a:ea typeface="Calibri" panose="020F0502020204030204" pitchFamily="34" charset="0"/>
-                        <a:cs typeface="Calibri" panose="020F0502020204030204" pitchFamily="34" charset="0"/>
-                      </a:endParaRPr>
-                    </a:p>
-                  </a:txBody>
-                  <a:tcPr anchor="ctr"/>
-                </a:tc>
-                <a:extLst>
-                  <a:ext uri="{0D108BD9-81ED-4DB2-BD59-A6C34878D82A}">
-                    <a16:rowId xmlns:a16="http://schemas.microsoft.com/office/drawing/2014/main" val="309770518"/>
-                  </a:ext>
-                </a:extLst>
-              </a:tr>
-              <a:tr h="287466">
-                <a:tc>
-                  <a:txBody>
-                    <a:bodyPr/>
-                    <a:lstStyle/>
-                    <a:p>
-                      <a:pPr algn="ctr"/>
-                      <a:r>
-                        <a:rPr lang="pt-PT" dirty="0">
-                          <a:latin typeface="Calibri" panose="020F0502020204030204" pitchFamily="34" charset="0"/>
-                          <a:ea typeface="Calibri" panose="020F0502020204030204" pitchFamily="34" charset="0"/>
-                          <a:cs typeface="Calibri" panose="020F0502020204030204" pitchFamily="34" charset="0"/>
-                        </a:rPr>
-                        <a:t>datSeq256K.bin</a:t>
-                      </a:r>
-                    </a:p>
-                  </a:txBody>
-                  <a:tcPr anchor="ctr"/>
-                </a:tc>
-                <a:tc>
-                  <a:txBody>
-                    <a:bodyPr/>
-                    <a:lstStyle/>
-                    <a:p>
-                      <a:pPr algn="ctr"/>
-                      <a:endParaRPr lang="pt-PT" sz="1400" dirty="0">
-                        <a:latin typeface="Calibri" panose="020F0502020204030204" pitchFamily="34" charset="0"/>
-                        <a:ea typeface="Calibri" panose="020F0502020204030204" pitchFamily="34" charset="0"/>
-                        <a:cs typeface="Calibri" panose="020F0502020204030204" pitchFamily="34" charset="0"/>
-                      </a:endParaRPr>
                     </a:p>
                   </a:txBody>
                   <a:tcPr anchor="ctr"/>
@@ -8053,7 +7455,23 @@
                         <a:tabLst/>
                         <a:defRPr/>
                       </a:pPr>
-                      <a:endParaRPr lang="pt-PT" sz="1400" dirty="0">
+                      <a:r>
+                        <a:rPr lang="pt-PT" sz="1200" dirty="0">
+                          <a:latin typeface="Calibri" panose="020F0502020204030204" pitchFamily="34" charset="0"/>
+                          <a:ea typeface="Calibri" panose="020F0502020204030204" pitchFamily="34" charset="0"/>
+                          <a:cs typeface="Calibri" panose="020F0502020204030204" pitchFamily="34" charset="0"/>
+                        </a:rPr>
+                        <a:t>0.021 </a:t>
+                      </a:r>
+                      <a:r>
+                        <a:rPr lang="pt-PT" sz="1200" dirty="0" err="1">
+                          <a:latin typeface="Calibri" panose="020F0502020204030204" pitchFamily="34" charset="0"/>
+                          <a:ea typeface="Calibri" panose="020F0502020204030204" pitchFamily="34" charset="0"/>
+                          <a:cs typeface="Calibri" panose="020F0502020204030204" pitchFamily="34" charset="0"/>
+                        </a:rPr>
+                        <a:t>ms</a:t>
+                      </a:r>
+                      <a:endParaRPr lang="pt-PT" sz="1200" dirty="0">
                         <a:latin typeface="Calibri" panose="020F0502020204030204" pitchFamily="34" charset="0"/>
                         <a:ea typeface="Calibri" panose="020F0502020204030204" pitchFamily="34" charset="0"/>
                         <a:cs typeface="Calibri" panose="020F0502020204030204" pitchFamily="34" charset="0"/>
@@ -8068,7 +7486,265 @@
                     <a:lstStyle/>
                     <a:p>
                       <a:pPr algn="ctr"/>
-                      <a:endParaRPr lang="pt-PT" sz="1400" dirty="0">
+                      <a:r>
+                        <a:rPr lang="pt-PT" sz="1200" dirty="0">
+                          <a:latin typeface="Calibri" panose="020F0502020204030204" pitchFamily="34" charset="0"/>
+                          <a:ea typeface="Calibri" panose="020F0502020204030204" pitchFamily="34" charset="0"/>
+                          <a:cs typeface="Calibri" panose="020F0502020204030204" pitchFamily="34" charset="0"/>
+                        </a:rPr>
+                        <a:t>0.003 </a:t>
+                      </a:r>
+                      <a:r>
+                        <a:rPr lang="pt-PT" sz="1200" dirty="0" err="1">
+                          <a:latin typeface="Calibri" panose="020F0502020204030204" pitchFamily="34" charset="0"/>
+                          <a:ea typeface="Calibri" panose="020F0502020204030204" pitchFamily="34" charset="0"/>
+                          <a:cs typeface="Calibri" panose="020F0502020204030204" pitchFamily="34" charset="0"/>
+                        </a:rPr>
+                        <a:t>ms</a:t>
+                      </a:r>
+                      <a:endParaRPr lang="pt-PT" sz="1200" dirty="0">
+                        <a:latin typeface="Calibri" panose="020F0502020204030204" pitchFamily="34" charset="0"/>
+                        <a:ea typeface="Calibri" panose="020F0502020204030204" pitchFamily="34" charset="0"/>
+                        <a:cs typeface="Calibri" panose="020F0502020204030204" pitchFamily="34" charset="0"/>
+                      </a:endParaRPr>
+                    </a:p>
+                  </a:txBody>
+                  <a:tcPr anchor="ctr"/>
+                </a:tc>
+                <a:tc>
+                  <a:txBody>
+                    <a:bodyPr/>
+                    <a:lstStyle/>
+                    <a:p>
+                      <a:pPr algn="ctr"/>
+                      <a:r>
+                        <a:rPr lang="pt-PT" sz="1200" dirty="0">
+                          <a:latin typeface="Calibri" panose="020F0502020204030204" pitchFamily="34" charset="0"/>
+                          <a:ea typeface="Calibri" panose="020F0502020204030204" pitchFamily="34" charset="0"/>
+                          <a:cs typeface="Calibri" panose="020F0502020204030204" pitchFamily="34" charset="0"/>
+                        </a:rPr>
+                        <a:t>0.039 </a:t>
+                      </a:r>
+                      <a:r>
+                        <a:rPr lang="pt-PT" sz="1200" dirty="0" err="1">
+                          <a:latin typeface="Calibri" panose="020F0502020204030204" pitchFamily="34" charset="0"/>
+                          <a:ea typeface="Calibri" panose="020F0502020204030204" pitchFamily="34" charset="0"/>
+                          <a:cs typeface="Calibri" panose="020F0502020204030204" pitchFamily="34" charset="0"/>
+                        </a:rPr>
+                        <a:t>ms</a:t>
+                      </a:r>
+                      <a:endParaRPr lang="pt-PT" sz="1200" dirty="0">
+                        <a:latin typeface="Calibri" panose="020F0502020204030204" pitchFamily="34" charset="0"/>
+                        <a:ea typeface="Calibri" panose="020F0502020204030204" pitchFamily="34" charset="0"/>
+                        <a:cs typeface="Calibri" panose="020F0502020204030204" pitchFamily="34" charset="0"/>
+                      </a:endParaRPr>
+                    </a:p>
+                  </a:txBody>
+                  <a:tcPr anchor="ctr"/>
+                </a:tc>
+                <a:tc>
+                  <a:txBody>
+                    <a:bodyPr/>
+                    <a:lstStyle/>
+                    <a:p>
+                      <a:pPr algn="ctr"/>
+                      <a:r>
+                        <a:rPr lang="pt-PT" sz="1200" dirty="0">
+                          <a:latin typeface="Calibri" panose="020F0502020204030204" pitchFamily="34" charset="0"/>
+                          <a:ea typeface="Calibri" panose="020F0502020204030204" pitchFamily="34" charset="0"/>
+                          <a:cs typeface="Calibri" panose="020F0502020204030204" pitchFamily="34" charset="0"/>
+                        </a:rPr>
+                        <a:t>0.006 </a:t>
+                      </a:r>
+                      <a:r>
+                        <a:rPr lang="pt-PT" sz="1200" dirty="0" err="1">
+                          <a:latin typeface="Calibri" panose="020F0502020204030204" pitchFamily="34" charset="0"/>
+                          <a:ea typeface="Calibri" panose="020F0502020204030204" pitchFamily="34" charset="0"/>
+                          <a:cs typeface="Calibri" panose="020F0502020204030204" pitchFamily="34" charset="0"/>
+                        </a:rPr>
+                        <a:t>ms</a:t>
+                      </a:r>
+                      <a:endParaRPr lang="pt-PT" sz="1200" dirty="0">
+                        <a:latin typeface="Calibri" panose="020F0502020204030204" pitchFamily="34" charset="0"/>
+                        <a:ea typeface="Calibri" panose="020F0502020204030204" pitchFamily="34" charset="0"/>
+                        <a:cs typeface="Calibri" panose="020F0502020204030204" pitchFamily="34" charset="0"/>
+                      </a:endParaRPr>
+                    </a:p>
+                  </a:txBody>
+                  <a:tcPr anchor="ctr"/>
+                </a:tc>
+                <a:tc>
+                  <a:txBody>
+                    <a:bodyPr/>
+                    <a:lstStyle/>
+                    <a:p>
+                      <a:pPr algn="ctr"/>
+                      <a:r>
+                        <a:rPr lang="pt-PT" sz="1200" dirty="0">
+                          <a:latin typeface="Calibri" panose="020F0502020204030204" pitchFamily="34" charset="0"/>
+                          <a:ea typeface="Calibri" panose="020F0502020204030204" pitchFamily="34" charset="0"/>
+                          <a:cs typeface="Calibri" panose="020F0502020204030204" pitchFamily="34" charset="0"/>
+                        </a:rPr>
+                        <a:t>0.053 </a:t>
+                      </a:r>
+                      <a:r>
+                        <a:rPr lang="pt-PT" sz="1200" dirty="0" err="1">
+                          <a:latin typeface="Calibri" panose="020F0502020204030204" pitchFamily="34" charset="0"/>
+                          <a:ea typeface="Calibri" panose="020F0502020204030204" pitchFamily="34" charset="0"/>
+                          <a:cs typeface="Calibri" panose="020F0502020204030204" pitchFamily="34" charset="0"/>
+                        </a:rPr>
+                        <a:t>ms</a:t>
+                      </a:r>
+                      <a:endParaRPr lang="pt-PT" sz="1200" dirty="0">
+                        <a:latin typeface="Calibri" panose="020F0502020204030204" pitchFamily="34" charset="0"/>
+                        <a:ea typeface="Calibri" panose="020F0502020204030204" pitchFamily="34" charset="0"/>
+                        <a:cs typeface="Calibri" panose="020F0502020204030204" pitchFamily="34" charset="0"/>
+                      </a:endParaRPr>
+                    </a:p>
+                  </a:txBody>
+                  <a:tcPr anchor="ctr"/>
+                </a:tc>
+                <a:tc>
+                  <a:txBody>
+                    <a:bodyPr/>
+                    <a:lstStyle/>
+                    <a:p>
+                      <a:pPr algn="ctr"/>
+                      <a:r>
+                        <a:rPr lang="pt-PT" sz="1200" dirty="0">
+                          <a:latin typeface="Calibri" panose="020F0502020204030204" pitchFamily="34" charset="0"/>
+                          <a:ea typeface="Calibri" panose="020F0502020204030204" pitchFamily="34" charset="0"/>
+                          <a:cs typeface="Calibri" panose="020F0502020204030204" pitchFamily="34" charset="0"/>
+                        </a:rPr>
+                        <a:t>0.032 </a:t>
+                      </a:r>
+                      <a:r>
+                        <a:rPr lang="pt-PT" sz="1200" dirty="0" err="1">
+                          <a:latin typeface="Calibri" panose="020F0502020204030204" pitchFamily="34" charset="0"/>
+                          <a:ea typeface="Calibri" panose="020F0502020204030204" pitchFamily="34" charset="0"/>
+                          <a:cs typeface="Calibri" panose="020F0502020204030204" pitchFamily="34" charset="0"/>
+                        </a:rPr>
+                        <a:t>ms</a:t>
+                      </a:r>
+                      <a:endParaRPr lang="pt-PT" sz="1200" dirty="0">
+                        <a:latin typeface="Calibri" panose="020F0502020204030204" pitchFamily="34" charset="0"/>
+                        <a:ea typeface="Calibri" panose="020F0502020204030204" pitchFamily="34" charset="0"/>
+                        <a:cs typeface="Calibri" panose="020F0502020204030204" pitchFamily="34" charset="0"/>
+                      </a:endParaRPr>
+                    </a:p>
+                  </a:txBody>
+                  <a:tcPr anchor="ctr"/>
+                </a:tc>
+                <a:tc>
+                  <a:txBody>
+                    <a:bodyPr/>
+                    <a:lstStyle/>
+                    <a:p>
+                      <a:pPr algn="ctr"/>
+                      <a:r>
+                        <a:rPr lang="pt-PT" sz="1200" dirty="0">
+                          <a:latin typeface="Calibri" panose="020F0502020204030204" pitchFamily="34" charset="0"/>
+                          <a:ea typeface="Calibri" panose="020F0502020204030204" pitchFamily="34" charset="0"/>
+                          <a:cs typeface="Calibri" panose="020F0502020204030204" pitchFamily="34" charset="0"/>
+                        </a:rPr>
+                        <a:t>73.449 </a:t>
+                      </a:r>
+                      <a:r>
+                        <a:rPr lang="pt-PT" sz="1200" dirty="0" err="1">
+                          <a:latin typeface="Calibri" panose="020F0502020204030204" pitchFamily="34" charset="0"/>
+                          <a:ea typeface="Calibri" panose="020F0502020204030204" pitchFamily="34" charset="0"/>
+                          <a:cs typeface="Calibri" panose="020F0502020204030204" pitchFamily="34" charset="0"/>
+                        </a:rPr>
+                        <a:t>ms</a:t>
+                      </a:r>
+                      <a:endParaRPr lang="pt-PT" sz="1200" dirty="0">
+                        <a:latin typeface="Calibri" panose="020F0502020204030204" pitchFamily="34" charset="0"/>
+                        <a:ea typeface="Calibri" panose="020F0502020204030204" pitchFamily="34" charset="0"/>
+                        <a:cs typeface="Calibri" panose="020F0502020204030204" pitchFamily="34" charset="0"/>
+                      </a:endParaRPr>
+                    </a:p>
+                  </a:txBody>
+                  <a:tcPr anchor="ctr"/>
+                </a:tc>
+                <a:tc>
+                  <a:txBody>
+                    <a:bodyPr/>
+                    <a:lstStyle/>
+                    <a:p>
+                      <a:pPr algn="ctr"/>
+                      <a:r>
+                        <a:rPr lang="pt-PT" sz="1200" dirty="0">
+                          <a:latin typeface="Calibri" panose="020F0502020204030204" pitchFamily="34" charset="0"/>
+                          <a:ea typeface="Calibri" panose="020F0502020204030204" pitchFamily="34" charset="0"/>
+                          <a:cs typeface="Calibri" panose="020F0502020204030204" pitchFamily="34" charset="0"/>
+                        </a:rPr>
+                        <a:t>146.705 </a:t>
+                      </a:r>
+                      <a:r>
+                        <a:rPr lang="pt-PT" sz="1200" dirty="0" err="1">
+                          <a:latin typeface="Calibri" panose="020F0502020204030204" pitchFamily="34" charset="0"/>
+                          <a:ea typeface="Calibri" panose="020F0502020204030204" pitchFamily="34" charset="0"/>
+                          <a:cs typeface="Calibri" panose="020F0502020204030204" pitchFamily="34" charset="0"/>
+                        </a:rPr>
+                        <a:t>ms</a:t>
+                      </a:r>
+                      <a:endParaRPr lang="pt-PT" sz="1200" dirty="0">
+                        <a:latin typeface="Calibri" panose="020F0502020204030204" pitchFamily="34" charset="0"/>
+                        <a:ea typeface="Calibri" panose="020F0502020204030204" pitchFamily="34" charset="0"/>
+                        <a:cs typeface="Calibri" panose="020F0502020204030204" pitchFamily="34" charset="0"/>
+                      </a:endParaRPr>
+                    </a:p>
+                  </a:txBody>
+                  <a:tcPr anchor="ctr"/>
+                </a:tc>
+                <a:extLst>
+                  <a:ext uri="{0D108BD9-81ED-4DB2-BD59-A6C34878D82A}">
+                    <a16:rowId xmlns:a16="http://schemas.microsoft.com/office/drawing/2014/main" val="309770518"/>
+                  </a:ext>
+                </a:extLst>
+              </a:tr>
+              <a:tr h="287466">
+                <a:tc>
+                  <a:txBody>
+                    <a:bodyPr/>
+                    <a:lstStyle/>
+                    <a:p>
+                      <a:pPr algn="ctr"/>
+                      <a:r>
+                        <a:rPr lang="pt-PT" dirty="0">
+                          <a:latin typeface="Calibri" panose="020F0502020204030204" pitchFamily="34" charset="0"/>
+                          <a:ea typeface="Calibri" panose="020F0502020204030204" pitchFamily="34" charset="0"/>
+                          <a:cs typeface="Calibri" panose="020F0502020204030204" pitchFamily="34" charset="0"/>
+                        </a:rPr>
+                        <a:t>datSeq256K.bin</a:t>
+                      </a:r>
+                    </a:p>
+                  </a:txBody>
+                  <a:tcPr anchor="ctr"/>
+                </a:tc>
+                <a:tc>
+                  <a:txBody>
+                    <a:bodyPr/>
+                    <a:lstStyle/>
+                    <a:p>
+                      <a:pPr algn="ctr"/>
+                      <a:r>
+                        <a:rPr lang="pt-PT" sz="1200" dirty="0">
+                          <a:latin typeface="Calibri" panose="020F0502020204030204" pitchFamily="34" charset="0"/>
+                          <a:ea typeface="Calibri" panose="020F0502020204030204" pitchFamily="34" charset="0"/>
+                          <a:cs typeface="Calibri" panose="020F0502020204030204" pitchFamily="34" charset="0"/>
+                        </a:rPr>
+                        <a:t>61.542 </a:t>
+                      </a:r>
+                      <a:r>
+                        <a:rPr lang="pt-PT" sz="1200" dirty="0" err="1">
+                          <a:latin typeface="Calibri" panose="020F0502020204030204" pitchFamily="34" charset="0"/>
+                          <a:ea typeface="Calibri" panose="020F0502020204030204" pitchFamily="34" charset="0"/>
+                          <a:cs typeface="Calibri" panose="020F0502020204030204" pitchFamily="34" charset="0"/>
+                        </a:rPr>
+                        <a:t>ms</a:t>
+                      </a:r>
+                      <a:endParaRPr lang="pt-PT" sz="1200" dirty="0">
                         <a:latin typeface="Calibri" panose="020F0502020204030204" pitchFamily="34" charset="0"/>
                         <a:ea typeface="Calibri" panose="020F0502020204030204" pitchFamily="34" charset="0"/>
                         <a:cs typeface="Calibri" panose="020F0502020204030204" pitchFamily="34" charset="0"/>
@@ -8099,7 +7775,23 @@
                         <a:tabLst/>
                         <a:defRPr/>
                       </a:pPr>
-                      <a:endParaRPr lang="pt-PT" sz="1400" dirty="0">
+                      <a:r>
+                        <a:rPr lang="pt-PT" sz="1200" dirty="0">
+                          <a:latin typeface="Calibri" panose="020F0502020204030204" pitchFamily="34" charset="0"/>
+                          <a:ea typeface="Calibri" panose="020F0502020204030204" pitchFamily="34" charset="0"/>
+                          <a:cs typeface="Calibri" panose="020F0502020204030204" pitchFamily="34" charset="0"/>
+                        </a:rPr>
+                        <a:t>1.248 </a:t>
+                      </a:r>
+                      <a:r>
+                        <a:rPr lang="pt-PT" sz="1200" dirty="0" err="1">
+                          <a:latin typeface="Calibri" panose="020F0502020204030204" pitchFamily="34" charset="0"/>
+                          <a:ea typeface="Calibri" panose="020F0502020204030204" pitchFamily="34" charset="0"/>
+                          <a:cs typeface="Calibri" panose="020F0502020204030204" pitchFamily="34" charset="0"/>
+                        </a:rPr>
+                        <a:t>ms</a:t>
+                      </a:r>
+                      <a:endParaRPr lang="pt-PT" sz="1200" dirty="0">
                         <a:latin typeface="Calibri" panose="020F0502020204030204" pitchFamily="34" charset="0"/>
                         <a:ea typeface="Calibri" panose="020F0502020204030204" pitchFamily="34" charset="0"/>
                         <a:cs typeface="Calibri" panose="020F0502020204030204" pitchFamily="34" charset="0"/>
@@ -8114,7 +7806,23 @@
                     <a:lstStyle/>
                     <a:p>
                       <a:pPr algn="ctr"/>
-                      <a:endParaRPr lang="pt-PT" sz="1400" dirty="0">
+                      <a:r>
+                        <a:rPr lang="pt-PT" sz="1200" dirty="0">
+                          <a:latin typeface="Calibri" panose="020F0502020204030204" pitchFamily="34" charset="0"/>
+                          <a:ea typeface="Calibri" panose="020F0502020204030204" pitchFamily="34" charset="0"/>
+                          <a:cs typeface="Calibri" panose="020F0502020204030204" pitchFamily="34" charset="0"/>
+                        </a:rPr>
+                        <a:t>38.090 </a:t>
+                      </a:r>
+                      <a:r>
+                        <a:rPr lang="pt-PT" sz="1200" dirty="0" err="1">
+                          <a:latin typeface="Calibri" panose="020F0502020204030204" pitchFamily="34" charset="0"/>
+                          <a:ea typeface="Calibri" panose="020F0502020204030204" pitchFamily="34" charset="0"/>
+                          <a:cs typeface="Calibri" panose="020F0502020204030204" pitchFamily="34" charset="0"/>
+                        </a:rPr>
+                        <a:t>ms</a:t>
+                      </a:r>
+                      <a:endParaRPr lang="pt-PT" sz="1200" dirty="0">
                         <a:latin typeface="Calibri" panose="020F0502020204030204" pitchFamily="34" charset="0"/>
                         <a:ea typeface="Calibri" panose="020F0502020204030204" pitchFamily="34" charset="0"/>
                         <a:cs typeface="Calibri" panose="020F0502020204030204" pitchFamily="34" charset="0"/>
@@ -8145,7 +7853,23 @@
                         <a:tabLst/>
                         <a:defRPr/>
                       </a:pPr>
-                      <a:endParaRPr lang="pt-PT" sz="1400" dirty="0">
+                      <a:r>
+                        <a:rPr lang="pt-PT" sz="1200" dirty="0">
+                          <a:latin typeface="Calibri" panose="020F0502020204030204" pitchFamily="34" charset="0"/>
+                          <a:ea typeface="Calibri" panose="020F0502020204030204" pitchFamily="34" charset="0"/>
+                          <a:cs typeface="Calibri" panose="020F0502020204030204" pitchFamily="34" charset="0"/>
+                        </a:rPr>
+                        <a:t>6.166 </a:t>
+                      </a:r>
+                      <a:r>
+                        <a:rPr lang="pt-PT" sz="1200" dirty="0" err="1">
+                          <a:latin typeface="Calibri" panose="020F0502020204030204" pitchFamily="34" charset="0"/>
+                          <a:ea typeface="Calibri" panose="020F0502020204030204" pitchFamily="34" charset="0"/>
+                          <a:cs typeface="Calibri" panose="020F0502020204030204" pitchFamily="34" charset="0"/>
+                        </a:rPr>
+                        <a:t>ms</a:t>
+                      </a:r>
+                      <a:endParaRPr lang="pt-PT" sz="1200" dirty="0">
                         <a:latin typeface="Calibri" panose="020F0502020204030204" pitchFamily="34" charset="0"/>
                         <a:ea typeface="Calibri" panose="020F0502020204030204" pitchFamily="34" charset="0"/>
                         <a:cs typeface="Calibri" panose="020F0502020204030204" pitchFamily="34" charset="0"/>
@@ -8160,7 +7884,23 @@
                     <a:lstStyle/>
                     <a:p>
                       <a:pPr algn="ctr"/>
-                      <a:endParaRPr lang="pt-PT" sz="1400" dirty="0">
+                      <a:r>
+                        <a:rPr lang="pt-PT" sz="1200" dirty="0">
+                          <a:latin typeface="Calibri" panose="020F0502020204030204" pitchFamily="34" charset="0"/>
+                          <a:ea typeface="Calibri" panose="020F0502020204030204" pitchFamily="34" charset="0"/>
+                          <a:cs typeface="Calibri" panose="020F0502020204030204" pitchFamily="34" charset="0"/>
+                        </a:rPr>
+                        <a:t>30.856 </a:t>
+                      </a:r>
+                      <a:r>
+                        <a:rPr lang="pt-PT" sz="1200" dirty="0" err="1">
+                          <a:latin typeface="Calibri" panose="020F0502020204030204" pitchFamily="34" charset="0"/>
+                          <a:ea typeface="Calibri" panose="020F0502020204030204" pitchFamily="34" charset="0"/>
+                          <a:cs typeface="Calibri" panose="020F0502020204030204" pitchFamily="34" charset="0"/>
+                        </a:rPr>
+                        <a:t>ms</a:t>
+                      </a:r>
+                      <a:endParaRPr lang="pt-PT" sz="1200" dirty="0">
                         <a:latin typeface="Calibri" panose="020F0502020204030204" pitchFamily="34" charset="0"/>
                         <a:ea typeface="Calibri" panose="020F0502020204030204" pitchFamily="34" charset="0"/>
                         <a:cs typeface="Calibri" panose="020F0502020204030204" pitchFamily="34" charset="0"/>
@@ -8191,7 +7931,23 @@
                         <a:tabLst/>
                         <a:defRPr/>
                       </a:pPr>
-                      <a:endParaRPr lang="pt-PT" sz="1400" dirty="0">
+                      <a:r>
+                        <a:rPr lang="pt-PT" sz="1200" dirty="0">
+                          <a:latin typeface="Calibri" panose="020F0502020204030204" pitchFamily="34" charset="0"/>
+                          <a:ea typeface="Calibri" panose="020F0502020204030204" pitchFamily="34" charset="0"/>
+                          <a:cs typeface="Calibri" panose="020F0502020204030204" pitchFamily="34" charset="0"/>
+                        </a:rPr>
+                        <a:t>7.515 </a:t>
+                      </a:r>
+                      <a:r>
+                        <a:rPr lang="pt-PT" sz="1200" dirty="0" err="1">
+                          <a:latin typeface="Calibri" panose="020F0502020204030204" pitchFamily="34" charset="0"/>
+                          <a:ea typeface="Calibri" panose="020F0502020204030204" pitchFamily="34" charset="0"/>
+                          <a:cs typeface="Calibri" panose="020F0502020204030204" pitchFamily="34" charset="0"/>
+                        </a:rPr>
+                        <a:t>ms</a:t>
+                      </a:r>
+                      <a:endParaRPr lang="pt-PT" sz="1200" dirty="0">
                         <a:latin typeface="Calibri" panose="020F0502020204030204" pitchFamily="34" charset="0"/>
                         <a:ea typeface="Calibri" panose="020F0502020204030204" pitchFamily="34" charset="0"/>
                         <a:cs typeface="Calibri" panose="020F0502020204030204" pitchFamily="34" charset="0"/>
@@ -8200,13 +7956,6 @@
                   </a:txBody>
                   <a:tcPr anchor="ctr"/>
                 </a:tc>
-                <a:extLst>
-                  <a:ext uri="{0D108BD9-81ED-4DB2-BD59-A6C34878D82A}">
-                    <a16:rowId xmlns:a16="http://schemas.microsoft.com/office/drawing/2014/main" val="1738142589"/>
-                  </a:ext>
-                </a:extLst>
-              </a:tr>
-              <a:tr h="287466">
                 <a:tc>
                   <a:txBody>
                     <a:bodyPr/>
@@ -8214,24 +7963,22 @@
                     <a:p>
                       <a:pPr algn="ctr"/>
                       <a:r>
-                        <a:rPr lang="pt-PT" dirty="0">
-                          <a:latin typeface="Calibri" panose="020F0502020204030204" pitchFamily="34" charset="0"/>
-                          <a:ea typeface="Calibri" panose="020F0502020204030204" pitchFamily="34" charset="0"/>
-                          <a:cs typeface="Calibri" panose="020F0502020204030204" pitchFamily="34" charset="0"/>
-                        </a:rPr>
-                        <a:t>datSeq1M.bin</a:t>
-                      </a:r>
-                    </a:p>
-                  </a:txBody>
-                  <a:tcPr anchor="ctr"/>
-                </a:tc>
-                <a:tc>
-                  <a:txBody>
-                    <a:bodyPr/>
-                    <a:lstStyle/>
-                    <a:p>
-                      <a:pPr algn="ctr"/>
-                      <a:endParaRPr lang="pt-PT" sz="1400" dirty="0">
+                        <a:rPr lang="pt-PT" sz="1200" dirty="0">
+                          <a:latin typeface="Calibri" panose="020F0502020204030204" pitchFamily="34" charset="0"/>
+                          <a:ea typeface="Calibri" panose="020F0502020204030204" pitchFamily="34" charset="0"/>
+                          <a:cs typeface="Calibri" panose="020F0502020204030204" pitchFamily="34" charset="0"/>
+                        </a:rPr>
+                        <a:t>59.804 </a:t>
+                      </a:r>
+                      <a:r>
+                        <a:rPr lang="pt-PT" sz="1200" dirty="0" err="1">
+                          <a:latin typeface="Calibri" panose="020F0502020204030204" pitchFamily="34" charset="0"/>
+                          <a:ea typeface="Calibri" panose="020F0502020204030204" pitchFamily="34" charset="0"/>
+                          <a:cs typeface="Calibri" panose="020F0502020204030204" pitchFamily="34" charset="0"/>
+                        </a:rPr>
+                        <a:t>ms</a:t>
+                      </a:r>
+                      <a:endParaRPr lang="pt-PT" sz="1200" dirty="0">
                         <a:latin typeface="Calibri" panose="020F0502020204030204" pitchFamily="34" charset="0"/>
                         <a:ea typeface="Calibri" panose="020F0502020204030204" pitchFamily="34" charset="0"/>
                         <a:cs typeface="Calibri" panose="020F0502020204030204" pitchFamily="34" charset="0"/>
@@ -8262,7 +8009,23 @@
                         <a:tabLst/>
                         <a:defRPr/>
                       </a:pPr>
-                      <a:endParaRPr lang="pt-PT" sz="1400" dirty="0">
+                      <a:r>
+                        <a:rPr lang="pt-PT" sz="1200" dirty="0">
+                          <a:latin typeface="Calibri" panose="020F0502020204030204" pitchFamily="34" charset="0"/>
+                          <a:ea typeface="Calibri" panose="020F0502020204030204" pitchFamily="34" charset="0"/>
+                          <a:cs typeface="Calibri" panose="020F0502020204030204" pitchFamily="34" charset="0"/>
+                        </a:rPr>
+                        <a:t>79.884 </a:t>
+                      </a:r>
+                      <a:r>
+                        <a:rPr lang="pt-PT" sz="1200" dirty="0" err="1">
+                          <a:latin typeface="Calibri" panose="020F0502020204030204" pitchFamily="34" charset="0"/>
+                          <a:ea typeface="Calibri" panose="020F0502020204030204" pitchFamily="34" charset="0"/>
+                          <a:cs typeface="Calibri" panose="020F0502020204030204" pitchFamily="34" charset="0"/>
+                        </a:rPr>
+                        <a:t>ms</a:t>
+                      </a:r>
+                      <a:endParaRPr lang="pt-PT" sz="1200" dirty="0">
                         <a:latin typeface="Calibri" panose="020F0502020204030204" pitchFamily="34" charset="0"/>
                         <a:ea typeface="Calibri" panose="020F0502020204030204" pitchFamily="34" charset="0"/>
                         <a:cs typeface="Calibri" panose="020F0502020204030204" pitchFamily="34" charset="0"/>
@@ -8271,13 +8034,54 @@
                   </a:txBody>
                   <a:tcPr anchor="ctr"/>
                 </a:tc>
+                <a:extLst>
+                  <a:ext uri="{0D108BD9-81ED-4DB2-BD59-A6C34878D82A}">
+                    <a16:rowId xmlns:a16="http://schemas.microsoft.com/office/drawing/2014/main" val="1738142589"/>
+                  </a:ext>
+                </a:extLst>
+              </a:tr>
+              <a:tr h="287466">
                 <a:tc>
                   <a:txBody>
                     <a:bodyPr/>
                     <a:lstStyle/>
                     <a:p>
                       <a:pPr algn="ctr"/>
-                      <a:endParaRPr lang="pt-PT" sz="1400" dirty="0">
+                      <a:r>
+                        <a:rPr lang="pt-PT" dirty="0">
+                          <a:latin typeface="Calibri" panose="020F0502020204030204" pitchFamily="34" charset="0"/>
+                          <a:ea typeface="Calibri" panose="020F0502020204030204" pitchFamily="34" charset="0"/>
+                          <a:cs typeface="Calibri" panose="020F0502020204030204" pitchFamily="34" charset="0"/>
+                        </a:rPr>
+                        <a:t>datSeq1M.bin</a:t>
+                      </a:r>
+                    </a:p>
+                  </a:txBody>
+                  <a:tcPr anchor="ctr"/>
+                </a:tc>
+                <a:tc>
+                  <a:txBody>
+                    <a:bodyPr/>
+                    <a:lstStyle/>
+                    <a:p>
+                      <a:pPr algn="ctr"/>
+                      <a:r>
+                        <a:rPr lang="pt-PT" sz="1200" dirty="0">
+                          <a:latin typeface="Calibri" panose="020F0502020204030204" pitchFamily="34" charset="0"/>
+                          <a:ea typeface="Calibri" panose="020F0502020204030204" pitchFamily="34" charset="0"/>
+                          <a:cs typeface="Calibri" panose="020F0502020204030204" pitchFamily="34" charset="0"/>
+                        </a:rPr>
+                        <a:t>298.796 </a:t>
+                      </a:r>
+                      <a:r>
+                        <a:rPr lang="pt-PT" sz="1200" dirty="0" err="1">
+                          <a:latin typeface="Calibri" panose="020F0502020204030204" pitchFamily="34" charset="0"/>
+                          <a:ea typeface="Calibri" panose="020F0502020204030204" pitchFamily="34" charset="0"/>
+                          <a:cs typeface="Calibri" panose="020F0502020204030204" pitchFamily="34" charset="0"/>
+                        </a:rPr>
+                        <a:t>ms</a:t>
+                      </a:r>
+                      <a:endParaRPr lang="pt-PT" sz="1200" dirty="0">
                         <a:latin typeface="Calibri" panose="020F0502020204030204" pitchFamily="34" charset="0"/>
                         <a:ea typeface="Calibri" panose="020F0502020204030204" pitchFamily="34" charset="0"/>
                         <a:cs typeface="Calibri" panose="020F0502020204030204" pitchFamily="34" charset="0"/>
@@ -8308,7 +8112,23 @@
                         <a:tabLst/>
                         <a:defRPr/>
                       </a:pPr>
-                      <a:endParaRPr lang="pt-PT" sz="1400" dirty="0">
+                      <a:r>
+                        <a:rPr lang="pt-PT" sz="1200" dirty="0">
+                          <a:latin typeface="Calibri" panose="020F0502020204030204" pitchFamily="34" charset="0"/>
+                          <a:ea typeface="Calibri" panose="020F0502020204030204" pitchFamily="34" charset="0"/>
+                          <a:cs typeface="Calibri" panose="020F0502020204030204" pitchFamily="34" charset="0"/>
+                        </a:rPr>
+                        <a:t>17.305 </a:t>
+                      </a:r>
+                      <a:r>
+                        <a:rPr lang="pt-PT" sz="1200" dirty="0" err="1">
+                          <a:latin typeface="Calibri" panose="020F0502020204030204" pitchFamily="34" charset="0"/>
+                          <a:ea typeface="Calibri" panose="020F0502020204030204" pitchFamily="34" charset="0"/>
+                          <a:cs typeface="Calibri" panose="020F0502020204030204" pitchFamily="34" charset="0"/>
+                        </a:rPr>
+                        <a:t>ms</a:t>
+                      </a:r>
+                      <a:endParaRPr lang="pt-PT" sz="1200" dirty="0">
                         <a:latin typeface="Calibri" panose="020F0502020204030204" pitchFamily="34" charset="0"/>
                         <a:ea typeface="Calibri" panose="020F0502020204030204" pitchFamily="34" charset="0"/>
                         <a:cs typeface="Calibri" panose="020F0502020204030204" pitchFamily="34" charset="0"/>
@@ -8323,7 +8143,23 @@
                     <a:lstStyle/>
                     <a:p>
                       <a:pPr algn="ctr"/>
-                      <a:endParaRPr lang="pt-PT" sz="1400" dirty="0">
+                      <a:r>
+                        <a:rPr lang="pt-PT" sz="1200" dirty="0">
+                          <a:latin typeface="Calibri" panose="020F0502020204030204" pitchFamily="34" charset="0"/>
+                          <a:ea typeface="Calibri" panose="020F0502020204030204" pitchFamily="34" charset="0"/>
+                          <a:cs typeface="Calibri" panose="020F0502020204030204" pitchFamily="34" charset="0"/>
+                        </a:rPr>
+                        <a:t>178.738 </a:t>
+                      </a:r>
+                      <a:r>
+                        <a:rPr lang="pt-PT" sz="1200" dirty="0" err="1">
+                          <a:latin typeface="Calibri" panose="020F0502020204030204" pitchFamily="34" charset="0"/>
+                          <a:ea typeface="Calibri" panose="020F0502020204030204" pitchFamily="34" charset="0"/>
+                          <a:cs typeface="Calibri" panose="020F0502020204030204" pitchFamily="34" charset="0"/>
+                        </a:rPr>
+                        <a:t>ms</a:t>
+                      </a:r>
+                      <a:endParaRPr lang="pt-PT" sz="1200" dirty="0">
                         <a:latin typeface="Calibri" panose="020F0502020204030204" pitchFamily="34" charset="0"/>
                         <a:ea typeface="Calibri" panose="020F0502020204030204" pitchFamily="34" charset="0"/>
                         <a:cs typeface="Calibri" panose="020F0502020204030204" pitchFamily="34" charset="0"/>
@@ -8354,7 +8190,23 @@
                         <a:tabLst/>
                         <a:defRPr/>
                       </a:pPr>
-                      <a:endParaRPr lang="pt-PT" sz="1400" dirty="0">
+                      <a:r>
+                        <a:rPr lang="pt-PT" sz="1200" dirty="0">
+                          <a:latin typeface="Calibri" panose="020F0502020204030204" pitchFamily="34" charset="0"/>
+                          <a:ea typeface="Calibri" panose="020F0502020204030204" pitchFamily="34" charset="0"/>
+                          <a:cs typeface="Calibri" panose="020F0502020204030204" pitchFamily="34" charset="0"/>
+                        </a:rPr>
+                        <a:t>23.191 </a:t>
+                      </a:r>
+                      <a:r>
+                        <a:rPr lang="pt-PT" sz="1200" dirty="0" err="1">
+                          <a:latin typeface="Calibri" panose="020F0502020204030204" pitchFamily="34" charset="0"/>
+                          <a:ea typeface="Calibri" panose="020F0502020204030204" pitchFamily="34" charset="0"/>
+                          <a:cs typeface="Calibri" panose="020F0502020204030204" pitchFamily="34" charset="0"/>
+                        </a:rPr>
+                        <a:t>ms</a:t>
+                      </a:r>
+                      <a:endParaRPr lang="pt-PT" sz="1200" dirty="0">
                         <a:latin typeface="Calibri" panose="020F0502020204030204" pitchFamily="34" charset="0"/>
                         <a:ea typeface="Calibri" panose="020F0502020204030204" pitchFamily="34" charset="0"/>
                         <a:cs typeface="Calibri" panose="020F0502020204030204" pitchFamily="34" charset="0"/>
@@ -8369,7 +8221,23 @@
                     <a:lstStyle/>
                     <a:p>
                       <a:pPr algn="ctr"/>
-                      <a:endParaRPr lang="pt-PT" sz="1400" dirty="0">
+                      <a:r>
+                        <a:rPr lang="pt-PT" sz="1200" dirty="0">
+                          <a:latin typeface="Calibri" panose="020F0502020204030204" pitchFamily="34" charset="0"/>
+                          <a:ea typeface="Calibri" panose="020F0502020204030204" pitchFamily="34" charset="0"/>
+                          <a:cs typeface="Calibri" panose="020F0502020204030204" pitchFamily="34" charset="0"/>
+                        </a:rPr>
+                        <a:t>219.899 </a:t>
+                      </a:r>
+                      <a:r>
+                        <a:rPr lang="pt-PT" sz="1200" dirty="0" err="1">
+                          <a:latin typeface="Calibri" panose="020F0502020204030204" pitchFamily="34" charset="0"/>
+                          <a:ea typeface="Calibri" panose="020F0502020204030204" pitchFamily="34" charset="0"/>
+                          <a:cs typeface="Calibri" panose="020F0502020204030204" pitchFamily="34" charset="0"/>
+                        </a:rPr>
+                        <a:t>ms</a:t>
+                      </a:r>
+                      <a:endParaRPr lang="pt-PT" sz="1200" dirty="0">
                         <a:latin typeface="Calibri" panose="020F0502020204030204" pitchFamily="34" charset="0"/>
                         <a:ea typeface="Calibri" panose="020F0502020204030204" pitchFamily="34" charset="0"/>
                         <a:cs typeface="Calibri" panose="020F0502020204030204" pitchFamily="34" charset="0"/>
@@ -8400,7 +8268,23 @@
                         <a:tabLst/>
                         <a:defRPr/>
                       </a:pPr>
-                      <a:endParaRPr lang="pt-PT" sz="1400" dirty="0">
+                      <a:r>
+                        <a:rPr lang="pt-PT" sz="1200" dirty="0">
+                          <a:latin typeface="Calibri" panose="020F0502020204030204" pitchFamily="34" charset="0"/>
+                          <a:ea typeface="Calibri" panose="020F0502020204030204" pitchFamily="34" charset="0"/>
+                          <a:cs typeface="Calibri" panose="020F0502020204030204" pitchFamily="34" charset="0"/>
+                        </a:rPr>
+                        <a:t>107.156 </a:t>
+                      </a:r>
+                      <a:r>
+                        <a:rPr lang="pt-PT" sz="1200" dirty="0" err="1">
+                          <a:latin typeface="Calibri" panose="020F0502020204030204" pitchFamily="34" charset="0"/>
+                          <a:ea typeface="Calibri" panose="020F0502020204030204" pitchFamily="34" charset="0"/>
+                          <a:cs typeface="Calibri" panose="020F0502020204030204" pitchFamily="34" charset="0"/>
+                        </a:rPr>
+                        <a:t>ms</a:t>
+                      </a:r>
+                      <a:endParaRPr lang="pt-PT" sz="1200" dirty="0">
                         <a:latin typeface="Calibri" panose="020F0502020204030204" pitchFamily="34" charset="0"/>
                         <a:ea typeface="Calibri" panose="020F0502020204030204" pitchFamily="34" charset="0"/>
                         <a:cs typeface="Calibri" panose="020F0502020204030204" pitchFamily="34" charset="0"/>
@@ -8409,13 +8293,6 @@
                   </a:txBody>
                   <a:tcPr anchor="ctr"/>
                 </a:tc>
-                <a:extLst>
-                  <a:ext uri="{0D108BD9-81ED-4DB2-BD59-A6C34878D82A}">
-                    <a16:rowId xmlns:a16="http://schemas.microsoft.com/office/drawing/2014/main" val="625706260"/>
-                  </a:ext>
-                </a:extLst>
-              </a:tr>
-              <a:tr h="287466">
                 <a:tc>
                   <a:txBody>
                     <a:bodyPr/>
@@ -8423,24 +8300,22 @@
                     <a:p>
                       <a:pPr algn="ctr"/>
                       <a:r>
-                        <a:rPr lang="pt-PT" dirty="0">
-                          <a:latin typeface="Calibri" panose="020F0502020204030204" pitchFamily="34" charset="0"/>
-                          <a:ea typeface="Calibri" panose="020F0502020204030204" pitchFamily="34" charset="0"/>
-                          <a:cs typeface="Calibri" panose="020F0502020204030204" pitchFamily="34" charset="0"/>
-                        </a:rPr>
-                        <a:t>datSeq16M.bin</a:t>
-                      </a:r>
-                    </a:p>
-                  </a:txBody>
-                  <a:tcPr anchor="ctr"/>
-                </a:tc>
-                <a:tc>
-                  <a:txBody>
-                    <a:bodyPr/>
-                    <a:lstStyle/>
-                    <a:p>
-                      <a:pPr algn="ctr"/>
-                      <a:endParaRPr lang="pt-PT" sz="1400" dirty="0">
+                        <a:rPr lang="pt-PT" sz="1200" dirty="0">
+                          <a:latin typeface="Calibri" panose="020F0502020204030204" pitchFamily="34" charset="0"/>
+                          <a:ea typeface="Calibri" panose="020F0502020204030204" pitchFamily="34" charset="0"/>
+                          <a:cs typeface="Calibri" panose="020F0502020204030204" pitchFamily="34" charset="0"/>
+                        </a:rPr>
+                        <a:t>100.495 </a:t>
+                      </a:r>
+                      <a:r>
+                        <a:rPr lang="pt-PT" sz="1200" dirty="0" err="1">
+                          <a:latin typeface="Calibri" panose="020F0502020204030204" pitchFamily="34" charset="0"/>
+                          <a:ea typeface="Calibri" panose="020F0502020204030204" pitchFamily="34" charset="0"/>
+                          <a:cs typeface="Calibri" panose="020F0502020204030204" pitchFamily="34" charset="0"/>
+                        </a:rPr>
+                        <a:t>ms</a:t>
+                      </a:r>
+                      <a:endParaRPr lang="pt-PT" sz="1200" dirty="0">
                         <a:latin typeface="Calibri" panose="020F0502020204030204" pitchFamily="34" charset="0"/>
                         <a:ea typeface="Calibri" panose="020F0502020204030204" pitchFamily="34" charset="0"/>
                         <a:cs typeface="Calibri" panose="020F0502020204030204" pitchFamily="34" charset="0"/>
@@ -8471,7 +8346,23 @@
                         <a:tabLst/>
                         <a:defRPr/>
                       </a:pPr>
-                      <a:endParaRPr lang="pt-PT" sz="1400" dirty="0">
+                      <a:r>
+                        <a:rPr lang="pt-PT" sz="1200" dirty="0">
+                          <a:latin typeface="Calibri" panose="020F0502020204030204" pitchFamily="34" charset="0"/>
+                          <a:ea typeface="Calibri" panose="020F0502020204030204" pitchFamily="34" charset="0"/>
+                          <a:cs typeface="Calibri" panose="020F0502020204030204" pitchFamily="34" charset="0"/>
+                        </a:rPr>
+                        <a:t>8.299 </a:t>
+                      </a:r>
+                      <a:r>
+                        <a:rPr lang="pt-PT" sz="1200" dirty="0" err="1">
+                          <a:latin typeface="Calibri" panose="020F0502020204030204" pitchFamily="34" charset="0"/>
+                          <a:ea typeface="Calibri" panose="020F0502020204030204" pitchFamily="34" charset="0"/>
+                          <a:cs typeface="Calibri" panose="020F0502020204030204" pitchFamily="34" charset="0"/>
+                        </a:rPr>
+                        <a:t>ms</a:t>
+                      </a:r>
+                      <a:endParaRPr lang="pt-PT" sz="1200" dirty="0">
                         <a:latin typeface="Calibri" panose="020F0502020204030204" pitchFamily="34" charset="0"/>
                         <a:ea typeface="Calibri" panose="020F0502020204030204" pitchFamily="34" charset="0"/>
                         <a:cs typeface="Calibri" panose="020F0502020204030204" pitchFamily="34" charset="0"/>
@@ -8480,17 +8371,45 @@
                   </a:txBody>
                   <a:tcPr anchor="ctr"/>
                 </a:tc>
+                <a:extLst>
+                  <a:ext uri="{0D108BD9-81ED-4DB2-BD59-A6C34878D82A}">
+                    <a16:rowId xmlns:a16="http://schemas.microsoft.com/office/drawing/2014/main" val="625706260"/>
+                  </a:ext>
+                </a:extLst>
+              </a:tr>
+              <a:tr h="287466">
                 <a:tc>
                   <a:txBody>
                     <a:bodyPr/>
                     <a:lstStyle/>
                     <a:p>
                       <a:pPr algn="ctr"/>
-                      <a:endParaRPr lang="pt-PT" sz="1400" dirty="0">
-                        <a:latin typeface="Calibri" panose="020F0502020204030204" pitchFamily="34" charset="0"/>
-                        <a:ea typeface="Calibri" panose="020F0502020204030204" pitchFamily="34" charset="0"/>
-                        <a:cs typeface="Calibri" panose="020F0502020204030204" pitchFamily="34" charset="0"/>
-                      </a:endParaRPr>
+                      <a:r>
+                        <a:rPr lang="pt-PT" dirty="0">
+                          <a:latin typeface="Calibri" panose="020F0502020204030204" pitchFamily="34" charset="0"/>
+                          <a:ea typeface="Calibri" panose="020F0502020204030204" pitchFamily="34" charset="0"/>
+                          <a:cs typeface="Calibri" panose="020F0502020204030204" pitchFamily="34" charset="0"/>
+                        </a:rPr>
+                        <a:t>datSeq16M.bin</a:t>
+                      </a:r>
+                    </a:p>
+                  </a:txBody>
+                  <a:tcPr anchor="ctr"/>
+                </a:tc>
+                <a:tc>
+                  <a:txBody>
+                    <a:bodyPr/>
+                    <a:lstStyle/>
+                    <a:p>
+                      <a:pPr algn="ctr"/>
+                      <a:r>
+                        <a:rPr lang="pt-PT" sz="1200" dirty="0">
+                          <a:latin typeface="Calibri" panose="020F0502020204030204" pitchFamily="34" charset="0"/>
+                          <a:ea typeface="Calibri" panose="020F0502020204030204" pitchFamily="34" charset="0"/>
+                          <a:cs typeface="Calibri" panose="020F0502020204030204" pitchFamily="34" charset="0"/>
+                        </a:rPr>
+                        <a:t>5.875 s</a:t>
+                      </a:r>
                     </a:p>
                   </a:txBody>
                   <a:tcPr anchor="ctr"/>
@@ -8517,11 +8436,14 @@
                         <a:tabLst/>
                         <a:defRPr/>
                       </a:pPr>
-                      <a:endParaRPr lang="pt-PT" sz="1400" dirty="0">
-                        <a:latin typeface="Calibri" panose="020F0502020204030204" pitchFamily="34" charset="0"/>
-                        <a:ea typeface="Calibri" panose="020F0502020204030204" pitchFamily="34" charset="0"/>
-                        <a:cs typeface="Calibri" panose="020F0502020204030204" pitchFamily="34" charset="0"/>
-                      </a:endParaRPr>
+                      <a:r>
+                        <a:rPr lang="pt-PT" sz="1200" dirty="0">
+                          <a:latin typeface="Calibri" panose="020F0502020204030204" pitchFamily="34" charset="0"/>
+                          <a:ea typeface="Calibri" panose="020F0502020204030204" pitchFamily="34" charset="0"/>
+                          <a:cs typeface="Calibri" panose="020F0502020204030204" pitchFamily="34" charset="0"/>
+                        </a:rPr>
+                        <a:t>0.132 s</a:t>
+                      </a:r>
                     </a:p>
                   </a:txBody>
                   <a:tcPr anchor="ctr"/>
@@ -8532,11 +8454,14 @@
                     <a:lstStyle/>
                     <a:p>
                       <a:pPr algn="ctr"/>
-                      <a:endParaRPr lang="pt-PT" sz="1400" dirty="0">
-                        <a:latin typeface="Calibri" panose="020F0502020204030204" pitchFamily="34" charset="0"/>
-                        <a:ea typeface="Calibri" panose="020F0502020204030204" pitchFamily="34" charset="0"/>
-                        <a:cs typeface="Calibri" panose="020F0502020204030204" pitchFamily="34" charset="0"/>
-                      </a:endParaRPr>
+                      <a:r>
+                        <a:rPr lang="pt-PT" sz="1200" dirty="0">
+                          <a:latin typeface="Calibri" panose="020F0502020204030204" pitchFamily="34" charset="0"/>
+                          <a:ea typeface="Calibri" panose="020F0502020204030204" pitchFamily="34" charset="0"/>
+                          <a:cs typeface="Calibri" panose="020F0502020204030204" pitchFamily="34" charset="0"/>
+                        </a:rPr>
+                        <a:t>3.383 s</a:t>
+                      </a:r>
                     </a:p>
                   </a:txBody>
                   <a:tcPr anchor="ctr"/>
@@ -8563,11 +8488,14 @@
                         <a:tabLst/>
                         <a:defRPr/>
                       </a:pPr>
-                      <a:endParaRPr lang="pt-PT" sz="1400" dirty="0">
-                        <a:latin typeface="Calibri" panose="020F0502020204030204" pitchFamily="34" charset="0"/>
-                        <a:ea typeface="Calibri" panose="020F0502020204030204" pitchFamily="34" charset="0"/>
-                        <a:cs typeface="Calibri" panose="020F0502020204030204" pitchFamily="34" charset="0"/>
-                      </a:endParaRPr>
+                      <a:r>
+                        <a:rPr lang="pt-PT" sz="1200" dirty="0">
+                          <a:latin typeface="Calibri" panose="020F0502020204030204" pitchFamily="34" charset="0"/>
+                          <a:ea typeface="Calibri" panose="020F0502020204030204" pitchFamily="34" charset="0"/>
+                          <a:cs typeface="Calibri" panose="020F0502020204030204" pitchFamily="34" charset="0"/>
+                        </a:rPr>
+                        <a:t>0.192 s</a:t>
+                      </a:r>
                     </a:p>
                   </a:txBody>
                   <a:tcPr anchor="ctr"/>
@@ -8578,11 +8506,14 @@
                     <a:lstStyle/>
                     <a:p>
                       <a:pPr algn="ctr"/>
-                      <a:endParaRPr lang="pt-PT" sz="1400" dirty="0">
-                        <a:latin typeface="Calibri" panose="020F0502020204030204" pitchFamily="34" charset="0"/>
-                        <a:ea typeface="Calibri" panose="020F0502020204030204" pitchFamily="34" charset="0"/>
-                        <a:cs typeface="Calibri" panose="020F0502020204030204" pitchFamily="34" charset="0"/>
-                      </a:endParaRPr>
+                      <a:r>
+                        <a:rPr lang="pt-PT" sz="1200" dirty="0">
+                          <a:latin typeface="Calibri" panose="020F0502020204030204" pitchFamily="34" charset="0"/>
+                          <a:ea typeface="Calibri" panose="020F0502020204030204" pitchFamily="34" charset="0"/>
+                          <a:cs typeface="Calibri" panose="020F0502020204030204" pitchFamily="34" charset="0"/>
+                        </a:rPr>
+                        <a:t>2.335 s</a:t>
+                      </a:r>
                     </a:p>
                   </a:txBody>
                   <a:tcPr anchor="ctr"/>
@@ -8609,11 +8540,66 @@
                         <a:tabLst/>
                         <a:defRPr/>
                       </a:pPr>
-                      <a:endParaRPr lang="pt-PT" sz="1400" dirty="0">
-                        <a:latin typeface="Calibri" panose="020F0502020204030204" pitchFamily="34" charset="0"/>
-                        <a:ea typeface="Calibri" panose="020F0502020204030204" pitchFamily="34" charset="0"/>
-                        <a:cs typeface="Calibri" panose="020F0502020204030204" pitchFamily="34" charset="0"/>
-                      </a:endParaRPr>
+                      <a:r>
+                        <a:rPr lang="pt-PT" sz="1200" dirty="0">
+                          <a:latin typeface="Calibri" panose="020F0502020204030204" pitchFamily="34" charset="0"/>
+                          <a:ea typeface="Calibri" panose="020F0502020204030204" pitchFamily="34" charset="0"/>
+                          <a:cs typeface="Calibri" panose="020F0502020204030204" pitchFamily="34" charset="0"/>
+                        </a:rPr>
+                        <a:t>0.101 s</a:t>
+                      </a:r>
+                    </a:p>
+                  </a:txBody>
+                  <a:tcPr anchor="ctr"/>
+                </a:tc>
+                <a:tc>
+                  <a:txBody>
+                    <a:bodyPr/>
+                    <a:lstStyle/>
+                    <a:p>
+                      <a:pPr algn="ctr"/>
+                      <a:r>
+                        <a:rPr lang="pt-PT" sz="1200" dirty="0">
+                          <a:latin typeface="Calibri" panose="020F0502020204030204" pitchFamily="34" charset="0"/>
+                          <a:ea typeface="Calibri" panose="020F0502020204030204" pitchFamily="34" charset="0"/>
+                          <a:cs typeface="Calibri" panose="020F0502020204030204" pitchFamily="34" charset="0"/>
+                        </a:rPr>
+                        <a:t>2.654 s</a:t>
+                      </a:r>
+                    </a:p>
+                  </a:txBody>
+                  <a:tcPr anchor="ctr"/>
+                </a:tc>
+                <a:tc>
+                  <a:txBody>
+                    <a:bodyPr/>
+                    <a:lstStyle/>
+                    <a:p>
+                      <a:pPr marL="0" marR="0" lvl="0" indent="0" algn="ctr" defTabSz="914400" rtl="0" eaLnBrk="1" fontAlgn="auto" latinLnBrk="0" hangingPunct="1">
+                        <a:lnSpc>
+                          <a:spcPct val="100000"/>
+                        </a:lnSpc>
+                        <a:spcBef>
+                          <a:spcPts val="0"/>
+                        </a:spcBef>
+                        <a:spcAft>
+                          <a:spcPts val="0"/>
+                        </a:spcAft>
+                        <a:buClrTx/>
+                        <a:buSzTx/>
+                        <a:buFontTx/>
+                        <a:buNone/>
+                        <a:tabLst/>
+                        <a:defRPr/>
+                      </a:pPr>
+                      <a:r>
+                        <a:rPr lang="pt-PT" sz="1200" dirty="0">
+                          <a:latin typeface="Calibri" panose="020F0502020204030204" pitchFamily="34" charset="0"/>
+                          <a:ea typeface="Calibri" panose="020F0502020204030204" pitchFamily="34" charset="0"/>
+                          <a:cs typeface="Calibri" panose="020F0502020204030204" pitchFamily="34" charset="0"/>
+                        </a:rPr>
+                        <a:t>0.070 s</a:t>
+                      </a:r>
                     </a:p>
                   </a:txBody>
                   <a:tcPr anchor="ctr"/>
@@ -8643,7 +8629,7 @@
           <p:nvPr>
             <p:extLst>
               <p:ext uri="{D42A27DB-BD31-4B8C-83A1-F6EECF244321}">
-                <p14:modId xmlns:p14="http://schemas.microsoft.com/office/powerpoint/2010/main" val="731306587"/>
+                <p14:modId xmlns:p14="http://schemas.microsoft.com/office/powerpoint/2010/main" val="2830718369"/>
               </p:ext>
             </p:extLst>
           </p:nvPr>
@@ -8918,14 +8904,11 @@
                         </a:rPr>
                         <a:t>Mean</a:t>
                       </a:r>
-                      <a:r>
-                        <a:rPr lang="pt-PT" sz="1200" b="0" dirty="0">
-                          <a:latin typeface="Calibri" panose="020F0502020204030204" pitchFamily="34" charset="0"/>
-                          <a:ea typeface="Calibri" panose="020F0502020204030204" pitchFamily="34" charset="0"/>
-                          <a:cs typeface="Calibri" panose="020F0502020204030204" pitchFamily="34" charset="0"/>
-                        </a:rPr>
-                        <a:t> (s)</a:t>
-                      </a:r>
+                      <a:endParaRPr lang="pt-PT" sz="1200" b="0" dirty="0">
+                        <a:latin typeface="Calibri" panose="020F0502020204030204" pitchFamily="34" charset="0"/>
+                        <a:ea typeface="Calibri" panose="020F0502020204030204" pitchFamily="34" charset="0"/>
+                        <a:cs typeface="Calibri" panose="020F0502020204030204" pitchFamily="34" charset="0"/>
+                      </a:endParaRPr>
                     </a:p>
                   </a:txBody>
                   <a:tcPr marL="81828" marR="81828" anchor="ctr">
@@ -8958,14 +8941,11 @@
                         </a:rPr>
                         <a:t>deviation</a:t>
                       </a:r>
-                      <a:r>
-                        <a:rPr lang="pt-PT" sz="1200" b="0" dirty="0">
-                          <a:latin typeface="Calibri" panose="020F0502020204030204" pitchFamily="34" charset="0"/>
-                          <a:ea typeface="Calibri" panose="020F0502020204030204" pitchFamily="34" charset="0"/>
-                          <a:cs typeface="Calibri" panose="020F0502020204030204" pitchFamily="34" charset="0"/>
-                        </a:rPr>
-                        <a:t> (s)</a:t>
-                      </a:r>
+                      <a:endParaRPr lang="pt-PT" sz="1200" b="0" dirty="0">
+                        <a:latin typeface="Calibri" panose="020F0502020204030204" pitchFamily="34" charset="0"/>
+                        <a:ea typeface="Calibri" panose="020F0502020204030204" pitchFamily="34" charset="0"/>
+                        <a:cs typeface="Calibri" panose="020F0502020204030204" pitchFamily="34" charset="0"/>
+                      </a:endParaRPr>
                     </a:p>
                   </a:txBody>
                   <a:tcPr marL="81828" marR="81828" anchor="ctr">
@@ -8990,14 +8970,11 @@
                         </a:rPr>
                         <a:t>Mean</a:t>
                       </a:r>
-                      <a:r>
-                        <a:rPr lang="pt-PT" sz="1200" b="0" dirty="0">
-                          <a:latin typeface="Calibri" panose="020F0502020204030204" pitchFamily="34" charset="0"/>
-                          <a:ea typeface="Calibri" panose="020F0502020204030204" pitchFamily="34" charset="0"/>
-                          <a:cs typeface="Calibri" panose="020F0502020204030204" pitchFamily="34" charset="0"/>
-                        </a:rPr>
-                        <a:t> (s)</a:t>
-                      </a:r>
+                      <a:endParaRPr lang="pt-PT" sz="1200" b="0" dirty="0">
+                        <a:latin typeface="Calibri" panose="020F0502020204030204" pitchFamily="34" charset="0"/>
+                        <a:ea typeface="Calibri" panose="020F0502020204030204" pitchFamily="34" charset="0"/>
+                        <a:cs typeface="Calibri" panose="020F0502020204030204" pitchFamily="34" charset="0"/>
+                      </a:endParaRPr>
                     </a:p>
                   </a:txBody>
                   <a:tcPr marL="81828" marR="81828" anchor="ctr">
@@ -9030,14 +9007,11 @@
                         </a:rPr>
                         <a:t>deviation</a:t>
                       </a:r>
-                      <a:r>
-                        <a:rPr lang="pt-PT" sz="1200" b="0" dirty="0">
-                          <a:latin typeface="Calibri" panose="020F0502020204030204" pitchFamily="34" charset="0"/>
-                          <a:ea typeface="Calibri" panose="020F0502020204030204" pitchFamily="34" charset="0"/>
-                          <a:cs typeface="Calibri" panose="020F0502020204030204" pitchFamily="34" charset="0"/>
-                        </a:rPr>
-                        <a:t> (s)</a:t>
-                      </a:r>
+                      <a:endParaRPr lang="pt-PT" sz="1200" b="0" dirty="0">
+                        <a:latin typeface="Calibri" panose="020F0502020204030204" pitchFamily="34" charset="0"/>
+                        <a:ea typeface="Calibri" panose="020F0502020204030204" pitchFamily="34" charset="0"/>
+                        <a:cs typeface="Calibri" panose="020F0502020204030204" pitchFamily="34" charset="0"/>
+                      </a:endParaRPr>
                     </a:p>
                   </a:txBody>
                   <a:tcPr marL="81828" marR="81828" anchor="ctr">
@@ -9062,14 +9036,11 @@
                         </a:rPr>
                         <a:t>Mean</a:t>
                       </a:r>
-                      <a:r>
-                        <a:rPr lang="pt-PT" sz="1200" b="0" dirty="0">
-                          <a:latin typeface="Calibri" panose="020F0502020204030204" pitchFamily="34" charset="0"/>
-                          <a:ea typeface="Calibri" panose="020F0502020204030204" pitchFamily="34" charset="0"/>
-                          <a:cs typeface="Calibri" panose="020F0502020204030204" pitchFamily="34" charset="0"/>
-                        </a:rPr>
-                        <a:t> (s)</a:t>
-                      </a:r>
+                      <a:endParaRPr lang="pt-PT" sz="1200" b="0" dirty="0">
+                        <a:latin typeface="Calibri" panose="020F0502020204030204" pitchFamily="34" charset="0"/>
+                        <a:ea typeface="Calibri" panose="020F0502020204030204" pitchFamily="34" charset="0"/>
+                        <a:cs typeface="Calibri" panose="020F0502020204030204" pitchFamily="34" charset="0"/>
+                      </a:endParaRPr>
                     </a:p>
                   </a:txBody>
                   <a:tcPr marL="81828" marR="81828" anchor="ctr">
@@ -9102,14 +9073,11 @@
                         </a:rPr>
                         <a:t>deviation</a:t>
                       </a:r>
-                      <a:r>
-                        <a:rPr lang="pt-PT" sz="1200" b="0" dirty="0">
-                          <a:latin typeface="Calibri" panose="020F0502020204030204" pitchFamily="34" charset="0"/>
-                          <a:ea typeface="Calibri" panose="020F0502020204030204" pitchFamily="34" charset="0"/>
-                          <a:cs typeface="Calibri" panose="020F0502020204030204" pitchFamily="34" charset="0"/>
-                        </a:rPr>
-                        <a:t> (s)</a:t>
-                      </a:r>
+                      <a:endParaRPr lang="pt-PT" sz="1200" b="0" dirty="0">
+                        <a:latin typeface="Calibri" panose="020F0502020204030204" pitchFamily="34" charset="0"/>
+                        <a:ea typeface="Calibri" panose="020F0502020204030204" pitchFamily="34" charset="0"/>
+                        <a:cs typeface="Calibri" panose="020F0502020204030204" pitchFamily="34" charset="0"/>
+                      </a:endParaRPr>
                     </a:p>
                   </a:txBody>
                   <a:tcPr marL="81828" marR="81828" anchor="ctr">
@@ -9134,14 +9102,11 @@
                         </a:rPr>
                         <a:t>Mean</a:t>
                       </a:r>
-                      <a:r>
-                        <a:rPr lang="pt-PT" sz="1200" b="0" dirty="0">
-                          <a:latin typeface="Calibri" panose="020F0502020204030204" pitchFamily="34" charset="0"/>
-                          <a:ea typeface="Calibri" panose="020F0502020204030204" pitchFamily="34" charset="0"/>
-                          <a:cs typeface="Calibri" panose="020F0502020204030204" pitchFamily="34" charset="0"/>
-                        </a:rPr>
-                        <a:t> (s)</a:t>
-                      </a:r>
+                      <a:endParaRPr lang="pt-PT" sz="1200" b="0" dirty="0">
+                        <a:latin typeface="Calibri" panose="020F0502020204030204" pitchFamily="34" charset="0"/>
+                        <a:ea typeface="Calibri" panose="020F0502020204030204" pitchFamily="34" charset="0"/>
+                        <a:cs typeface="Calibri" panose="020F0502020204030204" pitchFamily="34" charset="0"/>
+                      </a:endParaRPr>
                     </a:p>
                   </a:txBody>
                   <a:tcPr marL="81828" marR="81828" anchor="ctr">
@@ -9174,14 +9139,11 @@
                         </a:rPr>
                         <a:t>deviation</a:t>
                       </a:r>
-                      <a:r>
-                        <a:rPr lang="pt-PT" sz="1200" b="0" dirty="0">
-                          <a:latin typeface="Calibri" panose="020F0502020204030204" pitchFamily="34" charset="0"/>
-                          <a:ea typeface="Calibri" panose="020F0502020204030204" pitchFamily="34" charset="0"/>
-                          <a:cs typeface="Calibri" panose="020F0502020204030204" pitchFamily="34" charset="0"/>
-                        </a:rPr>
-                        <a:t> (s)</a:t>
-                      </a:r>
+                      <a:endParaRPr lang="pt-PT" sz="1200" b="0" dirty="0">
+                        <a:latin typeface="Calibri" panose="020F0502020204030204" pitchFamily="34" charset="0"/>
+                        <a:ea typeface="Calibri" panose="020F0502020204030204" pitchFamily="34" charset="0"/>
+                        <a:cs typeface="Calibri" panose="020F0502020204030204" pitchFamily="34" charset="0"/>
+                      </a:endParaRPr>
                     </a:p>
                   </a:txBody>
                   <a:tcPr marL="81828" marR="81828" anchor="ctr">
@@ -9223,7 +9185,7 @@
                     <a:lstStyle/>
                     <a:p>
                       <a:pPr algn="ctr"/>
-                      <a:endParaRPr lang="pt-PT" sz="1400" dirty="0">
+                      <a:endParaRPr lang="pt-PT" sz="1200" dirty="0">
                         <a:latin typeface="Calibri" panose="020F0502020204030204" pitchFamily="34" charset="0"/>
                         <a:ea typeface="Calibri" panose="020F0502020204030204" pitchFamily="34" charset="0"/>
                         <a:cs typeface="Calibri" panose="020F0502020204030204" pitchFamily="34" charset="0"/>
@@ -9254,7 +9216,7 @@
                         <a:tabLst/>
                         <a:defRPr/>
                       </a:pPr>
-                      <a:endParaRPr lang="pt-PT" sz="1400" dirty="0">
+                      <a:endParaRPr lang="pt-PT" sz="1200" dirty="0">
                         <a:latin typeface="Calibri" panose="020F0502020204030204" pitchFamily="34" charset="0"/>
                         <a:ea typeface="Calibri" panose="020F0502020204030204" pitchFamily="34" charset="0"/>
                         <a:cs typeface="Calibri" panose="020F0502020204030204" pitchFamily="34" charset="0"/>
@@ -9269,7 +9231,7 @@
                     <a:lstStyle/>
                     <a:p>
                       <a:pPr algn="ctr"/>
-                      <a:endParaRPr lang="pt-PT" sz="1400" dirty="0">
+                      <a:endParaRPr lang="pt-PT" sz="1200" dirty="0">
                         <a:latin typeface="Calibri" panose="020F0502020204030204" pitchFamily="34" charset="0"/>
                         <a:ea typeface="Calibri" panose="020F0502020204030204" pitchFamily="34" charset="0"/>
                         <a:cs typeface="Calibri" panose="020F0502020204030204" pitchFamily="34" charset="0"/>
@@ -9300,7 +9262,7 @@
                         <a:tabLst/>
                         <a:defRPr/>
                       </a:pPr>
-                      <a:endParaRPr lang="pt-PT" sz="1400" dirty="0">
+                      <a:endParaRPr lang="pt-PT" sz="1200" dirty="0">
                         <a:latin typeface="Calibri" panose="020F0502020204030204" pitchFamily="34" charset="0"/>
                         <a:ea typeface="Calibri" panose="020F0502020204030204" pitchFamily="34" charset="0"/>
                         <a:cs typeface="Calibri" panose="020F0502020204030204" pitchFamily="34" charset="0"/>
@@ -9315,7 +9277,7 @@
                     <a:lstStyle/>
                     <a:p>
                       <a:pPr algn="ctr"/>
-                      <a:endParaRPr lang="pt-PT" sz="1400" dirty="0">
+                      <a:endParaRPr lang="pt-PT" sz="1200" dirty="0">
                         <a:latin typeface="Calibri" panose="020F0502020204030204" pitchFamily="34" charset="0"/>
                         <a:ea typeface="Calibri" panose="020F0502020204030204" pitchFamily="34" charset="0"/>
                         <a:cs typeface="Calibri" panose="020F0502020204030204" pitchFamily="34" charset="0"/>
@@ -9346,7 +9308,7 @@
                         <a:tabLst/>
                         <a:defRPr/>
                       </a:pPr>
-                      <a:endParaRPr lang="pt-PT" sz="1400" dirty="0">
+                      <a:endParaRPr lang="pt-PT" sz="1200" dirty="0">
                         <a:latin typeface="Calibri" panose="020F0502020204030204" pitchFamily="34" charset="0"/>
                         <a:ea typeface="Calibri" panose="020F0502020204030204" pitchFamily="34" charset="0"/>
                         <a:cs typeface="Calibri" panose="020F0502020204030204" pitchFamily="34" charset="0"/>
@@ -9361,7 +9323,7 @@
                     <a:lstStyle/>
                     <a:p>
                       <a:pPr algn="ctr"/>
-                      <a:endParaRPr lang="pt-PT" sz="1400" dirty="0">
+                      <a:endParaRPr lang="pt-PT" sz="1200" dirty="0">
                         <a:latin typeface="Calibri" panose="020F0502020204030204" pitchFamily="34" charset="0"/>
                         <a:ea typeface="Calibri" panose="020F0502020204030204" pitchFamily="34" charset="0"/>
                         <a:cs typeface="Calibri" panose="020F0502020204030204" pitchFamily="34" charset="0"/>
@@ -9392,7 +9354,7 @@
                         <a:tabLst/>
                         <a:defRPr/>
                       </a:pPr>
-                      <a:endParaRPr lang="pt-PT" sz="1400" dirty="0">
+                      <a:endParaRPr lang="pt-PT" sz="1200" dirty="0">
                         <a:latin typeface="Calibri" panose="020F0502020204030204" pitchFamily="34" charset="0"/>
                         <a:ea typeface="Calibri" panose="020F0502020204030204" pitchFamily="34" charset="0"/>
                         <a:cs typeface="Calibri" panose="020F0502020204030204" pitchFamily="34" charset="0"/>
@@ -9432,7 +9394,7 @@
                     <a:lstStyle/>
                     <a:p>
                       <a:pPr algn="ctr"/>
-                      <a:endParaRPr lang="pt-PT" sz="1400" dirty="0">
+                      <a:endParaRPr lang="pt-PT" sz="1200" dirty="0">
                         <a:latin typeface="Calibri" panose="020F0502020204030204" pitchFamily="34" charset="0"/>
                         <a:ea typeface="Calibri" panose="020F0502020204030204" pitchFamily="34" charset="0"/>
                         <a:cs typeface="Calibri" panose="020F0502020204030204" pitchFamily="34" charset="0"/>
@@ -9463,7 +9425,7 @@
                         <a:tabLst/>
                         <a:defRPr/>
                       </a:pPr>
-                      <a:endParaRPr lang="pt-PT" sz="1400" dirty="0">
+                      <a:endParaRPr lang="pt-PT" sz="1200" dirty="0">
                         <a:latin typeface="Calibri" panose="020F0502020204030204" pitchFamily="34" charset="0"/>
                         <a:ea typeface="Calibri" panose="020F0502020204030204" pitchFamily="34" charset="0"/>
                         <a:cs typeface="Calibri" panose="020F0502020204030204" pitchFamily="34" charset="0"/>
@@ -9478,7 +9440,7 @@
                     <a:lstStyle/>
                     <a:p>
                       <a:pPr algn="ctr"/>
-                      <a:endParaRPr lang="pt-PT" sz="1400" dirty="0">
+                      <a:endParaRPr lang="pt-PT" sz="1200" dirty="0">
                         <a:latin typeface="Calibri" panose="020F0502020204030204" pitchFamily="34" charset="0"/>
                         <a:ea typeface="Calibri" panose="020F0502020204030204" pitchFamily="34" charset="0"/>
                         <a:cs typeface="Calibri" panose="020F0502020204030204" pitchFamily="34" charset="0"/>
@@ -9509,7 +9471,7 @@
                         <a:tabLst/>
                         <a:defRPr/>
                       </a:pPr>
-                      <a:endParaRPr lang="pt-PT" sz="1400" dirty="0">
+                      <a:endParaRPr lang="pt-PT" sz="1200" dirty="0">
                         <a:latin typeface="Calibri" panose="020F0502020204030204" pitchFamily="34" charset="0"/>
                         <a:ea typeface="Calibri" panose="020F0502020204030204" pitchFamily="34" charset="0"/>
                         <a:cs typeface="Calibri" panose="020F0502020204030204" pitchFamily="34" charset="0"/>
@@ -9524,7 +9486,7 @@
                     <a:lstStyle/>
                     <a:p>
                       <a:pPr algn="ctr"/>
-                      <a:endParaRPr lang="pt-PT" sz="1400" dirty="0">
+                      <a:endParaRPr lang="pt-PT" sz="1200" dirty="0">
                         <a:latin typeface="Calibri" panose="020F0502020204030204" pitchFamily="34" charset="0"/>
                         <a:ea typeface="Calibri" panose="020F0502020204030204" pitchFamily="34" charset="0"/>
                         <a:cs typeface="Calibri" panose="020F0502020204030204" pitchFamily="34" charset="0"/>
@@ -9555,7 +9517,7 @@
                         <a:tabLst/>
                         <a:defRPr/>
                       </a:pPr>
-                      <a:endParaRPr lang="pt-PT" sz="1400" dirty="0">
+                      <a:endParaRPr lang="pt-PT" sz="1200" dirty="0">
                         <a:latin typeface="Calibri" panose="020F0502020204030204" pitchFamily="34" charset="0"/>
                         <a:ea typeface="Calibri" panose="020F0502020204030204" pitchFamily="34" charset="0"/>
                         <a:cs typeface="Calibri" panose="020F0502020204030204" pitchFamily="34" charset="0"/>
@@ -9570,7 +9532,7 @@
                     <a:lstStyle/>
                     <a:p>
                       <a:pPr algn="ctr"/>
-                      <a:endParaRPr lang="pt-PT" sz="1400" dirty="0">
+                      <a:endParaRPr lang="pt-PT" sz="1200" dirty="0">
                         <a:latin typeface="Calibri" panose="020F0502020204030204" pitchFamily="34" charset="0"/>
                         <a:ea typeface="Calibri" panose="020F0502020204030204" pitchFamily="34" charset="0"/>
                         <a:cs typeface="Calibri" panose="020F0502020204030204" pitchFamily="34" charset="0"/>
@@ -9601,7 +9563,7 @@
                         <a:tabLst/>
                         <a:defRPr/>
                       </a:pPr>
-                      <a:endParaRPr lang="pt-PT" sz="1400" dirty="0">
+                      <a:endParaRPr lang="pt-PT" sz="1200" dirty="0">
                         <a:latin typeface="Calibri" panose="020F0502020204030204" pitchFamily="34" charset="0"/>
                         <a:ea typeface="Calibri" panose="020F0502020204030204" pitchFamily="34" charset="0"/>
                         <a:cs typeface="Calibri" panose="020F0502020204030204" pitchFamily="34" charset="0"/>
@@ -9641,7 +9603,7 @@
                     <a:lstStyle/>
                     <a:p>
                       <a:pPr algn="ctr"/>
-                      <a:endParaRPr lang="pt-PT" sz="1400" dirty="0">
+                      <a:endParaRPr lang="pt-PT" sz="1200" dirty="0">
                         <a:latin typeface="Calibri" panose="020F0502020204030204" pitchFamily="34" charset="0"/>
                         <a:ea typeface="Calibri" panose="020F0502020204030204" pitchFamily="34" charset="0"/>
                         <a:cs typeface="Calibri" panose="020F0502020204030204" pitchFamily="34" charset="0"/>
@@ -9672,7 +9634,7 @@
                         <a:tabLst/>
                         <a:defRPr/>
                       </a:pPr>
-                      <a:endParaRPr lang="pt-PT" sz="1400" dirty="0">
+                      <a:endParaRPr lang="pt-PT" sz="1200" dirty="0">
                         <a:latin typeface="Calibri" panose="020F0502020204030204" pitchFamily="34" charset="0"/>
                         <a:ea typeface="Calibri" panose="020F0502020204030204" pitchFamily="34" charset="0"/>
                         <a:cs typeface="Calibri" panose="020F0502020204030204" pitchFamily="34" charset="0"/>
@@ -9687,7 +9649,7 @@
                     <a:lstStyle/>
                     <a:p>
                       <a:pPr algn="ctr"/>
-                      <a:endParaRPr lang="pt-PT" sz="1400" dirty="0">
+                      <a:endParaRPr lang="pt-PT" sz="1200" dirty="0">
                         <a:latin typeface="Calibri" panose="020F0502020204030204" pitchFamily="34" charset="0"/>
                         <a:ea typeface="Calibri" panose="020F0502020204030204" pitchFamily="34" charset="0"/>
                         <a:cs typeface="Calibri" panose="020F0502020204030204" pitchFamily="34" charset="0"/>
@@ -9718,7 +9680,7 @@
                         <a:tabLst/>
                         <a:defRPr/>
                       </a:pPr>
-                      <a:endParaRPr lang="pt-PT" sz="1400" dirty="0">
+                      <a:endParaRPr lang="pt-PT" sz="1200" dirty="0">
                         <a:latin typeface="Calibri" panose="020F0502020204030204" pitchFamily="34" charset="0"/>
                         <a:ea typeface="Calibri" panose="020F0502020204030204" pitchFamily="34" charset="0"/>
                         <a:cs typeface="Calibri" panose="020F0502020204030204" pitchFamily="34" charset="0"/>
@@ -9733,7 +9695,7 @@
                     <a:lstStyle/>
                     <a:p>
                       <a:pPr algn="ctr"/>
-                      <a:endParaRPr lang="pt-PT" sz="1400" dirty="0">
+                      <a:endParaRPr lang="pt-PT" sz="1200" dirty="0">
                         <a:latin typeface="Calibri" panose="020F0502020204030204" pitchFamily="34" charset="0"/>
                         <a:ea typeface="Calibri" panose="020F0502020204030204" pitchFamily="34" charset="0"/>
                         <a:cs typeface="Calibri" panose="020F0502020204030204" pitchFamily="34" charset="0"/>
@@ -9764,7 +9726,7 @@
                         <a:tabLst/>
                         <a:defRPr/>
                       </a:pPr>
-                      <a:endParaRPr lang="pt-PT" sz="1400" dirty="0">
+                      <a:endParaRPr lang="pt-PT" sz="1200" dirty="0">
                         <a:latin typeface="Calibri" panose="020F0502020204030204" pitchFamily="34" charset="0"/>
                         <a:ea typeface="Calibri" panose="020F0502020204030204" pitchFamily="34" charset="0"/>
                         <a:cs typeface="Calibri" panose="020F0502020204030204" pitchFamily="34" charset="0"/>
@@ -9779,7 +9741,7 @@
                     <a:lstStyle/>
                     <a:p>
                       <a:pPr algn="ctr"/>
-                      <a:endParaRPr lang="pt-PT" sz="1400" dirty="0">
+                      <a:endParaRPr lang="pt-PT" sz="1200" dirty="0">
                         <a:latin typeface="Calibri" panose="020F0502020204030204" pitchFamily="34" charset="0"/>
                         <a:ea typeface="Calibri" panose="020F0502020204030204" pitchFamily="34" charset="0"/>
                         <a:cs typeface="Calibri" panose="020F0502020204030204" pitchFamily="34" charset="0"/>
@@ -9810,7 +9772,7 @@
                         <a:tabLst/>
                         <a:defRPr/>
                       </a:pPr>
-                      <a:endParaRPr lang="pt-PT" sz="1400" dirty="0">
+                      <a:endParaRPr lang="pt-PT" sz="1200" dirty="0">
                         <a:latin typeface="Calibri" panose="020F0502020204030204" pitchFamily="34" charset="0"/>
                         <a:ea typeface="Calibri" panose="020F0502020204030204" pitchFamily="34" charset="0"/>
                         <a:cs typeface="Calibri" panose="020F0502020204030204" pitchFamily="34" charset="0"/>
@@ -9850,7 +9812,7 @@
                     <a:lstStyle/>
                     <a:p>
                       <a:pPr algn="ctr"/>
-                      <a:endParaRPr lang="pt-PT" sz="1400" dirty="0">
+                      <a:endParaRPr lang="pt-PT" sz="1200" dirty="0">
                         <a:latin typeface="Calibri" panose="020F0502020204030204" pitchFamily="34" charset="0"/>
                         <a:ea typeface="Calibri" panose="020F0502020204030204" pitchFamily="34" charset="0"/>
                         <a:cs typeface="Calibri" panose="020F0502020204030204" pitchFamily="34" charset="0"/>
@@ -9881,7 +9843,7 @@
                         <a:tabLst/>
                         <a:defRPr/>
                       </a:pPr>
-                      <a:endParaRPr lang="pt-PT" sz="1400" dirty="0">
+                      <a:endParaRPr lang="pt-PT" sz="1200" dirty="0">
                         <a:latin typeface="Calibri" panose="020F0502020204030204" pitchFamily="34" charset="0"/>
                         <a:ea typeface="Calibri" panose="020F0502020204030204" pitchFamily="34" charset="0"/>
                         <a:cs typeface="Calibri" panose="020F0502020204030204" pitchFamily="34" charset="0"/>
@@ -9896,7 +9858,7 @@
                     <a:lstStyle/>
                     <a:p>
                       <a:pPr algn="ctr"/>
-                      <a:endParaRPr lang="pt-PT" sz="1400" dirty="0">
+                      <a:endParaRPr lang="pt-PT" sz="1200" dirty="0">
                         <a:latin typeface="Calibri" panose="020F0502020204030204" pitchFamily="34" charset="0"/>
                         <a:ea typeface="Calibri" panose="020F0502020204030204" pitchFamily="34" charset="0"/>
                         <a:cs typeface="Calibri" panose="020F0502020204030204" pitchFamily="34" charset="0"/>
@@ -9927,7 +9889,7 @@
                         <a:tabLst/>
                         <a:defRPr/>
                       </a:pPr>
-                      <a:endParaRPr lang="pt-PT" sz="1400" dirty="0">
+                      <a:endParaRPr lang="pt-PT" sz="1200" dirty="0">
                         <a:latin typeface="Calibri" panose="020F0502020204030204" pitchFamily="34" charset="0"/>
                         <a:ea typeface="Calibri" panose="020F0502020204030204" pitchFamily="34" charset="0"/>
                         <a:cs typeface="Calibri" panose="020F0502020204030204" pitchFamily="34" charset="0"/>
@@ -9942,7 +9904,7 @@
                     <a:lstStyle/>
                     <a:p>
                       <a:pPr algn="ctr"/>
-                      <a:endParaRPr lang="pt-PT" sz="1400" dirty="0">
+                      <a:endParaRPr lang="pt-PT" sz="1200" dirty="0">
                         <a:latin typeface="Calibri" panose="020F0502020204030204" pitchFamily="34" charset="0"/>
                         <a:ea typeface="Calibri" panose="020F0502020204030204" pitchFamily="34" charset="0"/>
                         <a:cs typeface="Calibri" panose="020F0502020204030204" pitchFamily="34" charset="0"/>
@@ -9973,7 +9935,7 @@
                         <a:tabLst/>
                         <a:defRPr/>
                       </a:pPr>
-                      <a:endParaRPr lang="pt-PT" sz="1400" dirty="0">
+                      <a:endParaRPr lang="pt-PT" sz="1200" dirty="0">
                         <a:latin typeface="Calibri" panose="020F0502020204030204" pitchFamily="34" charset="0"/>
                         <a:ea typeface="Calibri" panose="020F0502020204030204" pitchFamily="34" charset="0"/>
                         <a:cs typeface="Calibri" panose="020F0502020204030204" pitchFamily="34" charset="0"/>
@@ -9988,7 +9950,7 @@
                     <a:lstStyle/>
                     <a:p>
                       <a:pPr algn="ctr"/>
-                      <a:endParaRPr lang="pt-PT" sz="1400" dirty="0">
+                      <a:endParaRPr lang="pt-PT" sz="1200" dirty="0">
                         <a:latin typeface="Calibri" panose="020F0502020204030204" pitchFamily="34" charset="0"/>
                         <a:ea typeface="Calibri" panose="020F0502020204030204" pitchFamily="34" charset="0"/>
                         <a:cs typeface="Calibri" panose="020F0502020204030204" pitchFamily="34" charset="0"/>
@@ -10019,7 +9981,7 @@
                         <a:tabLst/>
                         <a:defRPr/>
                       </a:pPr>
-                      <a:endParaRPr lang="pt-PT" sz="1400" dirty="0">
+                      <a:endParaRPr lang="pt-PT" sz="1200" dirty="0">
                         <a:latin typeface="Calibri" panose="020F0502020204030204" pitchFamily="34" charset="0"/>
                         <a:ea typeface="Calibri" panose="020F0502020204030204" pitchFamily="34" charset="0"/>
                         <a:cs typeface="Calibri" panose="020F0502020204030204" pitchFamily="34" charset="0"/>
@@ -10406,7 +10368,7 @@
             <a:pPr algn="just"/>
             <a:r>
               <a:rPr lang="pt-PT" dirty="0" err="1"/>
-              <a:t>Obtained</a:t>
+              <a:t>Expected</a:t>
             </a:r>
             <a:r>
               <a:rPr lang="pt-PT" dirty="0"/>
@@ -10414,7 +10376,7 @@
             </a:r>
             <a:r>
               <a:rPr lang="pt-PT" dirty="0" err="1"/>
-              <a:t>inferences</a:t>
+              <a:t>results</a:t>
             </a:r>
             <a:r>
               <a:rPr lang="pt-PT" dirty="0"/>
@@ -10425,159 +10387,7 @@
             <a:pPr lvl="1"/>
             <a:r>
               <a:rPr lang="pt-PT" dirty="0"/>
-              <a:t>For the </a:t>
-            </a:r>
-            <a:r>
-              <a:rPr lang="pt-PT" dirty="0" err="1"/>
-              <a:t>smaller</a:t>
-            </a:r>
-            <a:r>
-              <a:rPr lang="pt-PT" dirty="0"/>
-              <a:t> files (</a:t>
-            </a:r>
-            <a:r>
-              <a:rPr lang="pt-PT" i="1" dirty="0"/>
-              <a:t>datSeq32.bin </a:t>
-            </a:r>
-            <a:r>
-              <a:rPr lang="pt-PT" dirty="0"/>
-              <a:t>and </a:t>
-            </a:r>
-            <a:r>
-              <a:rPr lang="pt-PT" i="1" dirty="0"/>
-              <a:t>datSeq256K.bin</a:t>
-            </a:r>
-            <a:r>
-              <a:rPr lang="pt-PT" dirty="0"/>
-              <a:t>) the </a:t>
-            </a:r>
-            <a:r>
-              <a:rPr lang="pt-PT" dirty="0" err="1"/>
-              <a:t>program</a:t>
-            </a:r>
-            <a:r>
-              <a:rPr lang="pt-PT" dirty="0"/>
-              <a:t> </a:t>
-            </a:r>
-            <a:r>
-              <a:rPr lang="pt-PT" dirty="0" err="1"/>
-              <a:t>behaviour</a:t>
-            </a:r>
-            <a:r>
-              <a:rPr lang="pt-PT" dirty="0"/>
-              <a:t> </a:t>
-            </a:r>
-            <a:r>
-              <a:rPr lang="pt-PT" dirty="0" err="1"/>
-              <a:t>remains</a:t>
-            </a:r>
-            <a:r>
-              <a:rPr lang="pt-PT" dirty="0"/>
-              <a:t> similar to </a:t>
-            </a:r>
-            <a:r>
-              <a:rPr lang="pt-PT" dirty="0" err="1"/>
-              <a:t>what</a:t>
-            </a:r>
-            <a:r>
-              <a:rPr lang="pt-PT" dirty="0"/>
-              <a:t> </a:t>
-            </a:r>
-            <a:r>
-              <a:rPr lang="pt-PT" dirty="0" err="1"/>
-              <a:t>was</a:t>
-            </a:r>
-            <a:r>
-              <a:rPr lang="pt-PT" dirty="0"/>
-              <a:t> </a:t>
-            </a:r>
-            <a:r>
-              <a:rPr lang="pt-PT" dirty="0" err="1"/>
-              <a:t>observed</a:t>
-            </a:r>
-            <a:r>
-              <a:rPr lang="pt-PT" dirty="0"/>
-              <a:t> in the </a:t>
-            </a:r>
-            <a:r>
-              <a:rPr lang="pt-PT" dirty="0" err="1"/>
-              <a:t>first</a:t>
-            </a:r>
-            <a:r>
-              <a:rPr lang="pt-PT" dirty="0"/>
-              <a:t> </a:t>
-            </a:r>
-            <a:r>
-              <a:rPr lang="pt-PT" dirty="0" err="1"/>
-              <a:t>problem</a:t>
-            </a:r>
-            <a:r>
-              <a:rPr lang="pt-PT" dirty="0"/>
-              <a:t>, as the </a:t>
-            </a:r>
-            <a:r>
-              <a:rPr lang="pt-PT" dirty="0" err="1"/>
-              <a:t>dataset</a:t>
-            </a:r>
-            <a:r>
-              <a:rPr lang="pt-PT" dirty="0"/>
-              <a:t> </a:t>
-            </a:r>
-            <a:r>
-              <a:rPr lang="pt-PT" dirty="0" err="1"/>
-              <a:t>is</a:t>
-            </a:r>
-            <a:r>
-              <a:rPr lang="pt-PT" dirty="0"/>
-              <a:t> </a:t>
-            </a:r>
-            <a:r>
-              <a:rPr lang="pt-PT" dirty="0" err="1"/>
-              <a:t>not</a:t>
-            </a:r>
-            <a:r>
-              <a:rPr lang="pt-PT" dirty="0"/>
-              <a:t> </a:t>
-            </a:r>
-            <a:r>
-              <a:rPr lang="pt-PT" dirty="0" err="1"/>
-              <a:t>big</a:t>
-            </a:r>
-            <a:r>
-              <a:rPr lang="pt-PT" dirty="0"/>
-              <a:t> </a:t>
-            </a:r>
-            <a:r>
-              <a:rPr lang="pt-PT" dirty="0" err="1"/>
-              <a:t>enough</a:t>
-            </a:r>
-            <a:r>
-              <a:rPr lang="pt-PT" dirty="0"/>
-              <a:t> to </a:t>
-            </a:r>
-            <a:r>
-              <a:rPr lang="pt-PT" dirty="0" err="1"/>
-              <a:t>make</a:t>
-            </a:r>
-            <a:r>
-              <a:rPr lang="pt-PT" dirty="0"/>
-              <a:t> a </a:t>
-            </a:r>
-            <a:r>
-              <a:rPr lang="pt-PT" dirty="0" err="1"/>
-              <a:t>significant</a:t>
-            </a:r>
-            <a:r>
-              <a:rPr lang="pt-PT" dirty="0"/>
-              <a:t> </a:t>
-            </a:r>
-            <a:r>
-              <a:rPr lang="pt-PT" dirty="0" err="1"/>
-              <a:t>difference</a:t>
-            </a:r>
-            <a:r>
-              <a:rPr lang="pt-PT" dirty="0"/>
-              <a:t>.</a:t>
+              <a:t>A</a:t>
             </a:r>
           </a:p>
           <a:p>
@@ -10588,200 +10398,13 @@
             <a:pPr lvl="1"/>
             <a:r>
               <a:rPr lang="pt-PT" dirty="0"/>
-              <a:t>The </a:t>
-            </a:r>
-            <a:r>
-              <a:rPr lang="pt-PT" dirty="0" err="1"/>
-              <a:t>last</a:t>
-            </a:r>
-            <a:r>
-              <a:rPr lang="pt-PT" dirty="0"/>
-              <a:t> </a:t>
-            </a:r>
-            <a:r>
-              <a:rPr lang="pt-PT" dirty="0" err="1"/>
-              <a:t>two</a:t>
-            </a:r>
-            <a:r>
-              <a:rPr lang="pt-PT" dirty="0"/>
-              <a:t> files (</a:t>
-            </a:r>
-            <a:r>
-              <a:rPr lang="pt-PT" i="1" dirty="0"/>
-              <a:t>datSeq1M.bin </a:t>
-            </a:r>
-            <a:r>
-              <a:rPr lang="pt-PT" dirty="0"/>
-              <a:t>and </a:t>
-            </a:r>
-            <a:r>
-              <a:rPr lang="pt-PT" i="1" dirty="0">
-                <a:latin typeface="Calibri" panose="020F0502020204030204" pitchFamily="34" charset="0"/>
-                <a:ea typeface="Calibri" panose="020F0502020204030204" pitchFamily="34" charset="0"/>
-                <a:cs typeface="Calibri" panose="020F0502020204030204" pitchFamily="34" charset="0"/>
-              </a:rPr>
-              <a:t>datSeq16M.bin</a:t>
-            </a:r>
-            <a:r>
-              <a:rPr lang="pt-PT" dirty="0">
-                <a:latin typeface="Calibri" panose="020F0502020204030204" pitchFamily="34" charset="0"/>
-                <a:ea typeface="Calibri" panose="020F0502020204030204" pitchFamily="34" charset="0"/>
-                <a:cs typeface="Calibri" panose="020F0502020204030204" pitchFamily="34" charset="0"/>
-              </a:rPr>
-              <a:t>)</a:t>
-            </a:r>
-            <a:r>
-              <a:rPr lang="pt-PT" i="1" dirty="0">
-                <a:latin typeface="Calibri" panose="020F0502020204030204" pitchFamily="34" charset="0"/>
-                <a:ea typeface="Calibri" panose="020F0502020204030204" pitchFamily="34" charset="0"/>
-                <a:cs typeface="Calibri" panose="020F0502020204030204" pitchFamily="34" charset="0"/>
-              </a:rPr>
-              <a:t>, </a:t>
-            </a:r>
-            <a:r>
-              <a:rPr lang="pt-PT" dirty="0" err="1">
-                <a:latin typeface="Calibri" panose="020F0502020204030204" pitchFamily="34" charset="0"/>
-                <a:ea typeface="Calibri" panose="020F0502020204030204" pitchFamily="34" charset="0"/>
-                <a:cs typeface="Calibri" panose="020F0502020204030204" pitchFamily="34" charset="0"/>
-              </a:rPr>
-              <a:t>however</a:t>
-            </a:r>
-            <a:r>
-              <a:rPr lang="pt-PT" dirty="0">
-                <a:latin typeface="Calibri" panose="020F0502020204030204" pitchFamily="34" charset="0"/>
-                <a:ea typeface="Calibri" panose="020F0502020204030204" pitchFamily="34" charset="0"/>
-                <a:cs typeface="Calibri" panose="020F0502020204030204" pitchFamily="34" charset="0"/>
-              </a:rPr>
-              <a:t>, </a:t>
-            </a:r>
-            <a:r>
-              <a:rPr lang="pt-PT" dirty="0" err="1">
-                <a:latin typeface="Calibri" panose="020F0502020204030204" pitchFamily="34" charset="0"/>
-                <a:ea typeface="Calibri" panose="020F0502020204030204" pitchFamily="34" charset="0"/>
-                <a:cs typeface="Calibri" panose="020F0502020204030204" pitchFamily="34" charset="0"/>
-              </a:rPr>
-              <a:t>showed</a:t>
-            </a:r>
-            <a:r>
-              <a:rPr lang="pt-PT" dirty="0">
-                <a:latin typeface="Calibri" panose="020F0502020204030204" pitchFamily="34" charset="0"/>
-                <a:ea typeface="Calibri" panose="020F0502020204030204" pitchFamily="34" charset="0"/>
-                <a:cs typeface="Calibri" panose="020F0502020204030204" pitchFamily="34" charset="0"/>
-              </a:rPr>
-              <a:t> some </a:t>
-            </a:r>
-            <a:r>
-              <a:rPr lang="pt-PT" dirty="0" err="1">
-                <a:latin typeface="Calibri" panose="020F0502020204030204" pitchFamily="34" charset="0"/>
-                <a:ea typeface="Calibri" panose="020F0502020204030204" pitchFamily="34" charset="0"/>
-                <a:cs typeface="Calibri" panose="020F0502020204030204" pitchFamily="34" charset="0"/>
-              </a:rPr>
-              <a:t>improvement</a:t>
-            </a:r>
-            <a:r>
-              <a:rPr lang="pt-PT" dirty="0">
-                <a:latin typeface="Calibri" panose="020F0502020204030204" pitchFamily="34" charset="0"/>
-                <a:ea typeface="Calibri" panose="020F0502020204030204" pitchFamily="34" charset="0"/>
-                <a:cs typeface="Calibri" panose="020F0502020204030204" pitchFamily="34" charset="0"/>
-              </a:rPr>
-              <a:t> </a:t>
-            </a:r>
-            <a:r>
-              <a:rPr lang="pt-PT" dirty="0" err="1">
-                <a:latin typeface="Calibri" panose="020F0502020204030204" pitchFamily="34" charset="0"/>
-                <a:ea typeface="Calibri" panose="020F0502020204030204" pitchFamily="34" charset="0"/>
-                <a:cs typeface="Calibri" panose="020F0502020204030204" pitchFamily="34" charset="0"/>
-              </a:rPr>
-              <a:t>when</a:t>
-            </a:r>
-            <a:r>
-              <a:rPr lang="pt-PT" dirty="0">
-                <a:latin typeface="Calibri" panose="020F0502020204030204" pitchFamily="34" charset="0"/>
-                <a:ea typeface="Calibri" panose="020F0502020204030204" pitchFamily="34" charset="0"/>
-                <a:cs typeface="Calibri" panose="020F0502020204030204" pitchFamily="34" charset="0"/>
-              </a:rPr>
-              <a:t> </a:t>
-            </a:r>
-            <a:r>
-              <a:rPr lang="pt-PT" dirty="0" err="1">
-                <a:latin typeface="Calibri" panose="020F0502020204030204" pitchFamily="34" charset="0"/>
-                <a:ea typeface="Calibri" panose="020F0502020204030204" pitchFamily="34" charset="0"/>
-                <a:cs typeface="Calibri" panose="020F0502020204030204" pitchFamily="34" charset="0"/>
-              </a:rPr>
-              <a:t>using</a:t>
-            </a:r>
-            <a:r>
-              <a:rPr lang="pt-PT" dirty="0">
-                <a:latin typeface="Calibri" panose="020F0502020204030204" pitchFamily="34" charset="0"/>
-                <a:ea typeface="Calibri" panose="020F0502020204030204" pitchFamily="34" charset="0"/>
-                <a:cs typeface="Calibri" panose="020F0502020204030204" pitchFamily="34" charset="0"/>
-              </a:rPr>
-              <a:t> more </a:t>
-            </a:r>
-            <a:r>
-              <a:rPr lang="pt-PT" dirty="0" err="1">
-                <a:latin typeface="Calibri" panose="020F0502020204030204" pitchFamily="34" charset="0"/>
-                <a:ea typeface="Calibri" panose="020F0502020204030204" pitchFamily="34" charset="0"/>
-                <a:cs typeface="Calibri" panose="020F0502020204030204" pitchFamily="34" charset="0"/>
-              </a:rPr>
-              <a:t>threads</a:t>
-            </a:r>
-            <a:r>
-              <a:rPr lang="pt-PT" dirty="0">
-                <a:latin typeface="Calibri" panose="020F0502020204030204" pitchFamily="34" charset="0"/>
-                <a:ea typeface="Calibri" panose="020F0502020204030204" pitchFamily="34" charset="0"/>
-                <a:cs typeface="Calibri" panose="020F0502020204030204" pitchFamily="34" charset="0"/>
-              </a:rPr>
-              <a:t>, </a:t>
-            </a:r>
-            <a:r>
-              <a:rPr lang="pt-PT" dirty="0" err="1">
-                <a:latin typeface="Calibri" panose="020F0502020204030204" pitchFamily="34" charset="0"/>
-                <a:ea typeface="Calibri" panose="020F0502020204030204" pitchFamily="34" charset="0"/>
-                <a:cs typeface="Calibri" panose="020F0502020204030204" pitchFamily="34" charset="0"/>
-              </a:rPr>
-              <a:t>up</a:t>
-            </a:r>
-            <a:r>
-              <a:rPr lang="pt-PT" dirty="0">
-                <a:latin typeface="Calibri" panose="020F0502020204030204" pitchFamily="34" charset="0"/>
-                <a:ea typeface="Calibri" panose="020F0502020204030204" pitchFamily="34" charset="0"/>
-                <a:cs typeface="Calibri" panose="020F0502020204030204" pitchFamily="34" charset="0"/>
-              </a:rPr>
-              <a:t> to </a:t>
-            </a:r>
-            <a:r>
-              <a:rPr lang="pt-PT" dirty="0" err="1">
-                <a:latin typeface="Calibri" panose="020F0502020204030204" pitchFamily="34" charset="0"/>
-                <a:ea typeface="Calibri" panose="020F0502020204030204" pitchFamily="34" charset="0"/>
-                <a:cs typeface="Calibri" panose="020F0502020204030204" pitchFamily="34" charset="0"/>
-              </a:rPr>
-              <a:t>almost</a:t>
-            </a:r>
-            <a:r>
-              <a:rPr lang="pt-PT" dirty="0">
-                <a:latin typeface="Calibri" panose="020F0502020204030204" pitchFamily="34" charset="0"/>
-                <a:ea typeface="Calibri" panose="020F0502020204030204" pitchFamily="34" charset="0"/>
-                <a:cs typeface="Calibri" panose="020F0502020204030204" pitchFamily="34" charset="0"/>
-              </a:rPr>
-              <a:t> 4 </a:t>
-            </a:r>
-            <a:r>
-              <a:rPr lang="pt-PT" dirty="0" err="1">
-                <a:latin typeface="Calibri" panose="020F0502020204030204" pitchFamily="34" charset="0"/>
-                <a:ea typeface="Calibri" panose="020F0502020204030204" pitchFamily="34" charset="0"/>
-                <a:cs typeface="Calibri" panose="020F0502020204030204" pitchFamily="34" charset="0"/>
-              </a:rPr>
-              <a:t>seconds</a:t>
-            </a:r>
-            <a:r>
-              <a:rPr lang="pt-PT" dirty="0">
-                <a:latin typeface="Calibri" panose="020F0502020204030204" pitchFamily="34" charset="0"/>
-                <a:ea typeface="Calibri" panose="020F0502020204030204" pitchFamily="34" charset="0"/>
-                <a:cs typeface="Calibri" panose="020F0502020204030204" pitchFamily="34" charset="0"/>
-              </a:rPr>
-              <a:t> in the 16M file.</a:t>
-            </a:r>
+              <a:t>B</a:t>
+            </a:r>
+            <a:endParaRPr lang="pt-PT" dirty="0">
+              <a:latin typeface="Calibri" panose="020F0502020204030204" pitchFamily="34" charset="0"/>
+              <a:ea typeface="Calibri" panose="020F0502020204030204" pitchFamily="34" charset="0"/>
+              <a:cs typeface="Calibri" panose="020F0502020204030204" pitchFamily="34" charset="0"/>
+            </a:endParaRPr>
           </a:p>
           <a:p>
             <a:pPr lvl="1"/>
@@ -10794,332 +10417,8 @@
           <a:p>
             <a:pPr lvl="1" algn="just"/>
             <a:r>
-              <a:rPr lang="pt-PT" dirty="0" err="1"/>
-              <a:t>By</a:t>
-            </a:r>
-            <a:r>
               <a:rPr lang="pt-PT" dirty="0"/>
-              <a:t> the </a:t>
-            </a:r>
-            <a:r>
-              <a:rPr lang="pt-PT" dirty="0" err="1"/>
-              <a:t>low</a:t>
-            </a:r>
-            <a:r>
-              <a:rPr lang="pt-PT" dirty="0"/>
-              <a:t> </a:t>
-            </a:r>
-            <a:r>
-              <a:rPr lang="pt-PT" dirty="0" err="1"/>
-              <a:t>values</a:t>
-            </a:r>
-            <a:r>
-              <a:rPr lang="pt-PT" dirty="0"/>
-              <a:t> of the standard </a:t>
-            </a:r>
-            <a:r>
-              <a:rPr lang="pt-PT" dirty="0" err="1"/>
-              <a:t>deviation</a:t>
-            </a:r>
-            <a:r>
-              <a:rPr lang="pt-PT" dirty="0"/>
-              <a:t> </a:t>
-            </a:r>
-            <a:r>
-              <a:rPr lang="pt-PT" dirty="0" err="1"/>
-              <a:t>we</a:t>
-            </a:r>
-            <a:r>
-              <a:rPr lang="pt-PT" dirty="0"/>
-              <a:t> can </a:t>
-            </a:r>
-            <a:r>
-              <a:rPr lang="pt-PT" dirty="0" err="1"/>
-              <a:t>perceive</a:t>
-            </a:r>
-            <a:r>
-              <a:rPr lang="pt-PT" dirty="0"/>
-              <a:t> </a:t>
-            </a:r>
-            <a:r>
-              <a:rPr lang="pt-PT" dirty="0" err="1"/>
-              <a:t>that</a:t>
-            </a:r>
-            <a:r>
-              <a:rPr lang="pt-PT" dirty="0"/>
-              <a:t> </a:t>
-            </a:r>
-            <a:r>
-              <a:rPr lang="pt-PT" dirty="0" err="1"/>
-              <a:t>all</a:t>
-            </a:r>
-            <a:r>
-              <a:rPr lang="pt-PT" dirty="0"/>
-              <a:t> </a:t>
-            </a:r>
-            <a:r>
-              <a:rPr lang="pt-PT" dirty="0" err="1"/>
-              <a:t>program’s</a:t>
-            </a:r>
-            <a:r>
-              <a:rPr lang="pt-PT" dirty="0"/>
-              <a:t> </a:t>
-            </a:r>
-            <a:r>
-              <a:rPr lang="pt-PT" dirty="0" err="1"/>
-              <a:t>executions</a:t>
-            </a:r>
-            <a:r>
-              <a:rPr lang="pt-PT" dirty="0"/>
-              <a:t> </a:t>
-            </a:r>
-            <a:r>
-              <a:rPr lang="pt-PT" dirty="0" err="1"/>
-              <a:t>follow</a:t>
-            </a:r>
-            <a:r>
-              <a:rPr lang="pt-PT" dirty="0"/>
-              <a:t> the </a:t>
-            </a:r>
-            <a:r>
-              <a:rPr lang="pt-PT" dirty="0" err="1"/>
-              <a:t>same</a:t>
-            </a:r>
-            <a:r>
-              <a:rPr lang="pt-PT" dirty="0"/>
-              <a:t> </a:t>
-            </a:r>
-            <a:r>
-              <a:rPr lang="pt-PT" dirty="0" err="1"/>
-              <a:t>conditions</a:t>
-            </a:r>
-            <a:r>
-              <a:rPr lang="pt-PT" dirty="0"/>
-              <a:t> (</a:t>
-            </a:r>
-            <a:r>
-              <a:rPr lang="pt-PT" dirty="0" err="1"/>
-              <a:t>it</a:t>
-            </a:r>
-            <a:r>
-              <a:rPr lang="pt-PT" dirty="0"/>
-              <a:t> </a:t>
-            </a:r>
-            <a:r>
-              <a:rPr lang="pt-PT" dirty="0" err="1"/>
-              <a:t>means</a:t>
-            </a:r>
-            <a:r>
-              <a:rPr lang="pt-PT" dirty="0"/>
-              <a:t> </a:t>
-            </a:r>
-            <a:r>
-              <a:rPr lang="pt-PT" dirty="0" err="1"/>
-              <a:t>that</a:t>
-            </a:r>
-            <a:r>
-              <a:rPr lang="pt-PT" dirty="0"/>
-              <a:t> </a:t>
-            </a:r>
-            <a:r>
-              <a:rPr lang="pt-PT" dirty="0" err="1"/>
-              <a:t>there</a:t>
-            </a:r>
-            <a:r>
-              <a:rPr lang="pt-PT" dirty="0"/>
-              <a:t> </a:t>
-            </a:r>
-            <a:r>
-              <a:rPr lang="pt-PT" dirty="0" err="1"/>
-              <a:t>were</a:t>
-            </a:r>
-            <a:r>
-              <a:rPr lang="pt-PT" dirty="0"/>
-              <a:t> </a:t>
-            </a:r>
-            <a:r>
-              <a:rPr lang="pt-PT" dirty="0" err="1"/>
-              <a:t>not</a:t>
-            </a:r>
-            <a:r>
-              <a:rPr lang="pt-PT" dirty="0"/>
-              <a:t> </a:t>
-            </a:r>
-            <a:r>
-              <a:rPr lang="pt-PT" dirty="0" err="1"/>
-              <a:t>big</a:t>
-            </a:r>
-            <a:r>
-              <a:rPr lang="pt-PT" dirty="0"/>
-              <a:t> </a:t>
-            </a:r>
-            <a:r>
-              <a:rPr lang="pt-PT" dirty="0" err="1"/>
-              <a:t>changes</a:t>
-            </a:r>
-            <a:r>
-              <a:rPr lang="pt-PT" dirty="0"/>
-              <a:t> in </a:t>
-            </a:r>
-            <a:r>
-              <a:rPr lang="pt-PT" dirty="0" err="1"/>
-              <a:t>terms</a:t>
-            </a:r>
-            <a:r>
-              <a:rPr lang="pt-PT" dirty="0"/>
-              <a:t> of </a:t>
-            </a:r>
-            <a:r>
-              <a:rPr lang="pt-PT" dirty="0" err="1"/>
-              <a:t>available</a:t>
-            </a:r>
-            <a:r>
-              <a:rPr lang="pt-PT" dirty="0"/>
-              <a:t> hardware/software). </a:t>
-            </a:r>
-            <a:r>
-              <a:rPr lang="pt-PT" dirty="0" err="1"/>
-              <a:t>However</a:t>
-            </a:r>
-            <a:r>
-              <a:rPr lang="pt-PT" dirty="0"/>
-              <a:t>, PC1 </a:t>
-            </a:r>
-            <a:r>
-              <a:rPr lang="pt-PT" dirty="0" err="1"/>
-              <a:t>typically</a:t>
-            </a:r>
-            <a:r>
-              <a:rPr lang="pt-PT" dirty="0"/>
-              <a:t> </a:t>
-            </a:r>
-            <a:r>
-              <a:rPr lang="pt-PT" dirty="0" err="1"/>
-              <a:t>presents</a:t>
-            </a:r>
-            <a:r>
-              <a:rPr lang="pt-PT" dirty="0"/>
-              <a:t> </a:t>
-            </a:r>
-            <a:r>
-              <a:rPr lang="pt-PT" dirty="0" err="1"/>
-              <a:t>lower</a:t>
-            </a:r>
-            <a:r>
-              <a:rPr lang="pt-PT" dirty="0"/>
-              <a:t> </a:t>
-            </a:r>
-            <a:r>
-              <a:rPr lang="pt-PT" dirty="0" err="1"/>
-              <a:t>deviation</a:t>
-            </a:r>
-            <a:r>
-              <a:rPr lang="pt-PT" dirty="0"/>
-              <a:t> </a:t>
-            </a:r>
-            <a:r>
-              <a:rPr lang="pt-PT" dirty="0" err="1"/>
-              <a:t>values</a:t>
-            </a:r>
-            <a:r>
-              <a:rPr lang="pt-PT" dirty="0"/>
-              <a:t> </a:t>
-            </a:r>
-            <a:r>
-              <a:rPr lang="pt-PT" dirty="0" err="1"/>
-              <a:t>which</a:t>
-            </a:r>
-            <a:r>
-              <a:rPr lang="pt-PT" dirty="0"/>
-              <a:t> </a:t>
-            </a:r>
-            <a:r>
-              <a:rPr lang="pt-PT" dirty="0" err="1"/>
-              <a:t>may</a:t>
-            </a:r>
-            <a:r>
-              <a:rPr lang="pt-PT" dirty="0"/>
-              <a:t> </a:t>
-            </a:r>
-            <a:r>
-              <a:rPr lang="pt-PT" dirty="0" err="1"/>
-              <a:t>be</a:t>
-            </a:r>
-            <a:r>
-              <a:rPr lang="pt-PT" dirty="0"/>
-              <a:t> </a:t>
-            </a:r>
-            <a:r>
-              <a:rPr lang="pt-PT" dirty="0" err="1"/>
-              <a:t>related</a:t>
-            </a:r>
-            <a:r>
-              <a:rPr lang="pt-PT" dirty="0"/>
-              <a:t> to the </a:t>
-            </a:r>
-            <a:r>
-              <a:rPr lang="pt-PT" dirty="0" err="1"/>
-              <a:t>higher</a:t>
-            </a:r>
-            <a:r>
-              <a:rPr lang="pt-PT" dirty="0"/>
-              <a:t> </a:t>
-            </a:r>
-            <a:r>
-              <a:rPr lang="pt-PT" dirty="0" err="1"/>
-              <a:t>specifications</a:t>
-            </a:r>
-            <a:r>
-              <a:rPr lang="pt-PT" dirty="0"/>
-              <a:t> </a:t>
-            </a:r>
-            <a:r>
-              <a:rPr lang="pt-PT" dirty="0" err="1"/>
-              <a:t>given</a:t>
-            </a:r>
-            <a:r>
-              <a:rPr lang="pt-PT" dirty="0"/>
-              <a:t> to the VM </a:t>
-            </a:r>
-            <a:r>
-              <a:rPr lang="pt-PT" dirty="0" err="1"/>
-              <a:t>when</a:t>
-            </a:r>
-            <a:r>
-              <a:rPr lang="pt-PT" dirty="0"/>
-              <a:t> </a:t>
-            </a:r>
-            <a:r>
-              <a:rPr lang="pt-PT" dirty="0" err="1"/>
-              <a:t>comparing</a:t>
-            </a:r>
-            <a:r>
-              <a:rPr lang="pt-PT" dirty="0"/>
-              <a:t> </a:t>
-            </a:r>
-            <a:r>
-              <a:rPr lang="pt-PT" dirty="0" err="1"/>
-              <a:t>with</a:t>
-            </a:r>
-            <a:r>
-              <a:rPr lang="pt-PT" dirty="0"/>
-              <a:t> the </a:t>
-            </a:r>
-            <a:r>
-              <a:rPr lang="pt-PT" dirty="0" err="1"/>
-              <a:t>ones</a:t>
-            </a:r>
-            <a:r>
-              <a:rPr lang="pt-PT" dirty="0"/>
-              <a:t> </a:t>
-            </a:r>
-            <a:r>
-              <a:rPr lang="pt-PT" dirty="0" err="1"/>
-              <a:t>given</a:t>
-            </a:r>
-            <a:r>
-              <a:rPr lang="pt-PT" dirty="0"/>
-              <a:t> to the VM of PC2.</a:t>
+              <a:t>C</a:t>
             </a:r>
           </a:p>
           <a:p>
@@ -11129,18 +10428,39 @@
           <a:p>
             <a:pPr algn="just"/>
             <a:r>
-              <a:rPr lang="en-US" u="sng" dirty="0"/>
-              <a:t>When looking at these conclusions we can't forget the environment at which the program ran: a virtual machine which applies an "additional layer" between the operating system and the program execution.</a:t>
-            </a:r>
-            <a:endParaRPr lang="pt-PT" u="sng" dirty="0">
-              <a:latin typeface="Calibri" panose="020F0502020204030204" pitchFamily="34" charset="0"/>
-              <a:ea typeface="Calibri" panose="020F0502020204030204" pitchFamily="34" charset="0"/>
-              <a:cs typeface="Calibri" panose="020F0502020204030204" pitchFamily="34" charset="0"/>
-            </a:endParaRPr>
-          </a:p>
-          <a:p>
-            <a:pPr lvl="1"/>
-            <a:endParaRPr lang="pt-PT" i="1" dirty="0"/>
+              <a:rPr lang="en-US" dirty="0"/>
+              <a:t>Test results:</a:t>
+            </a:r>
+          </a:p>
+          <a:p>
+            <a:pPr lvl="1" algn="just"/>
+            <a:r>
+              <a:rPr lang="en-US" dirty="0"/>
+              <a:t>A</a:t>
+            </a:r>
+          </a:p>
+          <a:p>
+            <a:pPr lvl="1" algn="just"/>
+            <a:endParaRPr lang="en-US" dirty="0"/>
+          </a:p>
+          <a:p>
+            <a:pPr lvl="1" algn="just"/>
+            <a:r>
+              <a:rPr lang="en-US" dirty="0"/>
+              <a:t>B</a:t>
+            </a:r>
+          </a:p>
+          <a:p>
+            <a:pPr lvl="1" algn="just"/>
+            <a:endParaRPr lang="en-US" dirty="0"/>
+          </a:p>
+          <a:p>
+            <a:pPr lvl="1" algn="just"/>
+            <a:r>
+              <a:rPr lang="en-US" dirty="0"/>
+              <a:t>C</a:t>
+            </a:r>
+            <a:endParaRPr lang="pt-PT" dirty="0"/>
           </a:p>
           <a:p>
             <a:pPr lvl="1"/>

--- a/CLE2_T3G5/present.pptx
+++ b/CLE2_T3G5/present.pptx
@@ -5198,7 +5198,7 @@
           <p:nvPr>
             <p:extLst>
               <p:ext uri="{D42A27DB-BD31-4B8C-83A1-F6EECF244321}">
-                <p14:modId xmlns:p14="http://schemas.microsoft.com/office/powerpoint/2010/main" val="1856327118"/>
+                <p14:modId xmlns:p14="http://schemas.microsoft.com/office/powerpoint/2010/main" val="1508342147"/>
               </p:ext>
             </p:extLst>
           </p:nvPr>
@@ -5688,6 +5688,22 @@
                     <a:lstStyle/>
                     <a:p>
                       <a:pPr algn="ctr"/>
+                      <a:r>
+                        <a:rPr lang="pt-PT" sz="1400" b="0" dirty="0">
+                          <a:latin typeface="Calibri" panose="020F0502020204030204" pitchFamily="34" charset="0"/>
+                          <a:ea typeface="Calibri" panose="020F0502020204030204" pitchFamily="34" charset="0"/>
+                          <a:cs typeface="Calibri" panose="020F0502020204030204" pitchFamily="34" charset="0"/>
+                        </a:rPr>
+                        <a:t>12.973 </a:t>
+                      </a:r>
+                      <a:r>
+                        <a:rPr lang="pt-PT" sz="1400" b="0" dirty="0" err="1">
+                          <a:latin typeface="Calibri" panose="020F0502020204030204" pitchFamily="34" charset="0"/>
+                          <a:ea typeface="Calibri" panose="020F0502020204030204" pitchFamily="34" charset="0"/>
+                          <a:cs typeface="Calibri" panose="020F0502020204030204" pitchFamily="34" charset="0"/>
+                        </a:rPr>
+                        <a:t>ms</a:t>
+                      </a:r>
                       <a:endParaRPr lang="pt-PT" sz="1400" b="0" dirty="0">
                         <a:latin typeface="Calibri" panose="020F0502020204030204" pitchFamily="34" charset="0"/>
                         <a:ea typeface="Calibri" panose="020F0502020204030204" pitchFamily="34" charset="0"/>
@@ -5719,6 +5735,22 @@
                         <a:tabLst/>
                         <a:defRPr/>
                       </a:pPr>
+                      <a:r>
+                        <a:rPr lang="pt-PT" sz="1400" b="0" dirty="0">
+                          <a:latin typeface="Calibri" panose="020F0502020204030204" pitchFamily="34" charset="0"/>
+                          <a:ea typeface="Calibri" panose="020F0502020204030204" pitchFamily="34" charset="0"/>
+                          <a:cs typeface="Calibri" panose="020F0502020204030204" pitchFamily="34" charset="0"/>
+                        </a:rPr>
+                        <a:t>6.596 </a:t>
+                      </a:r>
+                      <a:r>
+                        <a:rPr lang="pt-PT" sz="1400" b="0" dirty="0" err="1">
+                          <a:latin typeface="Calibri" panose="020F0502020204030204" pitchFamily="34" charset="0"/>
+                          <a:ea typeface="Calibri" panose="020F0502020204030204" pitchFamily="34" charset="0"/>
+                          <a:cs typeface="Calibri" panose="020F0502020204030204" pitchFamily="34" charset="0"/>
+                        </a:rPr>
+                        <a:t>ms</a:t>
+                      </a:r>
                       <a:endParaRPr lang="pt-PT" sz="1400" b="0" dirty="0">
                         <a:latin typeface="Calibri" panose="020F0502020204030204" pitchFamily="34" charset="0"/>
                         <a:ea typeface="Calibri" panose="020F0502020204030204" pitchFamily="34" charset="0"/>
@@ -5734,6 +5766,22 @@
                     <a:lstStyle/>
                     <a:p>
                       <a:pPr algn="ctr"/>
+                      <a:r>
+                        <a:rPr lang="pt-PT" sz="1400" b="0" dirty="0">
+                          <a:latin typeface="Calibri" panose="020F0502020204030204" pitchFamily="34" charset="0"/>
+                          <a:ea typeface="Calibri" panose="020F0502020204030204" pitchFamily="34" charset="0"/>
+                          <a:cs typeface="Calibri" panose="020F0502020204030204" pitchFamily="34" charset="0"/>
+                        </a:rPr>
+                        <a:t>7.613 </a:t>
+                      </a:r>
+                      <a:r>
+                        <a:rPr lang="pt-PT" sz="1400" b="0" dirty="0" err="1">
+                          <a:latin typeface="Calibri" panose="020F0502020204030204" pitchFamily="34" charset="0"/>
+                          <a:ea typeface="Calibri" panose="020F0502020204030204" pitchFamily="34" charset="0"/>
+                          <a:cs typeface="Calibri" panose="020F0502020204030204" pitchFamily="34" charset="0"/>
+                        </a:rPr>
+                        <a:t>ms</a:t>
+                      </a:r>
                       <a:endParaRPr lang="pt-PT" sz="1400" b="0" dirty="0">
                         <a:latin typeface="Calibri" panose="020F0502020204030204" pitchFamily="34" charset="0"/>
                         <a:ea typeface="Calibri" panose="020F0502020204030204" pitchFamily="34" charset="0"/>
@@ -5765,6 +5813,22 @@
                         <a:tabLst/>
                         <a:defRPr/>
                       </a:pPr>
+                      <a:r>
+                        <a:rPr lang="pt-PT" sz="1400" b="0" dirty="0">
+                          <a:latin typeface="Calibri" panose="020F0502020204030204" pitchFamily="34" charset="0"/>
+                          <a:ea typeface="Calibri" panose="020F0502020204030204" pitchFamily="34" charset="0"/>
+                          <a:cs typeface="Calibri" panose="020F0502020204030204" pitchFamily="34" charset="0"/>
+                        </a:rPr>
+                        <a:t>0.832 </a:t>
+                      </a:r>
+                      <a:r>
+                        <a:rPr lang="pt-PT" sz="1400" b="0" dirty="0" err="1">
+                          <a:latin typeface="Calibri" panose="020F0502020204030204" pitchFamily="34" charset="0"/>
+                          <a:ea typeface="Calibri" panose="020F0502020204030204" pitchFamily="34" charset="0"/>
+                          <a:cs typeface="Calibri" panose="020F0502020204030204" pitchFamily="34" charset="0"/>
+                        </a:rPr>
+                        <a:t>ms</a:t>
+                      </a:r>
                       <a:endParaRPr lang="pt-PT" sz="1400" b="0" dirty="0">
                         <a:latin typeface="Calibri" panose="020F0502020204030204" pitchFamily="34" charset="0"/>
                         <a:ea typeface="Calibri" panose="020F0502020204030204" pitchFamily="34" charset="0"/>
@@ -5780,6 +5844,22 @@
                     <a:lstStyle/>
                     <a:p>
                       <a:pPr algn="ctr"/>
+                      <a:r>
+                        <a:rPr lang="pt-PT" sz="1400" b="0" dirty="0">
+                          <a:latin typeface="Calibri" panose="020F0502020204030204" pitchFamily="34" charset="0"/>
+                          <a:ea typeface="Calibri" panose="020F0502020204030204" pitchFamily="34" charset="0"/>
+                          <a:cs typeface="Calibri" panose="020F0502020204030204" pitchFamily="34" charset="0"/>
+                        </a:rPr>
+                        <a:t>39.461 </a:t>
+                      </a:r>
+                      <a:r>
+                        <a:rPr lang="pt-PT" sz="1400" b="0" dirty="0" err="1">
+                          <a:latin typeface="Calibri" panose="020F0502020204030204" pitchFamily="34" charset="0"/>
+                          <a:ea typeface="Calibri" panose="020F0502020204030204" pitchFamily="34" charset="0"/>
+                          <a:cs typeface="Calibri" panose="020F0502020204030204" pitchFamily="34" charset="0"/>
+                        </a:rPr>
+                        <a:t>ms</a:t>
+                      </a:r>
                       <a:endParaRPr lang="pt-PT" sz="1400" b="0" dirty="0">
                         <a:latin typeface="Calibri" panose="020F0502020204030204" pitchFamily="34" charset="0"/>
                         <a:ea typeface="Calibri" panose="020F0502020204030204" pitchFamily="34" charset="0"/>
@@ -5811,6 +5891,22 @@
                         <a:tabLst/>
                         <a:defRPr/>
                       </a:pPr>
+                      <a:r>
+                        <a:rPr lang="pt-PT" sz="1400" b="0" dirty="0">
+                          <a:latin typeface="Calibri" panose="020F0502020204030204" pitchFamily="34" charset="0"/>
+                          <a:ea typeface="Calibri" panose="020F0502020204030204" pitchFamily="34" charset="0"/>
+                          <a:cs typeface="Calibri" panose="020F0502020204030204" pitchFamily="34" charset="0"/>
+                        </a:rPr>
+                        <a:t>23.182 </a:t>
+                      </a:r>
+                      <a:r>
+                        <a:rPr lang="pt-PT" sz="1400" b="0" dirty="0" err="1">
+                          <a:latin typeface="Calibri" panose="020F0502020204030204" pitchFamily="34" charset="0"/>
+                          <a:ea typeface="Calibri" panose="020F0502020204030204" pitchFamily="34" charset="0"/>
+                          <a:cs typeface="Calibri" panose="020F0502020204030204" pitchFamily="34" charset="0"/>
+                        </a:rPr>
+                        <a:t>ms</a:t>
+                      </a:r>
                       <a:endParaRPr lang="pt-PT" sz="1400" b="0" dirty="0">
                         <a:latin typeface="Calibri" panose="020F0502020204030204" pitchFamily="34" charset="0"/>
                         <a:ea typeface="Calibri" panose="020F0502020204030204" pitchFamily="34" charset="0"/>
@@ -5826,6 +5922,22 @@
                     <a:lstStyle/>
                     <a:p>
                       <a:pPr algn="ctr"/>
+                      <a:r>
+                        <a:rPr lang="pt-PT" sz="1400" b="0" dirty="0">
+                          <a:latin typeface="Calibri" panose="020F0502020204030204" pitchFamily="34" charset="0"/>
+                          <a:ea typeface="Calibri" panose="020F0502020204030204" pitchFamily="34" charset="0"/>
+                          <a:cs typeface="Calibri" panose="020F0502020204030204" pitchFamily="34" charset="0"/>
+                        </a:rPr>
+                        <a:t>40.792 </a:t>
+                      </a:r>
+                      <a:r>
+                        <a:rPr lang="pt-PT" sz="1400" b="0" dirty="0" err="1">
+                          <a:latin typeface="Calibri" panose="020F0502020204030204" pitchFamily="34" charset="0"/>
+                          <a:ea typeface="Calibri" panose="020F0502020204030204" pitchFamily="34" charset="0"/>
+                          <a:cs typeface="Calibri" panose="020F0502020204030204" pitchFamily="34" charset="0"/>
+                        </a:rPr>
+                        <a:t>ms</a:t>
+                      </a:r>
                       <a:endParaRPr lang="pt-PT" sz="1400" b="0" dirty="0">
                         <a:latin typeface="Calibri" panose="020F0502020204030204" pitchFamily="34" charset="0"/>
                         <a:ea typeface="Calibri" panose="020F0502020204030204" pitchFamily="34" charset="0"/>
@@ -5857,6 +5969,22 @@
                         <a:tabLst/>
                         <a:defRPr/>
                       </a:pPr>
+                      <a:r>
+                        <a:rPr lang="pt-PT" sz="1400" b="0" dirty="0">
+                          <a:latin typeface="Calibri" panose="020F0502020204030204" pitchFamily="34" charset="0"/>
+                          <a:ea typeface="Calibri" panose="020F0502020204030204" pitchFamily="34" charset="0"/>
+                          <a:cs typeface="Calibri" panose="020F0502020204030204" pitchFamily="34" charset="0"/>
+                        </a:rPr>
+                        <a:t>16.883 </a:t>
+                      </a:r>
+                      <a:r>
+                        <a:rPr lang="pt-PT" sz="1400" b="0" dirty="0" err="1">
+                          <a:latin typeface="Calibri" panose="020F0502020204030204" pitchFamily="34" charset="0"/>
+                          <a:ea typeface="Calibri" panose="020F0502020204030204" pitchFamily="34" charset="0"/>
+                          <a:cs typeface="Calibri" panose="020F0502020204030204" pitchFamily="34" charset="0"/>
+                        </a:rPr>
+                        <a:t>ms</a:t>
+                      </a:r>
                       <a:endParaRPr lang="pt-PT" sz="1400" b="0" dirty="0">
                         <a:latin typeface="Calibri" panose="020F0502020204030204" pitchFamily="34" charset="0"/>
                         <a:ea typeface="Calibri" panose="020F0502020204030204" pitchFamily="34" charset="0"/>
@@ -8629,7 +8757,7 @@
           <p:nvPr>
             <p:extLst>
               <p:ext uri="{D42A27DB-BD31-4B8C-83A1-F6EECF244321}">
-                <p14:modId xmlns:p14="http://schemas.microsoft.com/office/powerpoint/2010/main" val="2830718369"/>
+                <p14:modId xmlns:p14="http://schemas.microsoft.com/office/powerpoint/2010/main" val="1663701396"/>
               </p:ext>
             </p:extLst>
           </p:nvPr>
@@ -9185,6 +9313,22 @@
                     <a:lstStyle/>
                     <a:p>
                       <a:pPr algn="ctr"/>
+                      <a:r>
+                        <a:rPr lang="pt-PT" sz="1200" dirty="0">
+                          <a:latin typeface="Calibri" panose="020F0502020204030204" pitchFamily="34" charset="0"/>
+                          <a:ea typeface="Calibri" panose="020F0502020204030204" pitchFamily="34" charset="0"/>
+                          <a:cs typeface="Calibri" panose="020F0502020204030204" pitchFamily="34" charset="0"/>
+                        </a:rPr>
+                        <a:t>0.084 </a:t>
+                      </a:r>
+                      <a:r>
+                        <a:rPr lang="pt-PT" sz="1200" dirty="0" err="1">
+                          <a:latin typeface="Calibri" panose="020F0502020204030204" pitchFamily="34" charset="0"/>
+                          <a:ea typeface="Calibri" panose="020F0502020204030204" pitchFamily="34" charset="0"/>
+                          <a:cs typeface="Calibri" panose="020F0502020204030204" pitchFamily="34" charset="0"/>
+                        </a:rPr>
+                        <a:t>ms</a:t>
+                      </a:r>
                       <a:endParaRPr lang="pt-PT" sz="1200" dirty="0">
                         <a:latin typeface="Calibri" panose="020F0502020204030204" pitchFamily="34" charset="0"/>
                         <a:ea typeface="Calibri" panose="020F0502020204030204" pitchFamily="34" charset="0"/>
@@ -9216,6 +9360,22 @@
                         <a:tabLst/>
                         <a:defRPr/>
                       </a:pPr>
+                      <a:r>
+                        <a:rPr lang="pt-PT" sz="1200" dirty="0">
+                          <a:latin typeface="Calibri" panose="020F0502020204030204" pitchFamily="34" charset="0"/>
+                          <a:ea typeface="Calibri" panose="020F0502020204030204" pitchFamily="34" charset="0"/>
+                          <a:cs typeface="Calibri" panose="020F0502020204030204" pitchFamily="34" charset="0"/>
+                        </a:rPr>
+                        <a:t>0.004 </a:t>
+                      </a:r>
+                      <a:r>
+                        <a:rPr lang="pt-PT" sz="1200" dirty="0" err="1">
+                          <a:latin typeface="Calibri" panose="020F0502020204030204" pitchFamily="34" charset="0"/>
+                          <a:ea typeface="Calibri" panose="020F0502020204030204" pitchFamily="34" charset="0"/>
+                          <a:cs typeface="Calibri" panose="020F0502020204030204" pitchFamily="34" charset="0"/>
+                        </a:rPr>
+                        <a:t>ms</a:t>
+                      </a:r>
                       <a:endParaRPr lang="pt-PT" sz="1200" dirty="0">
                         <a:latin typeface="Calibri" panose="020F0502020204030204" pitchFamily="34" charset="0"/>
                         <a:ea typeface="Calibri" panose="020F0502020204030204" pitchFamily="34" charset="0"/>
@@ -9231,6 +9391,22 @@
                     <a:lstStyle/>
                     <a:p>
                       <a:pPr algn="ctr"/>
+                      <a:r>
+                        <a:rPr lang="pt-PT" sz="1200" dirty="0">
+                          <a:latin typeface="Calibri" panose="020F0502020204030204" pitchFamily="34" charset="0"/>
+                          <a:ea typeface="Calibri" panose="020F0502020204030204" pitchFamily="34" charset="0"/>
+                          <a:cs typeface="Calibri" panose="020F0502020204030204" pitchFamily="34" charset="0"/>
+                        </a:rPr>
+                        <a:t>0.109 </a:t>
+                      </a:r>
+                      <a:r>
+                        <a:rPr lang="pt-PT" sz="1200" dirty="0" err="1">
+                          <a:latin typeface="Calibri" panose="020F0502020204030204" pitchFamily="34" charset="0"/>
+                          <a:ea typeface="Calibri" panose="020F0502020204030204" pitchFamily="34" charset="0"/>
+                          <a:cs typeface="Calibri" panose="020F0502020204030204" pitchFamily="34" charset="0"/>
+                        </a:rPr>
+                        <a:t>ms</a:t>
+                      </a:r>
                       <a:endParaRPr lang="pt-PT" sz="1200" dirty="0">
                         <a:latin typeface="Calibri" panose="020F0502020204030204" pitchFamily="34" charset="0"/>
                         <a:ea typeface="Calibri" panose="020F0502020204030204" pitchFamily="34" charset="0"/>
@@ -9262,6 +9438,22 @@
                         <a:tabLst/>
                         <a:defRPr/>
                       </a:pPr>
+                      <a:r>
+                        <a:rPr lang="pt-PT" sz="1200" dirty="0">
+                          <a:latin typeface="Calibri" panose="020F0502020204030204" pitchFamily="34" charset="0"/>
+                          <a:ea typeface="Calibri" panose="020F0502020204030204" pitchFamily="34" charset="0"/>
+                          <a:cs typeface="Calibri" panose="020F0502020204030204" pitchFamily="34" charset="0"/>
+                        </a:rPr>
+                        <a:t>0.013 </a:t>
+                      </a:r>
+                      <a:r>
+                        <a:rPr lang="pt-PT" sz="1200" dirty="0" err="1">
+                          <a:latin typeface="Calibri" panose="020F0502020204030204" pitchFamily="34" charset="0"/>
+                          <a:ea typeface="Calibri" panose="020F0502020204030204" pitchFamily="34" charset="0"/>
+                          <a:cs typeface="Calibri" panose="020F0502020204030204" pitchFamily="34" charset="0"/>
+                        </a:rPr>
+                        <a:t>ms</a:t>
+                      </a:r>
                       <a:endParaRPr lang="pt-PT" sz="1200" dirty="0">
                         <a:latin typeface="Calibri" panose="020F0502020204030204" pitchFamily="34" charset="0"/>
                         <a:ea typeface="Calibri" panose="020F0502020204030204" pitchFamily="34" charset="0"/>
@@ -9277,6 +9469,22 @@
                     <a:lstStyle/>
                     <a:p>
                       <a:pPr algn="ctr"/>
+                      <a:r>
+                        <a:rPr lang="pt-PT" sz="1200" dirty="0">
+                          <a:latin typeface="Calibri" panose="020F0502020204030204" pitchFamily="34" charset="0"/>
+                          <a:ea typeface="Calibri" panose="020F0502020204030204" pitchFamily="34" charset="0"/>
+                          <a:cs typeface="Calibri" panose="020F0502020204030204" pitchFamily="34" charset="0"/>
+                        </a:rPr>
+                        <a:t>0.235 </a:t>
+                      </a:r>
+                      <a:r>
+                        <a:rPr lang="pt-PT" sz="1200" dirty="0" err="1">
+                          <a:latin typeface="Calibri" panose="020F0502020204030204" pitchFamily="34" charset="0"/>
+                          <a:ea typeface="Calibri" panose="020F0502020204030204" pitchFamily="34" charset="0"/>
+                          <a:cs typeface="Calibri" panose="020F0502020204030204" pitchFamily="34" charset="0"/>
+                        </a:rPr>
+                        <a:t>ms</a:t>
+                      </a:r>
                       <a:endParaRPr lang="pt-PT" sz="1200" dirty="0">
                         <a:latin typeface="Calibri" panose="020F0502020204030204" pitchFamily="34" charset="0"/>
                         <a:ea typeface="Calibri" panose="020F0502020204030204" pitchFamily="34" charset="0"/>
@@ -9308,6 +9516,22 @@
                         <a:tabLst/>
                         <a:defRPr/>
                       </a:pPr>
+                      <a:r>
+                        <a:rPr lang="pt-PT" sz="1200" dirty="0">
+                          <a:latin typeface="Calibri" panose="020F0502020204030204" pitchFamily="34" charset="0"/>
+                          <a:ea typeface="Calibri" panose="020F0502020204030204" pitchFamily="34" charset="0"/>
+                          <a:cs typeface="Calibri" panose="020F0502020204030204" pitchFamily="34" charset="0"/>
+                        </a:rPr>
+                        <a:t>0.107 </a:t>
+                      </a:r>
+                      <a:r>
+                        <a:rPr lang="pt-PT" sz="1200" dirty="0" err="1">
+                          <a:latin typeface="Calibri" panose="020F0502020204030204" pitchFamily="34" charset="0"/>
+                          <a:ea typeface="Calibri" panose="020F0502020204030204" pitchFamily="34" charset="0"/>
+                          <a:cs typeface="Calibri" panose="020F0502020204030204" pitchFamily="34" charset="0"/>
+                        </a:rPr>
+                        <a:t>ms</a:t>
+                      </a:r>
                       <a:endParaRPr lang="pt-PT" sz="1200" dirty="0">
                         <a:latin typeface="Calibri" panose="020F0502020204030204" pitchFamily="34" charset="0"/>
                         <a:ea typeface="Calibri" panose="020F0502020204030204" pitchFamily="34" charset="0"/>
@@ -9323,6 +9547,22 @@
                     <a:lstStyle/>
                     <a:p>
                       <a:pPr algn="ctr"/>
+                      <a:r>
+                        <a:rPr lang="pt-PT" sz="1200" dirty="0">
+                          <a:latin typeface="Calibri" panose="020F0502020204030204" pitchFamily="34" charset="0"/>
+                          <a:ea typeface="Calibri" panose="020F0502020204030204" pitchFamily="34" charset="0"/>
+                          <a:cs typeface="Calibri" panose="020F0502020204030204" pitchFamily="34" charset="0"/>
+                        </a:rPr>
+                        <a:t>39.888 </a:t>
+                      </a:r>
+                      <a:r>
+                        <a:rPr lang="pt-PT" sz="1200" dirty="0" err="1">
+                          <a:latin typeface="Calibri" panose="020F0502020204030204" pitchFamily="34" charset="0"/>
+                          <a:ea typeface="Calibri" panose="020F0502020204030204" pitchFamily="34" charset="0"/>
+                          <a:cs typeface="Calibri" panose="020F0502020204030204" pitchFamily="34" charset="0"/>
+                        </a:rPr>
+                        <a:t>ms</a:t>
+                      </a:r>
                       <a:endParaRPr lang="pt-PT" sz="1200" dirty="0">
                         <a:latin typeface="Calibri" panose="020F0502020204030204" pitchFamily="34" charset="0"/>
                         <a:ea typeface="Calibri" panose="020F0502020204030204" pitchFamily="34" charset="0"/>
@@ -9354,6 +9594,22 @@
                         <a:tabLst/>
                         <a:defRPr/>
                       </a:pPr>
+                      <a:r>
+                        <a:rPr lang="pt-PT" sz="1200" dirty="0">
+                          <a:latin typeface="Calibri" panose="020F0502020204030204" pitchFamily="34" charset="0"/>
+                          <a:ea typeface="Calibri" panose="020F0502020204030204" pitchFamily="34" charset="0"/>
+                          <a:cs typeface="Calibri" panose="020F0502020204030204" pitchFamily="34" charset="0"/>
+                        </a:rPr>
+                        <a:t>10.400 </a:t>
+                      </a:r>
+                      <a:r>
+                        <a:rPr lang="pt-PT" sz="1200" dirty="0" err="1">
+                          <a:latin typeface="Calibri" panose="020F0502020204030204" pitchFamily="34" charset="0"/>
+                          <a:ea typeface="Calibri" panose="020F0502020204030204" pitchFamily="34" charset="0"/>
+                          <a:cs typeface="Calibri" panose="020F0502020204030204" pitchFamily="34" charset="0"/>
+                        </a:rPr>
+                        <a:t>ms</a:t>
+                      </a:r>
                       <a:endParaRPr lang="pt-PT" sz="1200" dirty="0">
                         <a:latin typeface="Calibri" panose="020F0502020204030204" pitchFamily="34" charset="0"/>
                         <a:ea typeface="Calibri" panose="020F0502020204030204" pitchFamily="34" charset="0"/>
@@ -9394,6 +9650,22 @@
                     <a:lstStyle/>
                     <a:p>
                       <a:pPr algn="ctr"/>
+                      <a:r>
+                        <a:rPr lang="pt-PT" sz="1200" dirty="0">
+                          <a:latin typeface="Calibri" panose="020F0502020204030204" pitchFamily="34" charset="0"/>
+                          <a:ea typeface="Calibri" panose="020F0502020204030204" pitchFamily="34" charset="0"/>
+                          <a:cs typeface="Calibri" panose="020F0502020204030204" pitchFamily="34" charset="0"/>
+                        </a:rPr>
+                        <a:t>94.068 </a:t>
+                      </a:r>
+                      <a:r>
+                        <a:rPr lang="pt-PT" sz="1200" dirty="0" err="1">
+                          <a:latin typeface="Calibri" panose="020F0502020204030204" pitchFamily="34" charset="0"/>
+                          <a:ea typeface="Calibri" panose="020F0502020204030204" pitchFamily="34" charset="0"/>
+                          <a:cs typeface="Calibri" panose="020F0502020204030204" pitchFamily="34" charset="0"/>
+                        </a:rPr>
+                        <a:t>ms</a:t>
+                      </a:r>
                       <a:endParaRPr lang="pt-PT" sz="1200" dirty="0">
                         <a:latin typeface="Calibri" panose="020F0502020204030204" pitchFamily="34" charset="0"/>
                         <a:ea typeface="Calibri" panose="020F0502020204030204" pitchFamily="34" charset="0"/>
@@ -9425,6 +9697,22 @@
                         <a:tabLst/>
                         <a:defRPr/>
                       </a:pPr>
+                      <a:r>
+                        <a:rPr lang="pt-PT" sz="1200" dirty="0">
+                          <a:latin typeface="Calibri" panose="020F0502020204030204" pitchFamily="34" charset="0"/>
+                          <a:ea typeface="Calibri" panose="020F0502020204030204" pitchFamily="34" charset="0"/>
+                          <a:cs typeface="Calibri" panose="020F0502020204030204" pitchFamily="34" charset="0"/>
+                        </a:rPr>
+                        <a:t>11.083 </a:t>
+                      </a:r>
+                      <a:r>
+                        <a:rPr lang="pt-PT" sz="1200" dirty="0" err="1">
+                          <a:latin typeface="Calibri" panose="020F0502020204030204" pitchFamily="34" charset="0"/>
+                          <a:ea typeface="Calibri" panose="020F0502020204030204" pitchFamily="34" charset="0"/>
+                          <a:cs typeface="Calibri" panose="020F0502020204030204" pitchFamily="34" charset="0"/>
+                        </a:rPr>
+                        <a:t>ms</a:t>
+                      </a:r>
                       <a:endParaRPr lang="pt-PT" sz="1200" dirty="0">
                         <a:latin typeface="Calibri" panose="020F0502020204030204" pitchFamily="34" charset="0"/>
                         <a:ea typeface="Calibri" panose="020F0502020204030204" pitchFamily="34" charset="0"/>
@@ -9440,6 +9728,22 @@
                     <a:lstStyle/>
                     <a:p>
                       <a:pPr algn="ctr"/>
+                      <a:r>
+                        <a:rPr lang="pt-PT" sz="1200" dirty="0">
+                          <a:latin typeface="Calibri" panose="020F0502020204030204" pitchFamily="34" charset="0"/>
+                          <a:ea typeface="Calibri" panose="020F0502020204030204" pitchFamily="34" charset="0"/>
+                          <a:cs typeface="Calibri" panose="020F0502020204030204" pitchFamily="34" charset="0"/>
+                        </a:rPr>
+                        <a:t>64.103 </a:t>
+                      </a:r>
+                      <a:r>
+                        <a:rPr lang="pt-PT" sz="1200" dirty="0" err="1">
+                          <a:latin typeface="Calibri" panose="020F0502020204030204" pitchFamily="34" charset="0"/>
+                          <a:ea typeface="Calibri" panose="020F0502020204030204" pitchFamily="34" charset="0"/>
+                          <a:cs typeface="Calibri" panose="020F0502020204030204" pitchFamily="34" charset="0"/>
+                        </a:rPr>
+                        <a:t>ms</a:t>
+                      </a:r>
                       <a:endParaRPr lang="pt-PT" sz="1200" dirty="0">
                         <a:latin typeface="Calibri" panose="020F0502020204030204" pitchFamily="34" charset="0"/>
                         <a:ea typeface="Calibri" panose="020F0502020204030204" pitchFamily="34" charset="0"/>
@@ -9471,6 +9775,22 @@
                         <a:tabLst/>
                         <a:defRPr/>
                       </a:pPr>
+                      <a:r>
+                        <a:rPr lang="pt-PT" sz="1200" dirty="0">
+                          <a:latin typeface="Calibri" panose="020F0502020204030204" pitchFamily="34" charset="0"/>
+                          <a:ea typeface="Calibri" panose="020F0502020204030204" pitchFamily="34" charset="0"/>
+                          <a:cs typeface="Calibri" panose="020F0502020204030204" pitchFamily="34" charset="0"/>
+                        </a:rPr>
+                        <a:t>7.478 </a:t>
+                      </a:r>
+                      <a:r>
+                        <a:rPr lang="pt-PT" sz="1200" dirty="0" err="1">
+                          <a:latin typeface="Calibri" panose="020F0502020204030204" pitchFamily="34" charset="0"/>
+                          <a:ea typeface="Calibri" panose="020F0502020204030204" pitchFamily="34" charset="0"/>
+                          <a:cs typeface="Calibri" panose="020F0502020204030204" pitchFamily="34" charset="0"/>
+                        </a:rPr>
+                        <a:t>ms</a:t>
+                      </a:r>
                       <a:endParaRPr lang="pt-PT" sz="1200" dirty="0">
                         <a:latin typeface="Calibri" panose="020F0502020204030204" pitchFamily="34" charset="0"/>
                         <a:ea typeface="Calibri" panose="020F0502020204030204" pitchFamily="34" charset="0"/>
@@ -9486,6 +9806,22 @@
                     <a:lstStyle/>
                     <a:p>
                       <a:pPr algn="ctr"/>
+                      <a:r>
+                        <a:rPr lang="pt-PT" sz="1200" dirty="0">
+                          <a:latin typeface="Calibri" panose="020F0502020204030204" pitchFamily="34" charset="0"/>
+                          <a:ea typeface="Calibri" panose="020F0502020204030204" pitchFamily="34" charset="0"/>
+                          <a:cs typeface="Calibri" panose="020F0502020204030204" pitchFamily="34" charset="0"/>
+                        </a:rPr>
+                        <a:t>76.072 </a:t>
+                      </a:r>
+                      <a:r>
+                        <a:rPr lang="pt-PT" sz="1200" dirty="0" err="1">
+                          <a:latin typeface="Calibri" panose="020F0502020204030204" pitchFamily="34" charset="0"/>
+                          <a:ea typeface="Calibri" panose="020F0502020204030204" pitchFamily="34" charset="0"/>
+                          <a:cs typeface="Calibri" panose="020F0502020204030204" pitchFamily="34" charset="0"/>
+                        </a:rPr>
+                        <a:t>ms</a:t>
+                      </a:r>
                       <a:endParaRPr lang="pt-PT" sz="1200" dirty="0">
                         <a:latin typeface="Calibri" panose="020F0502020204030204" pitchFamily="34" charset="0"/>
                         <a:ea typeface="Calibri" panose="020F0502020204030204" pitchFamily="34" charset="0"/>
@@ -9517,6 +9853,22 @@
                         <a:tabLst/>
                         <a:defRPr/>
                       </a:pPr>
+                      <a:r>
+                        <a:rPr lang="pt-PT" sz="1200" dirty="0">
+                          <a:latin typeface="Calibri" panose="020F0502020204030204" pitchFamily="34" charset="0"/>
+                          <a:ea typeface="Calibri" panose="020F0502020204030204" pitchFamily="34" charset="0"/>
+                          <a:cs typeface="Calibri" panose="020F0502020204030204" pitchFamily="34" charset="0"/>
+                        </a:rPr>
+                        <a:t>27.637 </a:t>
+                      </a:r>
+                      <a:r>
+                        <a:rPr lang="pt-PT" sz="1200" dirty="0" err="1">
+                          <a:latin typeface="Calibri" panose="020F0502020204030204" pitchFamily="34" charset="0"/>
+                          <a:ea typeface="Calibri" panose="020F0502020204030204" pitchFamily="34" charset="0"/>
+                          <a:cs typeface="Calibri" panose="020F0502020204030204" pitchFamily="34" charset="0"/>
+                        </a:rPr>
+                        <a:t>ms</a:t>
+                      </a:r>
                       <a:endParaRPr lang="pt-PT" sz="1200" dirty="0">
                         <a:latin typeface="Calibri" panose="020F0502020204030204" pitchFamily="34" charset="0"/>
                         <a:ea typeface="Calibri" panose="020F0502020204030204" pitchFamily="34" charset="0"/>
@@ -9532,11 +9884,14 @@
                     <a:lstStyle/>
                     <a:p>
                       <a:pPr algn="ctr"/>
-                      <a:endParaRPr lang="pt-PT" sz="1200" dirty="0">
-                        <a:latin typeface="Calibri" panose="020F0502020204030204" pitchFamily="34" charset="0"/>
-                        <a:ea typeface="Calibri" panose="020F0502020204030204" pitchFamily="34" charset="0"/>
-                        <a:cs typeface="Calibri" panose="020F0502020204030204" pitchFamily="34" charset="0"/>
-                      </a:endParaRPr>
+                      <a:r>
+                        <a:rPr lang="pt-PT" sz="1200" dirty="0">
+                          <a:latin typeface="Calibri" panose="020F0502020204030204" pitchFamily="34" charset="0"/>
+                          <a:ea typeface="Calibri" panose="020F0502020204030204" pitchFamily="34" charset="0"/>
+                          <a:cs typeface="Calibri" panose="020F0502020204030204" pitchFamily="34" charset="0"/>
+                        </a:rPr>
+                        <a:t>7.683 s</a:t>
+                      </a:r>
                     </a:p>
                   </a:txBody>
                   <a:tcPr anchor="ctr"/>
@@ -9563,11 +9918,14 @@
                         <a:tabLst/>
                         <a:defRPr/>
                       </a:pPr>
-                      <a:endParaRPr lang="pt-PT" sz="1200" dirty="0">
-                        <a:latin typeface="Calibri" panose="020F0502020204030204" pitchFamily="34" charset="0"/>
-                        <a:ea typeface="Calibri" panose="020F0502020204030204" pitchFamily="34" charset="0"/>
-                        <a:cs typeface="Calibri" panose="020F0502020204030204" pitchFamily="34" charset="0"/>
-                      </a:endParaRPr>
+                      <a:r>
+                        <a:rPr lang="pt-PT" sz="1200" dirty="0">
+                          <a:latin typeface="Calibri" panose="020F0502020204030204" pitchFamily="34" charset="0"/>
+                          <a:ea typeface="Calibri" panose="020F0502020204030204" pitchFamily="34" charset="0"/>
+                          <a:cs typeface="Calibri" panose="020F0502020204030204" pitchFamily="34" charset="0"/>
+                        </a:rPr>
+                        <a:t>0.519 s</a:t>
+                      </a:r>
                     </a:p>
                   </a:txBody>
                   <a:tcPr anchor="ctr"/>
@@ -9603,6 +9961,22 @@
                     <a:lstStyle/>
                     <a:p>
                       <a:pPr algn="ctr"/>
+                      <a:r>
+                        <a:rPr lang="pt-PT" sz="1200" dirty="0">
+                          <a:latin typeface="Calibri" panose="020F0502020204030204" pitchFamily="34" charset="0"/>
+                          <a:ea typeface="Calibri" panose="020F0502020204030204" pitchFamily="34" charset="0"/>
+                          <a:cs typeface="Calibri" panose="020F0502020204030204" pitchFamily="34" charset="0"/>
+                        </a:rPr>
+                        <a:t>406.715 </a:t>
+                      </a:r>
+                      <a:r>
+                        <a:rPr lang="pt-PT" sz="1200" dirty="0" err="1">
+                          <a:latin typeface="Calibri" panose="020F0502020204030204" pitchFamily="34" charset="0"/>
+                          <a:ea typeface="Calibri" panose="020F0502020204030204" pitchFamily="34" charset="0"/>
+                          <a:cs typeface="Calibri" panose="020F0502020204030204" pitchFamily="34" charset="0"/>
+                        </a:rPr>
+                        <a:t>ms</a:t>
+                      </a:r>
                       <a:endParaRPr lang="pt-PT" sz="1200" dirty="0">
                         <a:latin typeface="Calibri" panose="020F0502020204030204" pitchFamily="34" charset="0"/>
                         <a:ea typeface="Calibri" panose="020F0502020204030204" pitchFamily="34" charset="0"/>
@@ -9634,6 +10008,22 @@
                         <a:tabLst/>
                         <a:defRPr/>
                       </a:pPr>
+                      <a:r>
+                        <a:rPr lang="pt-PT" sz="1200" dirty="0">
+                          <a:latin typeface="Calibri" panose="020F0502020204030204" pitchFamily="34" charset="0"/>
+                          <a:ea typeface="Calibri" panose="020F0502020204030204" pitchFamily="34" charset="0"/>
+                          <a:cs typeface="Calibri" panose="020F0502020204030204" pitchFamily="34" charset="0"/>
+                        </a:rPr>
+                        <a:t>21.009 </a:t>
+                      </a:r>
+                      <a:r>
+                        <a:rPr lang="pt-PT" sz="1200" dirty="0" err="1">
+                          <a:latin typeface="Calibri" panose="020F0502020204030204" pitchFamily="34" charset="0"/>
+                          <a:ea typeface="Calibri" panose="020F0502020204030204" pitchFamily="34" charset="0"/>
+                          <a:cs typeface="Calibri" panose="020F0502020204030204" pitchFamily="34" charset="0"/>
+                        </a:rPr>
+                        <a:t>ms</a:t>
+                      </a:r>
                       <a:endParaRPr lang="pt-PT" sz="1200" dirty="0">
                         <a:latin typeface="Calibri" panose="020F0502020204030204" pitchFamily="34" charset="0"/>
                         <a:ea typeface="Calibri" panose="020F0502020204030204" pitchFamily="34" charset="0"/>
@@ -9649,6 +10039,22 @@
                     <a:lstStyle/>
                     <a:p>
                       <a:pPr algn="ctr"/>
+                      <a:r>
+                        <a:rPr lang="pt-PT" sz="1200" dirty="0">
+                          <a:latin typeface="Calibri" panose="020F0502020204030204" pitchFamily="34" charset="0"/>
+                          <a:ea typeface="Calibri" panose="020F0502020204030204" pitchFamily="34" charset="0"/>
+                          <a:cs typeface="Calibri" panose="020F0502020204030204" pitchFamily="34" charset="0"/>
+                        </a:rPr>
+                        <a:t>242.246 </a:t>
+                      </a:r>
+                      <a:r>
+                        <a:rPr lang="pt-PT" sz="1200" dirty="0" err="1">
+                          <a:latin typeface="Calibri" panose="020F0502020204030204" pitchFamily="34" charset="0"/>
+                          <a:ea typeface="Calibri" panose="020F0502020204030204" pitchFamily="34" charset="0"/>
+                          <a:cs typeface="Calibri" panose="020F0502020204030204" pitchFamily="34" charset="0"/>
+                        </a:rPr>
+                        <a:t>ms</a:t>
+                      </a:r>
                       <a:endParaRPr lang="pt-PT" sz="1200" dirty="0">
                         <a:latin typeface="Calibri" panose="020F0502020204030204" pitchFamily="34" charset="0"/>
                         <a:ea typeface="Calibri" panose="020F0502020204030204" pitchFamily="34" charset="0"/>
@@ -9680,6 +10086,22 @@
                         <a:tabLst/>
                         <a:defRPr/>
                       </a:pPr>
+                      <a:r>
+                        <a:rPr lang="pt-PT" sz="1200" dirty="0">
+                          <a:latin typeface="Calibri" panose="020F0502020204030204" pitchFamily="34" charset="0"/>
+                          <a:ea typeface="Calibri" panose="020F0502020204030204" pitchFamily="34" charset="0"/>
+                          <a:cs typeface="Calibri" panose="020F0502020204030204" pitchFamily="34" charset="0"/>
+                        </a:rPr>
+                        <a:t>1.274 </a:t>
+                      </a:r>
+                      <a:r>
+                        <a:rPr lang="pt-PT" sz="1200" dirty="0" err="1">
+                          <a:latin typeface="Calibri" panose="020F0502020204030204" pitchFamily="34" charset="0"/>
+                          <a:ea typeface="Calibri" panose="020F0502020204030204" pitchFamily="34" charset="0"/>
+                          <a:cs typeface="Calibri" panose="020F0502020204030204" pitchFamily="34" charset="0"/>
+                        </a:rPr>
+                        <a:t>ms</a:t>
+                      </a:r>
                       <a:endParaRPr lang="pt-PT" sz="1200" dirty="0">
                         <a:latin typeface="Calibri" panose="020F0502020204030204" pitchFamily="34" charset="0"/>
                         <a:ea typeface="Calibri" panose="020F0502020204030204" pitchFamily="34" charset="0"/>
@@ -9695,6 +10117,22 @@
                     <a:lstStyle/>
                     <a:p>
                       <a:pPr algn="ctr"/>
+                      <a:r>
+                        <a:rPr lang="pt-PT" sz="1200" dirty="0">
+                          <a:latin typeface="Calibri" panose="020F0502020204030204" pitchFamily="34" charset="0"/>
+                          <a:ea typeface="Calibri" panose="020F0502020204030204" pitchFamily="34" charset="0"/>
+                          <a:cs typeface="Calibri" panose="020F0502020204030204" pitchFamily="34" charset="0"/>
+                        </a:rPr>
+                        <a:t>212.104 </a:t>
+                      </a:r>
+                      <a:r>
+                        <a:rPr lang="pt-PT" sz="1200" dirty="0" err="1">
+                          <a:latin typeface="Calibri" panose="020F0502020204030204" pitchFamily="34" charset="0"/>
+                          <a:ea typeface="Calibri" panose="020F0502020204030204" pitchFamily="34" charset="0"/>
+                          <a:cs typeface="Calibri" panose="020F0502020204030204" pitchFamily="34" charset="0"/>
+                        </a:rPr>
+                        <a:t>ms</a:t>
+                      </a:r>
                       <a:endParaRPr lang="pt-PT" sz="1200" dirty="0">
                         <a:latin typeface="Calibri" panose="020F0502020204030204" pitchFamily="34" charset="0"/>
                         <a:ea typeface="Calibri" panose="020F0502020204030204" pitchFamily="34" charset="0"/>
@@ -9726,21 +10164,22 @@
                         <a:tabLst/>
                         <a:defRPr/>
                       </a:pPr>
-                      <a:endParaRPr lang="pt-PT" sz="1200" dirty="0">
-                        <a:latin typeface="Calibri" panose="020F0502020204030204" pitchFamily="34" charset="0"/>
-                        <a:ea typeface="Calibri" panose="020F0502020204030204" pitchFamily="34" charset="0"/>
-                        <a:cs typeface="Calibri" panose="020F0502020204030204" pitchFamily="34" charset="0"/>
-                      </a:endParaRPr>
-                    </a:p>
-                  </a:txBody>
-                  <a:tcPr anchor="ctr"/>
-                </a:tc>
-                <a:tc>
-                  <a:txBody>
-                    <a:bodyPr/>
-                    <a:lstStyle/>
-                    <a:p>
-                      <a:pPr algn="ctr"/>
+                      <a:r>
+                        <a:rPr lang="pt-PT" sz="1200" dirty="0">
+                          <a:latin typeface="Calibri" panose="020F0502020204030204" pitchFamily="34" charset="0"/>
+                          <a:ea typeface="Calibri" panose="020F0502020204030204" pitchFamily="34" charset="0"/>
+                          <a:cs typeface="Calibri" panose="020F0502020204030204" pitchFamily="34" charset="0"/>
+                        </a:rPr>
+                        <a:t>004.918 </a:t>
+                      </a:r>
+                      <a:r>
+                        <a:rPr lang="pt-PT" sz="1200" dirty="0" err="1">
+                          <a:latin typeface="Calibri" panose="020F0502020204030204" pitchFamily="34" charset="0"/>
+                          <a:ea typeface="Calibri" panose="020F0502020204030204" pitchFamily="34" charset="0"/>
+                          <a:cs typeface="Calibri" panose="020F0502020204030204" pitchFamily="34" charset="0"/>
+                        </a:rPr>
+                        <a:t>ms</a:t>
+                      </a:r>
                       <a:endParaRPr lang="pt-PT" sz="1200" dirty="0">
                         <a:latin typeface="Calibri" panose="020F0502020204030204" pitchFamily="34" charset="0"/>
                         <a:ea typeface="Calibri" panose="020F0502020204030204" pitchFamily="34" charset="0"/>
@@ -9772,51 +10211,14 @@
                         <a:tabLst/>
                         <a:defRPr/>
                       </a:pPr>
-                      <a:endParaRPr lang="pt-PT" sz="1200" dirty="0">
-                        <a:latin typeface="Calibri" panose="020F0502020204030204" pitchFamily="34" charset="0"/>
-                        <a:ea typeface="Calibri" panose="020F0502020204030204" pitchFamily="34" charset="0"/>
-                        <a:cs typeface="Calibri" panose="020F0502020204030204" pitchFamily="34" charset="0"/>
-                      </a:endParaRPr>
-                    </a:p>
-                  </a:txBody>
-                  <a:tcPr anchor="ctr"/>
-                </a:tc>
-                <a:extLst>
-                  <a:ext uri="{0D108BD9-81ED-4DB2-BD59-A6C34878D82A}">
-                    <a16:rowId xmlns:a16="http://schemas.microsoft.com/office/drawing/2014/main" val="625706260"/>
-                  </a:ext>
-                </a:extLst>
-              </a:tr>
-              <a:tr h="191521">
-                <a:tc>
-                  <a:txBody>
-                    <a:bodyPr/>
-                    <a:lstStyle/>
-                    <a:p>
-                      <a:pPr algn="ctr"/>
-                      <a:r>
-                        <a:rPr lang="pt-PT" dirty="0">
-                          <a:latin typeface="Calibri" panose="020F0502020204030204" pitchFamily="34" charset="0"/>
-                          <a:ea typeface="Calibri" panose="020F0502020204030204" pitchFamily="34" charset="0"/>
-                          <a:cs typeface="Calibri" panose="020F0502020204030204" pitchFamily="34" charset="0"/>
-                        </a:rPr>
-                        <a:t>datSeq16M.bin</a:t>
-                      </a:r>
-                    </a:p>
-                  </a:txBody>
-                  <a:tcPr anchor="ctr"/>
-                </a:tc>
-                <a:tc>
-                  <a:txBody>
-                    <a:bodyPr/>
-                    <a:lstStyle/>
-                    <a:p>
-                      <a:pPr algn="ctr"/>
-                      <a:endParaRPr lang="pt-PT" sz="1200" dirty="0">
-                        <a:latin typeface="Calibri" panose="020F0502020204030204" pitchFamily="34" charset="0"/>
-                        <a:ea typeface="Calibri" panose="020F0502020204030204" pitchFamily="34" charset="0"/>
-                        <a:cs typeface="Calibri" panose="020F0502020204030204" pitchFamily="34" charset="0"/>
-                      </a:endParaRPr>
+                      <a:r>
+                        <a:rPr lang="pt-PT" sz="1200" dirty="0">
+                          <a:latin typeface="Calibri" panose="020F0502020204030204" pitchFamily="34" charset="0"/>
+                          <a:ea typeface="Calibri" panose="020F0502020204030204" pitchFamily="34" charset="0"/>
+                          <a:cs typeface="Calibri" panose="020F0502020204030204" pitchFamily="34" charset="0"/>
+                        </a:rPr>
+                        <a:t>32.059 s</a:t>
+                      </a:r>
                     </a:p>
                   </a:txBody>
                   <a:tcPr anchor="ctr"/>
@@ -9843,26 +10245,57 @@
                         <a:tabLst/>
                         <a:defRPr/>
                       </a:pPr>
-                      <a:endParaRPr lang="pt-PT" sz="1200" dirty="0">
-                        <a:latin typeface="Calibri" panose="020F0502020204030204" pitchFamily="34" charset="0"/>
-                        <a:ea typeface="Calibri" panose="020F0502020204030204" pitchFamily="34" charset="0"/>
-                        <a:cs typeface="Calibri" panose="020F0502020204030204" pitchFamily="34" charset="0"/>
-                      </a:endParaRPr>
+                      <a:r>
+                        <a:rPr lang="pt-PT" sz="1200" dirty="0">
+                          <a:latin typeface="Calibri" panose="020F0502020204030204" pitchFamily="34" charset="0"/>
+                          <a:ea typeface="Calibri" panose="020F0502020204030204" pitchFamily="34" charset="0"/>
+                          <a:cs typeface="Calibri" panose="020F0502020204030204" pitchFamily="34" charset="0"/>
+                        </a:rPr>
+                        <a:t>1.930 s</a:t>
+                      </a:r>
                     </a:p>
                   </a:txBody>
                   <a:tcPr anchor="ctr"/>
                 </a:tc>
+                <a:extLst>
+                  <a:ext uri="{0D108BD9-81ED-4DB2-BD59-A6C34878D82A}">
+                    <a16:rowId xmlns:a16="http://schemas.microsoft.com/office/drawing/2014/main" val="625706260"/>
+                  </a:ext>
+                </a:extLst>
+              </a:tr>
+              <a:tr h="191521">
                 <a:tc>
                   <a:txBody>
                     <a:bodyPr/>
                     <a:lstStyle/>
                     <a:p>
                       <a:pPr algn="ctr"/>
-                      <a:endParaRPr lang="pt-PT" sz="1200" dirty="0">
-                        <a:latin typeface="Calibri" panose="020F0502020204030204" pitchFamily="34" charset="0"/>
-                        <a:ea typeface="Calibri" panose="020F0502020204030204" pitchFamily="34" charset="0"/>
-                        <a:cs typeface="Calibri" panose="020F0502020204030204" pitchFamily="34" charset="0"/>
-                      </a:endParaRPr>
+                      <a:r>
+                        <a:rPr lang="pt-PT" dirty="0">
+                          <a:latin typeface="Calibri" panose="020F0502020204030204" pitchFamily="34" charset="0"/>
+                          <a:ea typeface="Calibri" panose="020F0502020204030204" pitchFamily="34" charset="0"/>
+                          <a:cs typeface="Calibri" panose="020F0502020204030204" pitchFamily="34" charset="0"/>
+                        </a:rPr>
+                        <a:t>datSeq16M.bin</a:t>
+                      </a:r>
+                    </a:p>
+                  </a:txBody>
+                  <a:tcPr anchor="ctr"/>
+                </a:tc>
+                <a:tc>
+                  <a:txBody>
+                    <a:bodyPr/>
+                    <a:lstStyle/>
+                    <a:p>
+                      <a:pPr algn="ctr"/>
+                      <a:r>
+                        <a:rPr lang="pt-PT" sz="1200" dirty="0">
+                          <a:latin typeface="Calibri" panose="020F0502020204030204" pitchFamily="34" charset="0"/>
+                          <a:ea typeface="Calibri" panose="020F0502020204030204" pitchFamily="34" charset="0"/>
+                          <a:cs typeface="Calibri" panose="020F0502020204030204" pitchFamily="34" charset="0"/>
+                        </a:rPr>
+                        <a:t>8.152 s</a:t>
+                      </a:r>
                     </a:p>
                   </a:txBody>
                   <a:tcPr anchor="ctr"/>
@@ -9889,11 +10322,14 @@
                         <a:tabLst/>
                         <a:defRPr/>
                       </a:pPr>
-                      <a:endParaRPr lang="pt-PT" sz="1200" dirty="0">
-                        <a:latin typeface="Calibri" panose="020F0502020204030204" pitchFamily="34" charset="0"/>
-                        <a:ea typeface="Calibri" panose="020F0502020204030204" pitchFamily="34" charset="0"/>
-                        <a:cs typeface="Calibri" panose="020F0502020204030204" pitchFamily="34" charset="0"/>
-                      </a:endParaRPr>
+                      <a:r>
+                        <a:rPr lang="pt-PT" sz="1200" dirty="0">
+                          <a:latin typeface="Calibri" panose="020F0502020204030204" pitchFamily="34" charset="0"/>
+                          <a:ea typeface="Calibri" panose="020F0502020204030204" pitchFamily="34" charset="0"/>
+                          <a:cs typeface="Calibri" panose="020F0502020204030204" pitchFamily="34" charset="0"/>
+                        </a:rPr>
+                        <a:t>0.182 s</a:t>
+                      </a:r>
                     </a:p>
                   </a:txBody>
                   <a:tcPr anchor="ctr"/>
@@ -9904,11 +10340,14 @@
                     <a:lstStyle/>
                     <a:p>
                       <a:pPr algn="ctr"/>
-                      <a:endParaRPr lang="pt-PT" sz="1200" dirty="0">
-                        <a:latin typeface="Calibri" panose="020F0502020204030204" pitchFamily="34" charset="0"/>
-                        <a:ea typeface="Calibri" panose="020F0502020204030204" pitchFamily="34" charset="0"/>
-                        <a:cs typeface="Calibri" panose="020F0502020204030204" pitchFamily="34" charset="0"/>
-                      </a:endParaRPr>
+                      <a:r>
+                        <a:rPr lang="pt-PT" sz="1200" dirty="0">
+                          <a:latin typeface="Calibri" panose="020F0502020204030204" pitchFamily="34" charset="0"/>
+                          <a:ea typeface="Calibri" panose="020F0502020204030204" pitchFamily="34" charset="0"/>
+                          <a:cs typeface="Calibri" panose="020F0502020204030204" pitchFamily="34" charset="0"/>
+                        </a:rPr>
+                        <a:t>5.445 s</a:t>
+                      </a:r>
                     </a:p>
                   </a:txBody>
                   <a:tcPr anchor="ctr"/>
@@ -9935,11 +10374,14 @@
                         <a:tabLst/>
                         <a:defRPr/>
                       </a:pPr>
-                      <a:endParaRPr lang="pt-PT" sz="1200" dirty="0">
-                        <a:latin typeface="Calibri" panose="020F0502020204030204" pitchFamily="34" charset="0"/>
-                        <a:ea typeface="Calibri" panose="020F0502020204030204" pitchFamily="34" charset="0"/>
-                        <a:cs typeface="Calibri" panose="020F0502020204030204" pitchFamily="34" charset="0"/>
-                      </a:endParaRPr>
+                      <a:r>
+                        <a:rPr lang="pt-PT" sz="1200" dirty="0">
+                          <a:latin typeface="Calibri" panose="020F0502020204030204" pitchFamily="34" charset="0"/>
+                          <a:ea typeface="Calibri" panose="020F0502020204030204" pitchFamily="34" charset="0"/>
+                          <a:cs typeface="Calibri" panose="020F0502020204030204" pitchFamily="34" charset="0"/>
+                        </a:rPr>
+                        <a:t>0.139 s</a:t>
+                      </a:r>
                     </a:p>
                   </a:txBody>
                   <a:tcPr anchor="ctr"/>
@@ -9950,11 +10392,14 @@
                     <a:lstStyle/>
                     <a:p>
                       <a:pPr algn="ctr"/>
-                      <a:endParaRPr lang="pt-PT" sz="1200" dirty="0">
-                        <a:latin typeface="Calibri" panose="020F0502020204030204" pitchFamily="34" charset="0"/>
-                        <a:ea typeface="Calibri" panose="020F0502020204030204" pitchFamily="34" charset="0"/>
-                        <a:cs typeface="Calibri" panose="020F0502020204030204" pitchFamily="34" charset="0"/>
-                      </a:endParaRPr>
+                      <a:r>
+                        <a:rPr lang="pt-PT" sz="1200" dirty="0">
+                          <a:latin typeface="Calibri" panose="020F0502020204030204" pitchFamily="34" charset="0"/>
+                          <a:ea typeface="Calibri" panose="020F0502020204030204" pitchFamily="34" charset="0"/>
+                          <a:cs typeface="Calibri" panose="020F0502020204030204" pitchFamily="34" charset="0"/>
+                        </a:rPr>
+                        <a:t>5.068 s</a:t>
+                      </a:r>
                     </a:p>
                   </a:txBody>
                   <a:tcPr anchor="ctr"/>
@@ -9981,11 +10426,66 @@
                         <a:tabLst/>
                         <a:defRPr/>
                       </a:pPr>
-                      <a:endParaRPr lang="pt-PT" sz="1200" dirty="0">
-                        <a:latin typeface="Calibri" panose="020F0502020204030204" pitchFamily="34" charset="0"/>
-                        <a:ea typeface="Calibri" panose="020F0502020204030204" pitchFamily="34" charset="0"/>
-                        <a:cs typeface="Calibri" panose="020F0502020204030204" pitchFamily="34" charset="0"/>
-                      </a:endParaRPr>
+                      <a:r>
+                        <a:rPr lang="pt-PT" sz="1200" dirty="0">
+                          <a:latin typeface="Calibri" panose="020F0502020204030204" pitchFamily="34" charset="0"/>
+                          <a:ea typeface="Calibri" panose="020F0502020204030204" pitchFamily="34" charset="0"/>
+                          <a:cs typeface="Calibri" panose="020F0502020204030204" pitchFamily="34" charset="0"/>
+                        </a:rPr>
+                        <a:t>0.296 s</a:t>
+                      </a:r>
+                    </a:p>
+                  </a:txBody>
+                  <a:tcPr anchor="ctr"/>
+                </a:tc>
+                <a:tc>
+                  <a:txBody>
+                    <a:bodyPr/>
+                    <a:lstStyle/>
+                    <a:p>
+                      <a:pPr algn="ctr"/>
+                      <a:r>
+                        <a:rPr lang="pt-PT" sz="1200" dirty="0">
+                          <a:latin typeface="Calibri" panose="020F0502020204030204" pitchFamily="34" charset="0"/>
+                          <a:ea typeface="Calibri" panose="020F0502020204030204" pitchFamily="34" charset="0"/>
+                          <a:cs typeface="Calibri" panose="020F0502020204030204" pitchFamily="34" charset="0"/>
+                        </a:rPr>
+                        <a:t>-</a:t>
+                      </a:r>
+                    </a:p>
+                  </a:txBody>
+                  <a:tcPr anchor="ctr"/>
+                </a:tc>
+                <a:tc>
+                  <a:txBody>
+                    <a:bodyPr/>
+                    <a:lstStyle/>
+                    <a:p>
+                      <a:pPr marL="0" marR="0" lvl="0" indent="0" algn="ctr" defTabSz="914400" rtl="0" eaLnBrk="1" fontAlgn="auto" latinLnBrk="0" hangingPunct="1">
+                        <a:lnSpc>
+                          <a:spcPct val="100000"/>
+                        </a:lnSpc>
+                        <a:spcBef>
+                          <a:spcPts val="0"/>
+                        </a:spcBef>
+                        <a:spcAft>
+                          <a:spcPts val="0"/>
+                        </a:spcAft>
+                        <a:buClrTx/>
+                        <a:buSzTx/>
+                        <a:buFontTx/>
+                        <a:buNone/>
+                        <a:tabLst/>
+                        <a:defRPr/>
+                      </a:pPr>
+                      <a:r>
+                        <a:rPr lang="pt-PT" sz="1200" dirty="0">
+                          <a:latin typeface="Calibri" panose="020F0502020204030204" pitchFamily="34" charset="0"/>
+                          <a:ea typeface="Calibri" panose="020F0502020204030204" pitchFamily="34" charset="0"/>
+                          <a:cs typeface="Calibri" panose="020F0502020204030204" pitchFamily="34" charset="0"/>
+                        </a:rPr>
+                        <a:t>-</a:t>
+                      </a:r>
                     </a:p>
                   </a:txBody>
                   <a:tcPr anchor="ctr"/>

--- a/CLE2_T3G5/present.pptx
+++ b/CLE2_T3G5/present.pptx
@@ -286,7 +286,7 @@
           <a:p>
             <a:fld id="{65E3D7AB-6C06-41C6-99AC-C74008AD09CE}" type="datetimeFigureOut">
               <a:rPr lang="pt-PT" smtClean="0"/>
-              <a:t>26/04/2023</a:t>
+              <a:t>28/04/2023</a:t>
             </a:fld>
             <a:endParaRPr lang="pt-PT"/>
           </a:p>
@@ -514,7 +514,7 @@
           <a:p>
             <a:fld id="{65E3D7AB-6C06-41C6-99AC-C74008AD09CE}" type="datetimeFigureOut">
               <a:rPr lang="pt-PT" smtClean="0"/>
-              <a:t>26/04/2023</a:t>
+              <a:t>28/04/2023</a:t>
             </a:fld>
             <a:endParaRPr lang="pt-PT"/>
           </a:p>
@@ -694,7 +694,7 @@
           <a:p>
             <a:fld id="{65E3D7AB-6C06-41C6-99AC-C74008AD09CE}" type="datetimeFigureOut">
               <a:rPr lang="pt-PT" smtClean="0"/>
-              <a:t>26/04/2023</a:t>
+              <a:t>28/04/2023</a:t>
             </a:fld>
             <a:endParaRPr lang="pt-PT"/>
           </a:p>
@@ -864,7 +864,7 @@
           <a:p>
             <a:fld id="{65E3D7AB-6C06-41C6-99AC-C74008AD09CE}" type="datetimeFigureOut">
               <a:rPr lang="pt-PT" smtClean="0"/>
-              <a:t>26/04/2023</a:t>
+              <a:t>28/04/2023</a:t>
             </a:fld>
             <a:endParaRPr lang="pt-PT"/>
           </a:p>
@@ -1118,7 +1118,7 @@
           <a:p>
             <a:fld id="{65E3D7AB-6C06-41C6-99AC-C74008AD09CE}" type="datetimeFigureOut">
               <a:rPr lang="pt-PT" smtClean="0"/>
-              <a:t>26/04/2023</a:t>
+              <a:t>28/04/2023</a:t>
             </a:fld>
             <a:endParaRPr lang="pt-PT"/>
           </a:p>
@@ -1444,7 +1444,7 @@
           <a:p>
             <a:fld id="{65E3D7AB-6C06-41C6-99AC-C74008AD09CE}" type="datetimeFigureOut">
               <a:rPr lang="pt-PT" smtClean="0"/>
-              <a:t>26/04/2023</a:t>
+              <a:t>28/04/2023</a:t>
             </a:fld>
             <a:endParaRPr lang="pt-PT"/>
           </a:p>
@@ -1895,7 +1895,7 @@
           <a:p>
             <a:fld id="{65E3D7AB-6C06-41C6-99AC-C74008AD09CE}" type="datetimeFigureOut">
               <a:rPr lang="pt-PT" smtClean="0"/>
-              <a:t>26/04/2023</a:t>
+              <a:t>28/04/2023</a:t>
             </a:fld>
             <a:endParaRPr lang="pt-PT"/>
           </a:p>
@@ -2013,7 +2013,7 @@
           <a:p>
             <a:fld id="{65E3D7AB-6C06-41C6-99AC-C74008AD09CE}" type="datetimeFigureOut">
               <a:rPr lang="pt-PT" smtClean="0"/>
-              <a:t>26/04/2023</a:t>
+              <a:t>28/04/2023</a:t>
             </a:fld>
             <a:endParaRPr lang="pt-PT"/>
           </a:p>
@@ -2108,7 +2108,7 @@
           <a:p>
             <a:fld id="{65E3D7AB-6C06-41C6-99AC-C74008AD09CE}" type="datetimeFigureOut">
               <a:rPr lang="pt-PT" smtClean="0"/>
-              <a:t>26/04/2023</a:t>
+              <a:t>28/04/2023</a:t>
             </a:fld>
             <a:endParaRPr lang="pt-PT"/>
           </a:p>
@@ -2395,7 +2395,7 @@
           <a:p>
             <a:fld id="{65E3D7AB-6C06-41C6-99AC-C74008AD09CE}" type="datetimeFigureOut">
               <a:rPr lang="pt-PT" smtClean="0"/>
-              <a:t>26/04/2023</a:t>
+              <a:t>28/04/2023</a:t>
             </a:fld>
             <a:endParaRPr lang="pt-PT"/>
           </a:p>
@@ -2717,7 +2717,7 @@
           <a:p>
             <a:fld id="{65E3D7AB-6C06-41C6-99AC-C74008AD09CE}" type="datetimeFigureOut">
               <a:rPr lang="pt-PT" smtClean="0"/>
-              <a:t>26/04/2023</a:t>
+              <a:t>28/04/2023</a:t>
             </a:fld>
             <a:endParaRPr lang="pt-PT"/>
           </a:p>
@@ -2971,7 +2971,7 @@
           <a:p>
             <a:fld id="{65E3D7AB-6C06-41C6-99AC-C74008AD09CE}" type="datetimeFigureOut">
               <a:rPr lang="pt-PT" smtClean="0"/>
-              <a:t>26/04/2023</a:t>
+              <a:t>28/04/2023</a:t>
             </a:fld>
             <a:endParaRPr lang="pt-PT"/>
           </a:p>
@@ -3938,42 +3938,6 @@
       </p:sp>
       <p:sp>
         <p:nvSpPr>
-          <p:cNvPr id="38" name="CaixaDeTexto 37">
-            <a:extLst>
-              <a:ext uri="{FF2B5EF4-FFF2-40B4-BE49-F238E27FC236}">
-                <a16:creationId xmlns:a16="http://schemas.microsoft.com/office/drawing/2014/main" id="{84E5CD45-DCFD-7E28-F5B8-C972B21EFD70}"/>
-              </a:ext>
-            </a:extLst>
-          </p:cNvPr>
-          <p:cNvSpPr txBox="1"/>
-          <p:nvPr/>
-        </p:nvSpPr>
-        <p:spPr>
-          <a:xfrm>
-            <a:off x="960944" y="4124869"/>
-            <a:ext cx="1455255" cy="338554"/>
-          </a:xfrm>
-          <a:prstGeom prst="rect">
-            <a:avLst/>
-          </a:prstGeom>
-          <a:noFill/>
-        </p:spPr>
-        <p:txBody>
-          <a:bodyPr wrap="square" rtlCol="0">
-            <a:spAutoFit/>
-          </a:bodyPr>
-          <a:lstStyle/>
-          <a:p>
-            <a:r>
-              <a:rPr lang="pt-PT" sz="1600" b="1" dirty="0" err="1"/>
-              <a:t>Legend</a:t>
-            </a:r>
-            <a:endParaRPr lang="pt-PT" sz="1400" b="1" dirty="0"/>
-          </a:p>
-        </p:txBody>
-      </p:sp>
-      <p:sp>
-        <p:nvSpPr>
           <p:cNvPr id="7" name="Título 1">
             <a:extLst>
               <a:ext uri="{FF2B5EF4-FFF2-40B4-BE49-F238E27FC236}">
@@ -4264,6 +4228,822 @@
           </a:fontRef>
         </p:style>
       </p:cxnSp>
+      <p:sp>
+        <p:nvSpPr>
+          <p:cNvPr id="4" name="CaixaDeTexto 3">
+            <a:extLst>
+              <a:ext uri="{FF2B5EF4-FFF2-40B4-BE49-F238E27FC236}">
+                <a16:creationId xmlns:a16="http://schemas.microsoft.com/office/drawing/2014/main" id="{D72B8E3F-A484-4A8F-9BC9-8FA0BBF18E74}"/>
+              </a:ext>
+            </a:extLst>
+          </p:cNvPr>
+          <p:cNvSpPr txBox="1"/>
+          <p:nvPr/>
+        </p:nvSpPr>
+        <p:spPr>
+          <a:xfrm>
+            <a:off x="2211694" y="3410162"/>
+            <a:ext cx="1577789" cy="369332"/>
+          </a:xfrm>
+          <a:prstGeom prst="rect">
+            <a:avLst/>
+          </a:prstGeom>
+          <a:noFill/>
+        </p:spPr>
+        <p:txBody>
+          <a:bodyPr wrap="square" rtlCol="0">
+            <a:spAutoFit/>
+          </a:bodyPr>
+          <a:lstStyle/>
+          <a:p>
+            <a:pPr algn="ctr"/>
+            <a:r>
+              <a:rPr lang="pt-PT" dirty="0"/>
+              <a:t>1</a:t>
+            </a:r>
+          </a:p>
+        </p:txBody>
+      </p:sp>
+      <p:sp>
+        <p:nvSpPr>
+          <p:cNvPr id="5" name="CaixaDeTexto 4">
+            <a:extLst>
+              <a:ext uri="{FF2B5EF4-FFF2-40B4-BE49-F238E27FC236}">
+                <a16:creationId xmlns:a16="http://schemas.microsoft.com/office/drawing/2014/main" id="{904E4F32-AD23-4C90-B623-DC0607FBD026}"/>
+              </a:ext>
+            </a:extLst>
+          </p:cNvPr>
+          <p:cNvSpPr txBox="1"/>
+          <p:nvPr/>
+        </p:nvSpPr>
+        <p:spPr>
+          <a:xfrm>
+            <a:off x="7369487" y="3414644"/>
+            <a:ext cx="1997431" cy="369332"/>
+          </a:xfrm>
+          <a:prstGeom prst="rect">
+            <a:avLst/>
+          </a:prstGeom>
+          <a:noFill/>
+        </p:spPr>
+        <p:txBody>
+          <a:bodyPr wrap="square" rtlCol="0">
+            <a:spAutoFit/>
+          </a:bodyPr>
+          <a:lstStyle/>
+          <a:p>
+            <a:pPr algn="ctr"/>
+            <a:r>
+              <a:rPr lang="pt-PT" dirty="0"/>
+              <a:t>2</a:t>
+            </a:r>
+          </a:p>
+        </p:txBody>
+      </p:sp>
+      <p:sp>
+        <p:nvSpPr>
+          <p:cNvPr id="8" name="Seta: Curvada para Baixo 7">
+            <a:extLst>
+              <a:ext uri="{FF2B5EF4-FFF2-40B4-BE49-F238E27FC236}">
+                <a16:creationId xmlns:a16="http://schemas.microsoft.com/office/drawing/2014/main" id="{EF96236D-B0F1-4753-B781-34D62414C704}"/>
+              </a:ext>
+            </a:extLst>
+          </p:cNvPr>
+          <p:cNvSpPr/>
+          <p:nvPr/>
+        </p:nvSpPr>
+        <p:spPr>
+          <a:xfrm rot="16200000">
+            <a:off x="1426335" y="4793373"/>
+            <a:ext cx="566681" cy="373415"/>
+          </a:xfrm>
+          <a:prstGeom prst="curvedDownArrow">
+            <a:avLst/>
+          </a:prstGeom>
+        </p:spPr>
+        <p:style>
+          <a:lnRef idx="1">
+            <a:schemeClr val="dk1"/>
+          </a:lnRef>
+          <a:fillRef idx="2">
+            <a:schemeClr val="dk1"/>
+          </a:fillRef>
+          <a:effectRef idx="1">
+            <a:schemeClr val="dk1"/>
+          </a:effectRef>
+          <a:fontRef idx="minor">
+            <a:schemeClr val="dk1"/>
+          </a:fontRef>
+        </p:style>
+        <p:txBody>
+          <a:bodyPr rtlCol="0" anchor="ctr"/>
+          <a:lstStyle/>
+          <a:p>
+            <a:pPr algn="ctr"/>
+            <a:endParaRPr lang="pt-PT">
+              <a:solidFill>
+                <a:schemeClr val="tx1"/>
+              </a:solidFill>
+            </a:endParaRPr>
+          </a:p>
+        </p:txBody>
+      </p:sp>
+      <p:sp>
+        <p:nvSpPr>
+          <p:cNvPr id="16" name="Seta: Curvada para Baixo 15">
+            <a:extLst>
+              <a:ext uri="{FF2B5EF4-FFF2-40B4-BE49-F238E27FC236}">
+                <a16:creationId xmlns:a16="http://schemas.microsoft.com/office/drawing/2014/main" id="{40CB6BE9-350F-45D9-B6E2-529D82631C30}"/>
+              </a:ext>
+            </a:extLst>
+          </p:cNvPr>
+          <p:cNvSpPr/>
+          <p:nvPr/>
+        </p:nvSpPr>
+        <p:spPr>
+          <a:xfrm rot="16200000">
+            <a:off x="1426335" y="5901063"/>
+            <a:ext cx="566681" cy="373414"/>
+          </a:xfrm>
+          <a:prstGeom prst="curvedDownArrow">
+            <a:avLst/>
+          </a:prstGeom>
+        </p:spPr>
+        <p:style>
+          <a:lnRef idx="1">
+            <a:schemeClr val="dk1"/>
+          </a:lnRef>
+          <a:fillRef idx="2">
+            <a:schemeClr val="dk1"/>
+          </a:fillRef>
+          <a:effectRef idx="1">
+            <a:schemeClr val="dk1"/>
+          </a:effectRef>
+          <a:fontRef idx="minor">
+            <a:schemeClr val="dk1"/>
+          </a:fontRef>
+        </p:style>
+        <p:txBody>
+          <a:bodyPr rtlCol="0" anchor="ctr"/>
+          <a:lstStyle/>
+          <a:p>
+            <a:pPr algn="ctr"/>
+            <a:endParaRPr lang="pt-PT">
+              <a:solidFill>
+                <a:schemeClr val="tx1"/>
+              </a:solidFill>
+            </a:endParaRPr>
+          </a:p>
+        </p:txBody>
+      </p:sp>
+      <p:sp>
+        <p:nvSpPr>
+          <p:cNvPr id="19" name="CaixaDeTexto 18">
+            <a:extLst>
+              <a:ext uri="{FF2B5EF4-FFF2-40B4-BE49-F238E27FC236}">
+                <a16:creationId xmlns:a16="http://schemas.microsoft.com/office/drawing/2014/main" id="{FE12E5C9-BEF1-4006-B050-76A8D49626BB}"/>
+              </a:ext>
+            </a:extLst>
+          </p:cNvPr>
+          <p:cNvSpPr txBox="1"/>
+          <p:nvPr/>
+        </p:nvSpPr>
+        <p:spPr>
+          <a:xfrm>
+            <a:off x="960944" y="3794058"/>
+            <a:ext cx="10648351" cy="3108543"/>
+          </a:xfrm>
+          <a:prstGeom prst="rect">
+            <a:avLst/>
+          </a:prstGeom>
+          <a:noFill/>
+        </p:spPr>
+        <p:txBody>
+          <a:bodyPr wrap="square" rtlCol="0">
+            <a:spAutoFit/>
+          </a:bodyPr>
+          <a:lstStyle/>
+          <a:p>
+            <a:r>
+              <a:rPr lang="pt-PT" sz="1400" b="1" dirty="0" err="1"/>
+              <a:t>Workflow</a:t>
+            </a:r>
+            <a:endParaRPr lang="pt-PT" sz="1400" b="1" dirty="0"/>
+          </a:p>
+          <a:p>
+            <a:r>
+              <a:rPr lang="pt-PT" sz="1400" dirty="0"/>
+              <a:t>	</a:t>
+            </a:r>
+            <a:r>
+              <a:rPr lang="pt-PT" sz="1400" dirty="0" err="1"/>
+              <a:t>Initialize</a:t>
+            </a:r>
+            <a:r>
+              <a:rPr lang="pt-PT" sz="1400" dirty="0"/>
+              <a:t> some </a:t>
+            </a:r>
+            <a:r>
+              <a:rPr lang="pt-PT" sz="1400" dirty="0" err="1"/>
+              <a:t>variables</a:t>
+            </a:r>
+            <a:r>
+              <a:rPr lang="pt-PT" sz="1400" dirty="0"/>
+              <a:t> </a:t>
+            </a:r>
+            <a:r>
+              <a:rPr lang="pt-PT" sz="1400" dirty="0" err="1"/>
+              <a:t>and</a:t>
+            </a:r>
+            <a:r>
+              <a:rPr lang="pt-PT" sz="1400" dirty="0"/>
+              <a:t> MPI (</a:t>
+            </a:r>
+            <a:r>
+              <a:rPr lang="pt-PT" sz="1400" dirty="0" err="1"/>
+              <a:t>using</a:t>
+            </a:r>
+            <a:r>
+              <a:rPr lang="pt-PT" sz="1400" dirty="0"/>
+              <a:t> </a:t>
+            </a:r>
+            <a:r>
+              <a:rPr lang="pt-PT" sz="1400" b="1" dirty="0" err="1"/>
+              <a:t>MPI_Init</a:t>
+            </a:r>
+            <a:r>
+              <a:rPr lang="pt-PT" sz="1400" dirty="0"/>
+              <a:t>, </a:t>
+            </a:r>
+            <a:r>
+              <a:rPr lang="pt-PT" sz="1400" b="1" dirty="0" err="1"/>
+              <a:t>MPI_Comm_rank</a:t>
+            </a:r>
+            <a:r>
+              <a:rPr lang="pt-PT" sz="1400" dirty="0"/>
+              <a:t>, </a:t>
+            </a:r>
+            <a:r>
+              <a:rPr lang="pt-PT" sz="1400" b="1" dirty="0" err="1"/>
+              <a:t>MPI_Comm_size</a:t>
+            </a:r>
+            <a:r>
+              <a:rPr lang="pt-PT" sz="1400" dirty="0"/>
+              <a:t>);</a:t>
+            </a:r>
+            <a:endParaRPr lang="pt-PT" sz="1400" b="1" dirty="0"/>
+          </a:p>
+          <a:p>
+            <a:r>
+              <a:rPr lang="pt-PT" sz="1400" dirty="0"/>
+              <a:t>	</a:t>
+            </a:r>
+            <a:r>
+              <a:rPr lang="pt-PT" sz="1400" b="1" dirty="0"/>
+              <a:t>1.</a:t>
+            </a:r>
+            <a:r>
+              <a:rPr lang="pt-PT" sz="1400" dirty="0"/>
+              <a:t> </a:t>
+            </a:r>
+            <a:r>
+              <a:rPr lang="pt-PT" sz="1400" dirty="0" err="1"/>
+              <a:t>Dispatcher’s</a:t>
+            </a:r>
+            <a:r>
+              <a:rPr lang="pt-PT" sz="1400" dirty="0"/>
+              <a:t> </a:t>
+            </a:r>
+            <a:r>
+              <a:rPr lang="pt-PT" sz="1400" dirty="0" err="1"/>
+              <a:t>tasks</a:t>
+            </a:r>
+            <a:r>
+              <a:rPr lang="pt-PT" sz="1400" dirty="0"/>
+              <a:t>:</a:t>
+            </a:r>
+          </a:p>
+          <a:p>
+            <a:r>
+              <a:rPr lang="pt-PT" sz="1400" dirty="0"/>
+              <a:t>		</a:t>
+            </a:r>
+            <a:r>
+              <a:rPr lang="pt-PT" sz="1400" dirty="0" err="1"/>
+              <a:t>Proccess</a:t>
+            </a:r>
+            <a:r>
+              <a:rPr lang="pt-PT" sz="1400" dirty="0"/>
+              <a:t> </a:t>
+            </a:r>
+            <a:r>
+              <a:rPr lang="pt-PT" sz="1400" dirty="0" err="1"/>
+              <a:t>the</a:t>
+            </a:r>
+            <a:r>
+              <a:rPr lang="pt-PT" sz="1400" dirty="0"/>
+              <a:t> </a:t>
+            </a:r>
+            <a:r>
+              <a:rPr lang="pt-PT" sz="1400" dirty="0" err="1"/>
+              <a:t>command</a:t>
+            </a:r>
+            <a:r>
+              <a:rPr lang="pt-PT" sz="1400" dirty="0"/>
+              <a:t> </a:t>
+            </a:r>
+            <a:r>
+              <a:rPr lang="pt-PT" sz="1400" dirty="0" err="1"/>
+              <a:t>line</a:t>
+            </a:r>
+            <a:r>
+              <a:rPr lang="pt-PT" sz="1400" dirty="0"/>
+              <a:t>;</a:t>
+            </a:r>
+          </a:p>
+          <a:p>
+            <a:r>
+              <a:rPr lang="pt-PT" sz="1400" dirty="0"/>
+              <a:t>		</a:t>
+            </a:r>
+            <a:r>
+              <a:rPr lang="pt-PT" sz="1400" dirty="0" err="1"/>
+              <a:t>Distribute</a:t>
+            </a:r>
+            <a:r>
+              <a:rPr lang="pt-PT" sz="1400" dirty="0"/>
+              <a:t> </a:t>
+            </a:r>
+            <a:r>
+              <a:rPr lang="pt-PT" sz="1400" dirty="0" err="1"/>
+              <a:t>chunks</a:t>
+            </a:r>
+            <a:r>
+              <a:rPr lang="pt-PT" sz="1400" dirty="0"/>
+              <a:t> </a:t>
+            </a:r>
+            <a:r>
+              <a:rPr lang="pt-PT" sz="1400" dirty="0" err="1"/>
+              <a:t>of</a:t>
+            </a:r>
+            <a:r>
+              <a:rPr lang="pt-PT" sz="1400" dirty="0"/>
+              <a:t> data to </a:t>
+            </a:r>
+            <a:r>
+              <a:rPr lang="pt-PT" sz="1400" dirty="0" err="1"/>
+              <a:t>the</a:t>
+            </a:r>
+            <a:r>
+              <a:rPr lang="pt-PT" sz="1400" dirty="0"/>
+              <a:t> </a:t>
+            </a:r>
+            <a:r>
+              <a:rPr lang="pt-PT" sz="1400" dirty="0" err="1"/>
+              <a:t>workers</a:t>
+            </a:r>
+            <a:r>
+              <a:rPr lang="pt-PT" sz="1400" dirty="0"/>
+              <a:t> (</a:t>
+            </a:r>
+            <a:r>
+              <a:rPr lang="pt-PT" sz="1400" dirty="0" err="1"/>
+              <a:t>using</a:t>
+            </a:r>
+            <a:r>
+              <a:rPr lang="pt-PT" sz="1400" dirty="0"/>
+              <a:t> </a:t>
+            </a:r>
+            <a:r>
+              <a:rPr lang="pt-PT" sz="1400" b="1" dirty="0" err="1"/>
+              <a:t>MPI_Isend</a:t>
+            </a:r>
+            <a:r>
+              <a:rPr lang="pt-PT" sz="1400" dirty="0"/>
+              <a:t>);</a:t>
+            </a:r>
+          </a:p>
+          <a:p>
+            <a:r>
+              <a:rPr lang="pt-PT" sz="1400" dirty="0"/>
+              <a:t>		</a:t>
+            </a:r>
+            <a:r>
+              <a:rPr lang="pt-PT" sz="1400" dirty="0" err="1"/>
+              <a:t>Get</a:t>
+            </a:r>
+            <a:r>
+              <a:rPr lang="pt-PT" sz="1400" dirty="0"/>
+              <a:t> </a:t>
+            </a:r>
+            <a:r>
+              <a:rPr lang="pt-PT" sz="1400" dirty="0" err="1"/>
+              <a:t>ready</a:t>
+            </a:r>
+            <a:r>
+              <a:rPr lang="pt-PT" sz="1400" dirty="0"/>
+              <a:t> to </a:t>
+            </a:r>
+            <a:r>
+              <a:rPr lang="pt-PT" sz="1400" dirty="0" err="1"/>
+              <a:t>receive</a:t>
+            </a:r>
+            <a:r>
+              <a:rPr lang="pt-PT" sz="1400" dirty="0"/>
+              <a:t> responses (</a:t>
+            </a:r>
+            <a:r>
+              <a:rPr lang="pt-PT" sz="1400" dirty="0" err="1"/>
+              <a:t>using</a:t>
+            </a:r>
+            <a:r>
+              <a:rPr lang="pt-PT" sz="1400" dirty="0"/>
+              <a:t> </a:t>
+            </a:r>
+            <a:r>
+              <a:rPr lang="pt-PT" sz="1400" b="1" dirty="0" err="1"/>
+              <a:t>MPI_Irecv</a:t>
+            </a:r>
+            <a:r>
+              <a:rPr lang="pt-PT" sz="1400" dirty="0"/>
+              <a:t>);</a:t>
+            </a:r>
+          </a:p>
+          <a:p>
+            <a:r>
+              <a:rPr lang="pt-PT" sz="1400" dirty="0"/>
+              <a:t>		</a:t>
+            </a:r>
+            <a:r>
+              <a:rPr lang="pt-PT" sz="1400" dirty="0" err="1"/>
+              <a:t>Test</a:t>
+            </a:r>
+            <a:r>
+              <a:rPr lang="pt-PT" sz="1400" dirty="0"/>
+              <a:t> </a:t>
+            </a:r>
+            <a:r>
+              <a:rPr lang="pt-PT" sz="1400" dirty="0" err="1"/>
+              <a:t>if</a:t>
+            </a:r>
+            <a:r>
+              <a:rPr lang="pt-PT" sz="1400" dirty="0"/>
+              <a:t> </a:t>
+            </a:r>
+            <a:r>
+              <a:rPr lang="pt-PT" sz="1400" dirty="0" err="1"/>
+              <a:t>anyone</a:t>
+            </a:r>
+            <a:r>
+              <a:rPr lang="pt-PT" sz="1400" dirty="0"/>
+              <a:t> </a:t>
+            </a:r>
+            <a:r>
+              <a:rPr lang="pt-PT" sz="1400" dirty="0" err="1"/>
+              <a:t>completed</a:t>
+            </a:r>
+            <a:r>
+              <a:rPr lang="pt-PT" sz="1400" dirty="0"/>
+              <a:t> </a:t>
+            </a:r>
+            <a:r>
+              <a:rPr lang="pt-PT" sz="1400" dirty="0" err="1"/>
+              <a:t>his</a:t>
+            </a:r>
+            <a:r>
+              <a:rPr lang="pt-PT" sz="1400" dirty="0"/>
+              <a:t> job </a:t>
+            </a:r>
+            <a:r>
+              <a:rPr lang="pt-PT" sz="1400" dirty="0" err="1"/>
+              <a:t>and</a:t>
+            </a:r>
+            <a:r>
+              <a:rPr lang="pt-PT" sz="1400" dirty="0"/>
+              <a:t>, </a:t>
+            </a:r>
+            <a:r>
+              <a:rPr lang="pt-PT" sz="1400" dirty="0" err="1"/>
+              <a:t>if</a:t>
+            </a:r>
+            <a:r>
+              <a:rPr lang="pt-PT" sz="1400" dirty="0"/>
+              <a:t> </a:t>
+            </a:r>
+            <a:r>
+              <a:rPr lang="pt-PT" sz="1400" dirty="0" err="1"/>
+              <a:t>it’s</a:t>
+            </a:r>
+            <a:r>
+              <a:rPr lang="pt-PT" sz="1400" dirty="0"/>
+              <a:t> </a:t>
+            </a:r>
+            <a:r>
+              <a:rPr lang="pt-PT" sz="1400" dirty="0" err="1"/>
+              <a:t>true</a:t>
+            </a:r>
+            <a:r>
+              <a:rPr lang="pt-PT" sz="1400" dirty="0"/>
+              <a:t>, </a:t>
+            </a:r>
+            <a:r>
+              <a:rPr lang="pt-PT" sz="1400" dirty="0" err="1"/>
+              <a:t>save</a:t>
+            </a:r>
+            <a:r>
+              <a:rPr lang="pt-PT" sz="1400" dirty="0"/>
+              <a:t> </a:t>
+            </a:r>
+            <a:r>
+              <a:rPr lang="pt-PT" sz="1400" dirty="0" err="1"/>
+              <a:t>the</a:t>
+            </a:r>
+            <a:r>
+              <a:rPr lang="pt-PT" sz="1400" dirty="0"/>
+              <a:t> </a:t>
+            </a:r>
+            <a:r>
+              <a:rPr lang="pt-PT" sz="1400" dirty="0" err="1"/>
+              <a:t>results</a:t>
+            </a:r>
+            <a:r>
+              <a:rPr lang="pt-PT" sz="1400" dirty="0"/>
+              <a:t> (</a:t>
+            </a:r>
+            <a:r>
+              <a:rPr lang="pt-PT" sz="1400" dirty="0" err="1"/>
+              <a:t>using</a:t>
+            </a:r>
+            <a:r>
+              <a:rPr lang="pt-PT" sz="1400" dirty="0"/>
+              <a:t> </a:t>
+            </a:r>
+            <a:r>
+              <a:rPr lang="pt-PT" sz="1400" b="1" dirty="0" err="1"/>
+              <a:t>MPI_Test</a:t>
+            </a:r>
+            <a:r>
+              <a:rPr lang="pt-PT" sz="1400" dirty="0"/>
+              <a:t>);</a:t>
+            </a:r>
+          </a:p>
+          <a:p>
+            <a:r>
+              <a:rPr lang="pt-PT" sz="1400" dirty="0"/>
+              <a:t>		</a:t>
+            </a:r>
+            <a:r>
+              <a:rPr lang="pt-PT" sz="1400" dirty="0" err="1"/>
+              <a:t>Get</a:t>
+            </a:r>
+            <a:r>
+              <a:rPr lang="pt-PT" sz="1400" dirty="0"/>
+              <a:t> </a:t>
+            </a:r>
+            <a:r>
+              <a:rPr lang="pt-PT" sz="1400" dirty="0" err="1"/>
+              <a:t>remaining</a:t>
+            </a:r>
+            <a:r>
+              <a:rPr lang="pt-PT" sz="1400" dirty="0"/>
+              <a:t> </a:t>
+            </a:r>
+            <a:r>
+              <a:rPr lang="pt-PT" sz="1400" dirty="0" err="1"/>
+              <a:t>results</a:t>
+            </a:r>
+            <a:r>
+              <a:rPr lang="pt-PT" sz="1400" dirty="0"/>
+              <a:t> </a:t>
+            </a:r>
+            <a:r>
+              <a:rPr lang="pt-PT" sz="1400" dirty="0" err="1"/>
+              <a:t>and</a:t>
+            </a:r>
+            <a:r>
+              <a:rPr lang="pt-PT" sz="1400" dirty="0"/>
+              <a:t> </a:t>
+            </a:r>
+            <a:r>
+              <a:rPr lang="pt-PT" sz="1400" dirty="0" err="1"/>
+              <a:t>send</a:t>
+            </a:r>
+            <a:r>
+              <a:rPr lang="pt-PT" sz="1400" dirty="0"/>
+              <a:t> a </a:t>
+            </a:r>
+            <a:r>
+              <a:rPr lang="pt-PT" sz="1400" dirty="0" err="1"/>
+              <a:t>message</a:t>
+            </a:r>
+            <a:r>
+              <a:rPr lang="pt-PT" sz="1400" dirty="0"/>
+              <a:t> for </a:t>
+            </a:r>
+            <a:r>
+              <a:rPr lang="pt-PT" sz="1400" dirty="0" err="1"/>
+              <a:t>workers</a:t>
+            </a:r>
+            <a:r>
+              <a:rPr lang="pt-PT" sz="1400" dirty="0"/>
+              <a:t> to </a:t>
+            </a:r>
+            <a:r>
+              <a:rPr lang="pt-PT" sz="1400" dirty="0" err="1"/>
+              <a:t>terminate</a:t>
+            </a:r>
+            <a:r>
+              <a:rPr lang="pt-PT" sz="1400" dirty="0"/>
+              <a:t> (</a:t>
+            </a:r>
+            <a:r>
+              <a:rPr lang="pt-PT" sz="1400" dirty="0" err="1"/>
+              <a:t>using</a:t>
+            </a:r>
+            <a:r>
+              <a:rPr lang="pt-PT" sz="1400" dirty="0"/>
+              <a:t> </a:t>
+            </a:r>
+            <a:r>
+              <a:rPr lang="pt-PT" sz="1400" b="1" dirty="0" err="1"/>
+              <a:t>MPI_Send</a:t>
+            </a:r>
+            <a:r>
+              <a:rPr lang="pt-PT" sz="1400" dirty="0"/>
+              <a:t>);</a:t>
+            </a:r>
+          </a:p>
+          <a:p>
+            <a:r>
+              <a:rPr lang="pt-PT" sz="1400" dirty="0"/>
+              <a:t>	</a:t>
+            </a:r>
+            <a:r>
+              <a:rPr lang="pt-PT" sz="1400" b="1" dirty="0"/>
+              <a:t>2.</a:t>
+            </a:r>
+            <a:r>
+              <a:rPr lang="pt-PT" sz="1400" dirty="0"/>
+              <a:t> </a:t>
+            </a:r>
+            <a:r>
+              <a:rPr lang="pt-PT" sz="1400" dirty="0" err="1"/>
+              <a:t>Workers</a:t>
+            </a:r>
+            <a:r>
+              <a:rPr lang="pt-PT" sz="1400" dirty="0"/>
+              <a:t>’ </a:t>
+            </a:r>
+            <a:r>
+              <a:rPr lang="pt-PT" sz="1400" dirty="0" err="1"/>
+              <a:t>tasks</a:t>
+            </a:r>
+            <a:r>
+              <a:rPr lang="pt-PT" sz="1400" dirty="0"/>
+              <a:t>:</a:t>
+            </a:r>
+          </a:p>
+          <a:p>
+            <a:r>
+              <a:rPr lang="pt-PT" sz="1400" dirty="0"/>
+              <a:t>		</a:t>
+            </a:r>
+            <a:r>
+              <a:rPr lang="pt-PT" sz="1400" dirty="0" err="1"/>
+              <a:t>Wait</a:t>
+            </a:r>
+            <a:r>
+              <a:rPr lang="pt-PT" sz="1400" dirty="0"/>
+              <a:t> for </a:t>
+            </a:r>
+            <a:r>
+              <a:rPr lang="pt-PT" sz="1400" dirty="0" err="1"/>
+              <a:t>work</a:t>
+            </a:r>
+            <a:r>
+              <a:rPr lang="pt-PT" sz="1400" dirty="0"/>
+              <a:t> (</a:t>
+            </a:r>
+            <a:r>
+              <a:rPr lang="pt-PT" sz="1400" dirty="0" err="1"/>
+              <a:t>using</a:t>
+            </a:r>
+            <a:r>
+              <a:rPr lang="pt-PT" sz="1400" dirty="0"/>
+              <a:t> </a:t>
+            </a:r>
+            <a:r>
+              <a:rPr lang="pt-PT" sz="1400" b="1" dirty="0" err="1"/>
+              <a:t>MPI_Recv</a:t>
+            </a:r>
+            <a:r>
+              <a:rPr lang="pt-PT" sz="1400" dirty="0"/>
+              <a:t>);</a:t>
+            </a:r>
+          </a:p>
+          <a:p>
+            <a:r>
+              <a:rPr lang="pt-PT" sz="1400" dirty="0"/>
+              <a:t>		</a:t>
+            </a:r>
+            <a:r>
+              <a:rPr lang="pt-PT" sz="1400" dirty="0" err="1"/>
+              <a:t>Proccess</a:t>
+            </a:r>
+            <a:r>
+              <a:rPr lang="pt-PT" sz="1400" dirty="0"/>
+              <a:t> </a:t>
+            </a:r>
+            <a:r>
+              <a:rPr lang="pt-PT" sz="1400" dirty="0" err="1"/>
+              <a:t>chunk</a:t>
+            </a:r>
+            <a:r>
+              <a:rPr lang="pt-PT" sz="1400" dirty="0"/>
+              <a:t>;</a:t>
+            </a:r>
+          </a:p>
+          <a:p>
+            <a:r>
+              <a:rPr lang="pt-PT" sz="1400" dirty="0"/>
+              <a:t>		</a:t>
+            </a:r>
+            <a:r>
+              <a:rPr lang="pt-PT" sz="1400" dirty="0" err="1"/>
+              <a:t>Send</a:t>
+            </a:r>
+            <a:r>
+              <a:rPr lang="pt-PT" sz="1400" dirty="0"/>
+              <a:t> </a:t>
+            </a:r>
+            <a:r>
+              <a:rPr lang="pt-PT" sz="1400" dirty="0" err="1"/>
+              <a:t>results</a:t>
+            </a:r>
+            <a:r>
+              <a:rPr lang="pt-PT" sz="1400" dirty="0"/>
+              <a:t> (</a:t>
+            </a:r>
+            <a:r>
+              <a:rPr lang="pt-PT" sz="1400" dirty="0" err="1"/>
+              <a:t>using</a:t>
+            </a:r>
+            <a:r>
+              <a:rPr lang="pt-PT" sz="1400" dirty="0"/>
+              <a:t> </a:t>
+            </a:r>
+            <a:r>
+              <a:rPr lang="pt-PT" sz="1400" b="1" dirty="0" err="1"/>
+              <a:t>MPI_Send</a:t>
+            </a:r>
+            <a:r>
+              <a:rPr lang="pt-PT" sz="1400" dirty="0"/>
+              <a:t>);</a:t>
+            </a:r>
+          </a:p>
+          <a:p>
+            <a:r>
+              <a:rPr lang="pt-PT" sz="1400" dirty="0"/>
+              <a:t>	</a:t>
+            </a:r>
+            <a:r>
+              <a:rPr lang="pt-PT" sz="1400" dirty="0" err="1"/>
+              <a:t>Terminate</a:t>
+            </a:r>
+            <a:r>
+              <a:rPr lang="pt-PT" sz="1400" dirty="0"/>
+              <a:t> </a:t>
+            </a:r>
+            <a:r>
+              <a:rPr lang="pt-PT" sz="1400" dirty="0" err="1"/>
+              <a:t>proccess</a:t>
+            </a:r>
+            <a:r>
+              <a:rPr lang="pt-PT" sz="1400" dirty="0"/>
+              <a:t> (</a:t>
+            </a:r>
+            <a:r>
+              <a:rPr lang="pt-PT" sz="1400" dirty="0" err="1"/>
+              <a:t>using</a:t>
+            </a:r>
+            <a:r>
+              <a:rPr lang="pt-PT" sz="1400" dirty="0"/>
+              <a:t> </a:t>
+            </a:r>
+            <a:r>
+              <a:rPr lang="pt-PT" sz="1400" b="1" dirty="0" err="1"/>
+              <a:t>MPI_Finalize</a:t>
+            </a:r>
+            <a:r>
+              <a:rPr lang="pt-PT" sz="1400" dirty="0"/>
+              <a:t>);</a:t>
+            </a:r>
+          </a:p>
+          <a:p>
+            <a:endParaRPr lang="pt-PT" sz="1400" b="1" dirty="0"/>
+          </a:p>
+        </p:txBody>
+      </p:sp>
     </p:spTree>
     <p:extLst>
       <p:ext uri="{BB962C8B-B14F-4D97-AF65-F5344CB8AC3E}">
@@ -4310,7 +5090,7 @@
             <p:ph idx="1"/>
             <p:extLst>
               <p:ext uri="{D42A27DB-BD31-4B8C-83A1-F6EECF244321}">
-                <p14:modId xmlns:p14="http://schemas.microsoft.com/office/powerpoint/2010/main" val="3345072810"/>
+                <p14:modId xmlns:p14="http://schemas.microsoft.com/office/powerpoint/2010/main" val="3408422906"/>
               </p:ext>
             </p:extLst>
           </p:nvPr>
@@ -4522,7 +5302,7 @@
                   </a:ext>
                 </a:extLst>
               </a:tr>
-              <a:tr h="370840">
+              <a:tr h="458085">
                 <a:tc>
                   <a:txBody>
                     <a:bodyPr/>
@@ -5198,7 +5978,7 @@
           <p:nvPr>
             <p:extLst>
               <p:ext uri="{D42A27DB-BD31-4B8C-83A1-F6EECF244321}">
-                <p14:modId xmlns:p14="http://schemas.microsoft.com/office/powerpoint/2010/main" val="1508342147"/>
+                <p14:modId xmlns:p14="http://schemas.microsoft.com/office/powerpoint/2010/main" val="2371972363"/>
               </p:ext>
             </p:extLst>
           </p:nvPr>
@@ -6293,19 +7073,35 @@
         <p:spPr>
           <a:xfrm>
             <a:off x="1261872" y="1828800"/>
-            <a:ext cx="8595360" cy="4351337"/>
+            <a:ext cx="8595360" cy="4679576"/>
           </a:xfrm>
         </p:spPr>
         <p:txBody>
           <a:bodyPr>
-            <a:normAutofit/>
+            <a:normAutofit fontScale="92500" lnSpcReduction="10000"/>
           </a:bodyPr>
           <a:lstStyle/>
           <a:p>
             <a:pPr algn="just"/>
             <a:r>
+              <a:rPr lang="pt-PT" b="1" dirty="0" err="1"/>
+              <a:t>Expected</a:t>
+            </a:r>
+            <a:r>
+              <a:rPr lang="pt-PT" b="1" dirty="0"/>
+              <a:t> </a:t>
+            </a:r>
+            <a:r>
+              <a:rPr lang="pt-PT" b="1" dirty="0" err="1"/>
+              <a:t>results</a:t>
+            </a:r>
+            <a:endParaRPr lang="pt-PT" b="1" dirty="0"/>
+          </a:p>
+          <a:p>
+            <a:pPr lvl="1"/>
+            <a:r>
               <a:rPr lang="pt-PT" dirty="0" err="1"/>
-              <a:t>Expected</a:t>
+              <a:t>Have</a:t>
             </a:r>
             <a:r>
               <a:rPr lang="pt-PT" dirty="0"/>
@@ -6313,35 +7109,60 @@
             </a:r>
             <a:r>
               <a:rPr lang="pt-PT" dirty="0" err="1"/>
-              <a:t>results</a:t>
+              <a:t>improvenements</a:t>
             </a:r>
             <a:r>
               <a:rPr lang="pt-PT" dirty="0"/>
-              <a:t>:</a:t>
-            </a:r>
-          </a:p>
-          <a:p>
-            <a:pPr lvl="1"/>
+              <a:t> </a:t>
+            </a:r>
+            <a:r>
+              <a:rPr lang="pt-PT" dirty="0" err="1"/>
+              <a:t>until</a:t>
+            </a:r>
             <a:r>
               <a:rPr lang="pt-PT" dirty="0"/>
-              <a:t>A</a:t>
-            </a:r>
-          </a:p>
-          <a:p>
-            <a:pPr lvl="1"/>
-            <a:endParaRPr lang="pt-PT" dirty="0"/>
-          </a:p>
-          <a:p>
-            <a:pPr lvl="1"/>
+              <a:t> </a:t>
+            </a:r>
+            <a:r>
+              <a:rPr lang="pt-PT" dirty="0" err="1"/>
+              <a:t>reaching</a:t>
+            </a:r>
             <a:r>
               <a:rPr lang="pt-PT" dirty="0"/>
-              <a:t>B</a:t>
-            </a:r>
-            <a:endParaRPr lang="pt-PT" dirty="0">
-              <a:latin typeface="Calibri" panose="020F0502020204030204" pitchFamily="34" charset="0"/>
-              <a:ea typeface="Calibri" panose="020F0502020204030204" pitchFamily="34" charset="0"/>
-              <a:cs typeface="Calibri" panose="020F0502020204030204" pitchFamily="34" charset="0"/>
-            </a:endParaRPr>
+              <a:t> </a:t>
+            </a:r>
+            <a:r>
+              <a:rPr lang="pt-PT" dirty="0" err="1"/>
+              <a:t>the</a:t>
+            </a:r>
+            <a:r>
+              <a:rPr lang="pt-PT" dirty="0"/>
+              <a:t> </a:t>
+            </a:r>
+            <a:r>
+              <a:rPr lang="pt-PT" dirty="0" err="1"/>
+              <a:t>maximum</a:t>
+            </a:r>
+            <a:r>
+              <a:rPr lang="pt-PT" dirty="0"/>
+              <a:t> cores </a:t>
+            </a:r>
+            <a:r>
+              <a:rPr lang="pt-PT" dirty="0" err="1"/>
+              <a:t>of</a:t>
+            </a:r>
+            <a:r>
+              <a:rPr lang="pt-PT" dirty="0"/>
+              <a:t> </a:t>
+            </a:r>
+            <a:r>
+              <a:rPr lang="pt-PT" dirty="0" err="1"/>
+              <a:t>each</a:t>
+            </a:r>
+            <a:r>
+              <a:rPr lang="pt-PT" dirty="0"/>
+              <a:t> PC;</a:t>
+            </a:r>
           </a:p>
           <a:p>
             <a:pPr lvl="1"/>
@@ -6352,28 +7173,261 @@
             </a:endParaRPr>
           </a:p>
           <a:p>
+            <a:pPr lvl="1"/>
+            <a:r>
+              <a:rPr lang="pt-PT" dirty="0" err="1"/>
+              <a:t>Get</a:t>
+            </a:r>
+            <a:r>
+              <a:rPr lang="pt-PT" dirty="0"/>
+              <a:t> </a:t>
+            </a:r>
+            <a:r>
+              <a:rPr lang="pt-PT" dirty="0" err="1"/>
+              <a:t>the</a:t>
+            </a:r>
+            <a:r>
+              <a:rPr lang="pt-PT" dirty="0"/>
+              <a:t> </a:t>
+            </a:r>
+            <a:r>
+              <a:rPr lang="pt-PT" dirty="0" err="1"/>
+              <a:t>best</a:t>
+            </a:r>
+            <a:r>
+              <a:rPr lang="pt-PT" dirty="0"/>
+              <a:t> performance in </a:t>
+            </a:r>
+            <a:r>
+              <a:rPr lang="pt-PT" dirty="0" err="1"/>
+              <a:t>the</a:t>
+            </a:r>
+            <a:r>
+              <a:rPr lang="pt-PT" dirty="0"/>
+              <a:t> </a:t>
+            </a:r>
+            <a:r>
+              <a:rPr lang="pt-PT" dirty="0" err="1"/>
+              <a:t>maximum</a:t>
+            </a:r>
+            <a:r>
+              <a:rPr lang="pt-PT" dirty="0"/>
+              <a:t> </a:t>
+            </a:r>
+            <a:r>
+              <a:rPr lang="pt-PT" dirty="0" err="1"/>
+              <a:t>size</a:t>
+            </a:r>
+            <a:r>
+              <a:rPr lang="pt-PT" dirty="0"/>
+              <a:t> </a:t>
+            </a:r>
+            <a:r>
+              <a:rPr lang="pt-PT" dirty="0" err="1"/>
+              <a:t>of</a:t>
+            </a:r>
+            <a:r>
+              <a:rPr lang="pt-PT" dirty="0"/>
+              <a:t> cores </a:t>
+            </a:r>
+            <a:r>
+              <a:rPr lang="pt-PT" dirty="0" err="1"/>
+              <a:t>that</a:t>
+            </a:r>
+            <a:r>
+              <a:rPr lang="pt-PT" dirty="0"/>
+              <a:t> </a:t>
+            </a:r>
+            <a:r>
+              <a:rPr lang="pt-PT" dirty="0" err="1"/>
+              <a:t>each</a:t>
+            </a:r>
+            <a:r>
+              <a:rPr lang="pt-PT" dirty="0"/>
+              <a:t> PC </a:t>
+            </a:r>
+            <a:r>
+              <a:rPr lang="pt-PT" dirty="0" err="1"/>
+              <a:t>supports</a:t>
+            </a:r>
+            <a:r>
+              <a:rPr lang="pt-PT" dirty="0"/>
+              <a:t>;</a:t>
+            </a:r>
+          </a:p>
+          <a:p>
+            <a:pPr lvl="1"/>
+            <a:endParaRPr lang="pt-PT" dirty="0"/>
+          </a:p>
+          <a:p>
+            <a:pPr lvl="1"/>
+            <a:r>
+              <a:rPr lang="pt-PT" dirty="0" err="1"/>
+              <a:t>With</a:t>
+            </a:r>
+            <a:r>
+              <a:rPr lang="pt-PT" dirty="0"/>
+              <a:t> more </a:t>
+            </a:r>
+            <a:r>
+              <a:rPr lang="pt-PT" dirty="0" err="1"/>
+              <a:t>than</a:t>
+            </a:r>
+            <a:r>
+              <a:rPr lang="pt-PT" dirty="0"/>
+              <a:t> </a:t>
+            </a:r>
+            <a:r>
+              <a:rPr lang="pt-PT" dirty="0" err="1"/>
+              <a:t>the</a:t>
+            </a:r>
+            <a:r>
+              <a:rPr lang="pt-PT" dirty="0"/>
+              <a:t> </a:t>
+            </a:r>
+            <a:r>
+              <a:rPr lang="pt-PT" dirty="0" err="1"/>
+              <a:t>actual</a:t>
+            </a:r>
+            <a:r>
+              <a:rPr lang="pt-PT" dirty="0"/>
+              <a:t> </a:t>
+            </a:r>
+            <a:r>
+              <a:rPr lang="pt-PT" dirty="0" err="1"/>
+              <a:t>number</a:t>
+            </a:r>
+            <a:r>
+              <a:rPr lang="pt-PT" dirty="0"/>
+              <a:t> </a:t>
+            </a:r>
+            <a:r>
+              <a:rPr lang="pt-PT" dirty="0" err="1"/>
+              <a:t>of</a:t>
+            </a:r>
+            <a:r>
+              <a:rPr lang="pt-PT" dirty="0"/>
+              <a:t> </a:t>
+            </a:r>
+            <a:r>
+              <a:rPr lang="pt-PT" dirty="0" err="1"/>
+              <a:t>available</a:t>
+            </a:r>
+            <a:r>
+              <a:rPr lang="pt-PT" dirty="0"/>
+              <a:t> </a:t>
+            </a:r>
+            <a:r>
+              <a:rPr lang="pt-PT" dirty="0" err="1"/>
+              <a:t>CPUs</a:t>
+            </a:r>
+            <a:r>
+              <a:rPr lang="pt-PT" dirty="0"/>
+              <a:t>, </a:t>
+            </a:r>
+            <a:r>
+              <a:rPr lang="pt-PT" dirty="0" err="1"/>
+              <a:t>it</a:t>
+            </a:r>
+            <a:r>
+              <a:rPr lang="pt-PT" dirty="0"/>
+              <a:t> </a:t>
+            </a:r>
+            <a:r>
+              <a:rPr lang="pt-PT" dirty="0" err="1"/>
+              <a:t>would</a:t>
+            </a:r>
+            <a:r>
+              <a:rPr lang="pt-PT" dirty="0"/>
+              <a:t> </a:t>
+            </a:r>
+            <a:r>
+              <a:rPr lang="pt-PT" dirty="0" err="1"/>
+              <a:t>be</a:t>
+            </a:r>
+            <a:r>
+              <a:rPr lang="pt-PT" dirty="0"/>
+              <a:t> </a:t>
+            </a:r>
+            <a:r>
+              <a:rPr lang="pt-PT" dirty="0" err="1"/>
+              <a:t>expected</a:t>
+            </a:r>
+            <a:r>
+              <a:rPr lang="pt-PT" dirty="0"/>
+              <a:t> for </a:t>
+            </a:r>
+            <a:r>
+              <a:rPr lang="pt-PT" dirty="0" err="1"/>
+              <a:t>the</a:t>
+            </a:r>
+            <a:r>
+              <a:rPr lang="pt-PT" dirty="0"/>
+              <a:t> </a:t>
+            </a:r>
+            <a:r>
+              <a:rPr lang="pt-PT" dirty="0" err="1"/>
+              <a:t>program</a:t>
+            </a:r>
+            <a:r>
+              <a:rPr lang="pt-PT" dirty="0"/>
+              <a:t> to </a:t>
+            </a:r>
+            <a:r>
+              <a:rPr lang="pt-PT" dirty="0" err="1"/>
+              <a:t>get</a:t>
+            </a:r>
+            <a:r>
+              <a:rPr lang="pt-PT" dirty="0"/>
+              <a:t> </a:t>
+            </a:r>
+            <a:r>
+              <a:rPr lang="pt-PT" dirty="0" err="1"/>
+              <a:t>longer</a:t>
+            </a:r>
+            <a:r>
+              <a:rPr lang="pt-PT" dirty="0"/>
+              <a:t> times;</a:t>
+            </a:r>
+          </a:p>
+          <a:p>
+            <a:pPr marL="274320" lvl="1" indent="0" algn="just">
+              <a:buNone/>
+            </a:pPr>
+            <a:endParaRPr lang="pt-PT" dirty="0"/>
+          </a:p>
+          <a:p>
+            <a:pPr algn="just"/>
+            <a:r>
+              <a:rPr lang="en-US" b="1" dirty="0"/>
+              <a:t>Outcome</a:t>
+            </a:r>
+          </a:p>
+          <a:p>
             <a:pPr lvl="1" algn="just"/>
             <a:r>
-              <a:rPr lang="pt-PT" dirty="0"/>
-              <a:t>C</a:t>
-            </a:r>
-          </a:p>
-          <a:p>
-            <a:pPr lvl="1" algn="just"/>
-            <a:endParaRPr lang="pt-PT" dirty="0"/>
-          </a:p>
-          <a:p>
-            <a:pPr algn="just"/>
-            <a:r>
               <a:rPr lang="en-US" dirty="0"/>
-              <a:t>Test results:</a:t>
-            </a:r>
-          </a:p>
-          <a:p>
-            <a:pPr lvl="1" algn="just"/>
+              <a:t>The best times were obtained with the number of cores that we were expecting:</a:t>
+            </a:r>
+          </a:p>
+          <a:p>
+            <a:pPr lvl="3" algn="just">
+              <a:buFont typeface="Courier New" panose="02070309020205020404" pitchFamily="49" charset="0"/>
+              <a:buChar char="o"/>
+            </a:pPr>
             <a:r>
               <a:rPr lang="en-US" dirty="0"/>
-              <a:t>A</a:t>
+              <a:t>With 4 workers for the PC1;</a:t>
+            </a:r>
+          </a:p>
+          <a:p>
+            <a:pPr lvl="3" algn="just">
+              <a:buFont typeface="Courier New" panose="02070309020205020404" pitchFamily="49" charset="0"/>
+              <a:buChar char="o"/>
+            </a:pPr>
+            <a:r>
+              <a:rPr lang="en-US" dirty="0"/>
+              <a:t>With 2 workers for the PC2;</a:t>
             </a:r>
           </a:p>
           <a:p>
@@ -6384,18 +7438,17 @@
             <a:pPr lvl="1" algn="just"/>
             <a:r>
               <a:rPr lang="en-US" dirty="0"/>
-              <a:t>B</a:t>
-            </a:r>
-          </a:p>
-          <a:p>
-            <a:pPr lvl="1" algn="just"/>
-            <a:endParaRPr lang="en-US" dirty="0"/>
-          </a:p>
-          <a:p>
-            <a:pPr lvl="1" algn="just"/>
+              <a:t>Some operating system conditionings may have affected the results (in this cases, the standard deviation indicate us those “anomalies”).</a:t>
+            </a:r>
+          </a:p>
+          <a:p>
+            <a:pPr lvl="3" algn="just">
+              <a:buFont typeface="Courier New" panose="02070309020205020404" pitchFamily="49" charset="0"/>
+              <a:buChar char="o"/>
+            </a:pPr>
             <a:r>
               <a:rPr lang="en-US" dirty="0"/>
-              <a:t>C</a:t>
+              <a:t>For example: In PC1, the result for the 2 cores was worst than using a single core, but the standard deviation was the double. </a:t>
             </a:r>
             <a:endParaRPr lang="pt-PT" dirty="0"/>
           </a:p>
@@ -6703,7 +7756,7 @@
                 <a:latin typeface="Calibri" panose="020F0502020204030204" pitchFamily="34" charset="0"/>
                 <a:cs typeface="Calibri" panose="020F0502020204030204" pitchFamily="34" charset="0"/>
               </a:rPr>
-              <a:t>woker</a:t>
+              <a:t>worker</a:t>
             </a:r>
             <a:r>
               <a:rPr lang="pt-PT" dirty="0">
@@ -6876,8 +7929,8 @@
         </p:nvSpPr>
         <p:spPr>
           <a:xfrm>
-            <a:off x="960944" y="4124869"/>
-            <a:ext cx="1455255" cy="338554"/>
+            <a:off x="960944" y="4097081"/>
+            <a:ext cx="10648351" cy="2893100"/>
           </a:xfrm>
           <a:prstGeom prst="rect">
             <a:avLst/>
@@ -6891,10 +7944,779 @@
           <a:lstStyle/>
           <a:p>
             <a:r>
-              <a:rPr lang="pt-PT" sz="1600" b="1" dirty="0" err="1"/>
-              <a:t>Legend</a:t>
+              <a:rPr lang="pt-PT" sz="1400" b="1" dirty="0" err="1"/>
+              <a:t>Workflow</a:t>
             </a:r>
             <a:endParaRPr lang="pt-PT" sz="1400" b="1" dirty="0"/>
+          </a:p>
+          <a:p>
+            <a:r>
+              <a:rPr lang="pt-PT" sz="1400" dirty="0"/>
+              <a:t>	</a:t>
+            </a:r>
+            <a:r>
+              <a:rPr lang="pt-PT" sz="1400" b="1" dirty="0"/>
+              <a:t>1.</a:t>
+            </a:r>
+            <a:r>
+              <a:rPr lang="pt-PT" sz="1400" dirty="0"/>
+              <a:t> </a:t>
+            </a:r>
+            <a:r>
+              <a:rPr lang="pt-PT" sz="1400" dirty="0" err="1"/>
+              <a:t>Dispatcher’s</a:t>
+            </a:r>
+            <a:r>
+              <a:rPr lang="pt-PT" sz="1400" dirty="0"/>
+              <a:t> </a:t>
+            </a:r>
+            <a:r>
+              <a:rPr lang="pt-PT" sz="1400" dirty="0" err="1"/>
+              <a:t>tasks</a:t>
+            </a:r>
+            <a:r>
+              <a:rPr lang="pt-PT" sz="1400" dirty="0"/>
+              <a:t>:</a:t>
+            </a:r>
+          </a:p>
+          <a:p>
+            <a:r>
+              <a:rPr lang="pt-PT" sz="1400" dirty="0"/>
+              <a:t>		</a:t>
+            </a:r>
+            <a:r>
+              <a:rPr lang="pt-PT" sz="1400" dirty="0" err="1"/>
+              <a:t>Get</a:t>
+            </a:r>
+            <a:r>
+              <a:rPr lang="pt-PT" sz="1400" dirty="0"/>
+              <a:t> </a:t>
+            </a:r>
+            <a:r>
+              <a:rPr lang="pt-PT" sz="1400" dirty="0" err="1"/>
+              <a:t>sequence</a:t>
+            </a:r>
+            <a:r>
+              <a:rPr lang="pt-PT" sz="1400" dirty="0"/>
+              <a:t> </a:t>
+            </a:r>
+            <a:r>
+              <a:rPr lang="pt-PT" sz="1400" dirty="0" err="1"/>
+              <a:t>length</a:t>
+            </a:r>
+            <a:r>
+              <a:rPr lang="pt-PT" sz="1400" dirty="0"/>
+              <a:t> </a:t>
+            </a:r>
+            <a:r>
+              <a:rPr lang="pt-PT" sz="1400" dirty="0" err="1"/>
+              <a:t>and</a:t>
+            </a:r>
+            <a:r>
+              <a:rPr lang="pt-PT" sz="1400" dirty="0"/>
+              <a:t> </a:t>
+            </a:r>
+            <a:r>
+              <a:rPr lang="pt-PT" sz="1400" dirty="0" err="1"/>
+              <a:t>send</a:t>
+            </a:r>
+            <a:r>
+              <a:rPr lang="pt-PT" sz="1400" dirty="0"/>
+              <a:t> </a:t>
+            </a:r>
+            <a:r>
+              <a:rPr lang="pt-PT" sz="1400" dirty="0" err="1"/>
+              <a:t>it</a:t>
+            </a:r>
+            <a:r>
+              <a:rPr lang="pt-PT" sz="1400" dirty="0"/>
+              <a:t> to </a:t>
+            </a:r>
+            <a:r>
+              <a:rPr lang="pt-PT" sz="1400" dirty="0" err="1"/>
+              <a:t>all</a:t>
+            </a:r>
+            <a:r>
+              <a:rPr lang="pt-PT" sz="1400" dirty="0"/>
+              <a:t> </a:t>
+            </a:r>
+            <a:r>
+              <a:rPr lang="pt-PT" sz="1400" dirty="0" err="1"/>
+              <a:t>workers</a:t>
+            </a:r>
+            <a:r>
+              <a:rPr lang="pt-PT" sz="1400" dirty="0"/>
+              <a:t> (</a:t>
+            </a:r>
+            <a:r>
+              <a:rPr lang="pt-PT" sz="1400" dirty="0" err="1"/>
+              <a:t>using</a:t>
+            </a:r>
+            <a:r>
+              <a:rPr lang="pt-PT" sz="1400" dirty="0"/>
+              <a:t> </a:t>
+            </a:r>
+            <a:r>
+              <a:rPr lang="pt-PT" sz="1400" b="1" dirty="0" err="1"/>
+              <a:t>MPI_Broadcast</a:t>
+            </a:r>
+            <a:r>
+              <a:rPr lang="pt-PT" sz="1400" dirty="0"/>
+              <a:t>);</a:t>
+            </a:r>
+          </a:p>
+          <a:p>
+            <a:r>
+              <a:rPr lang="pt-PT" sz="1400" dirty="0"/>
+              <a:t>		</a:t>
+            </a:r>
+            <a:r>
+              <a:rPr lang="pt-PT" sz="1400" dirty="0" err="1"/>
+              <a:t>Scatter</a:t>
+            </a:r>
+            <a:r>
+              <a:rPr lang="pt-PT" sz="1400" dirty="0"/>
+              <a:t> </a:t>
+            </a:r>
+            <a:r>
+              <a:rPr lang="pt-PT" sz="1400" dirty="0" err="1"/>
+              <a:t>subsequences</a:t>
+            </a:r>
+            <a:r>
+              <a:rPr lang="pt-PT" sz="1400" dirty="0"/>
+              <a:t> </a:t>
+            </a:r>
+            <a:r>
+              <a:rPr lang="pt-PT" sz="1400" dirty="0" err="1"/>
+              <a:t>of</a:t>
+            </a:r>
+            <a:r>
+              <a:rPr lang="pt-PT" sz="1400" dirty="0"/>
+              <a:t> </a:t>
+            </a:r>
+            <a:r>
+              <a:rPr lang="pt-PT" sz="1400" dirty="0" err="1"/>
+              <a:t>integers</a:t>
+            </a:r>
+            <a:r>
+              <a:rPr lang="pt-PT" sz="1400" dirty="0"/>
+              <a:t> to </a:t>
+            </a:r>
+            <a:r>
+              <a:rPr lang="pt-PT" sz="1400" dirty="0" err="1"/>
+              <a:t>all</a:t>
+            </a:r>
+            <a:r>
+              <a:rPr lang="pt-PT" sz="1400" dirty="0"/>
+              <a:t> </a:t>
+            </a:r>
+            <a:r>
+              <a:rPr lang="pt-PT" sz="1400" dirty="0" err="1"/>
+              <a:t>workers</a:t>
+            </a:r>
+            <a:r>
+              <a:rPr lang="pt-PT" sz="1400" dirty="0"/>
+              <a:t> (</a:t>
+            </a:r>
+            <a:r>
+              <a:rPr lang="pt-PT" sz="1400" dirty="0" err="1"/>
+              <a:t>using</a:t>
+            </a:r>
+            <a:r>
+              <a:rPr lang="pt-PT" sz="1400" dirty="0"/>
+              <a:t> </a:t>
+            </a:r>
+            <a:r>
+              <a:rPr lang="pt-PT" sz="1400" b="1" dirty="0" err="1"/>
+              <a:t>MPI_Scatter</a:t>
+            </a:r>
+            <a:r>
+              <a:rPr lang="pt-PT" sz="1400" dirty="0"/>
+              <a:t>);</a:t>
+            </a:r>
+          </a:p>
+          <a:p>
+            <a:r>
+              <a:rPr lang="pt-PT" sz="1400" dirty="0"/>
+              <a:t>		</a:t>
+            </a:r>
+            <a:r>
+              <a:rPr lang="pt-PT" sz="1400" dirty="0" err="1"/>
+              <a:t>Validate</a:t>
+            </a:r>
+            <a:r>
+              <a:rPr lang="pt-PT" sz="1400" dirty="0"/>
+              <a:t> </a:t>
+            </a:r>
+            <a:r>
+              <a:rPr lang="pt-PT" sz="1400" dirty="0" err="1"/>
+              <a:t>sequence</a:t>
+            </a:r>
+            <a:r>
+              <a:rPr lang="pt-PT" sz="1400" dirty="0"/>
+              <a:t>;</a:t>
+            </a:r>
+          </a:p>
+          <a:p>
+            <a:r>
+              <a:rPr lang="pt-PT" sz="1400" dirty="0"/>
+              <a:t>	</a:t>
+            </a:r>
+            <a:r>
+              <a:rPr lang="pt-PT" sz="1400" b="1" dirty="0"/>
+              <a:t>2.</a:t>
+            </a:r>
+            <a:r>
+              <a:rPr lang="pt-PT" sz="1400" dirty="0"/>
+              <a:t> </a:t>
+            </a:r>
+            <a:r>
+              <a:rPr lang="pt-PT" sz="1400" dirty="0" err="1"/>
+              <a:t>Workers</a:t>
+            </a:r>
+            <a:r>
+              <a:rPr lang="pt-PT" sz="1400" dirty="0"/>
+              <a:t>’ </a:t>
+            </a:r>
+            <a:r>
+              <a:rPr lang="pt-PT" sz="1400" dirty="0" err="1"/>
+              <a:t>tasks</a:t>
+            </a:r>
+            <a:r>
+              <a:rPr lang="pt-PT" sz="1400" dirty="0"/>
+              <a:t>:</a:t>
+            </a:r>
+          </a:p>
+          <a:p>
+            <a:r>
+              <a:rPr lang="pt-PT" sz="1400" dirty="0"/>
+              <a:t>		</a:t>
+            </a:r>
+            <a:r>
+              <a:rPr lang="pt-PT" sz="1400" dirty="0" err="1"/>
+              <a:t>Initialize</a:t>
+            </a:r>
+            <a:r>
+              <a:rPr lang="pt-PT" sz="1400" dirty="0"/>
+              <a:t> some </a:t>
+            </a:r>
+            <a:r>
+              <a:rPr lang="pt-PT" sz="1400" dirty="0" err="1"/>
+              <a:t>variables</a:t>
+            </a:r>
+            <a:r>
+              <a:rPr lang="pt-PT" sz="1400" dirty="0"/>
+              <a:t> </a:t>
+            </a:r>
+            <a:r>
+              <a:rPr lang="pt-PT" sz="1400" dirty="0" err="1"/>
+              <a:t>and</a:t>
+            </a:r>
+            <a:r>
+              <a:rPr lang="pt-PT" sz="1400" dirty="0"/>
+              <a:t> MPI (</a:t>
+            </a:r>
+            <a:r>
+              <a:rPr lang="pt-PT" sz="1400" dirty="0" err="1"/>
+              <a:t>using</a:t>
+            </a:r>
+            <a:r>
+              <a:rPr lang="pt-PT" sz="1400" dirty="0"/>
+              <a:t> </a:t>
+            </a:r>
+            <a:r>
+              <a:rPr lang="pt-PT" sz="1400" b="1" dirty="0" err="1"/>
+              <a:t>MPI_Init</a:t>
+            </a:r>
+            <a:r>
+              <a:rPr lang="pt-PT" sz="1400" dirty="0"/>
+              <a:t>, </a:t>
+            </a:r>
+            <a:r>
+              <a:rPr lang="pt-PT" sz="1400" b="1" dirty="0" err="1"/>
+              <a:t>MPI_Comm_rank</a:t>
+            </a:r>
+            <a:r>
+              <a:rPr lang="pt-PT" sz="1400" dirty="0"/>
+              <a:t>, </a:t>
+            </a:r>
+            <a:r>
+              <a:rPr lang="pt-PT" sz="1400" b="1" dirty="0" err="1"/>
+              <a:t>MPI_Comm_size</a:t>
+            </a:r>
+            <a:r>
+              <a:rPr lang="pt-PT" sz="1400" dirty="0"/>
+              <a:t>);</a:t>
+            </a:r>
+          </a:p>
+          <a:p>
+            <a:r>
+              <a:rPr lang="pt-PT" sz="1400" dirty="0"/>
+              <a:t>		</a:t>
+            </a:r>
+            <a:r>
+              <a:rPr lang="pt-PT" sz="1400" dirty="0" err="1"/>
+              <a:t>Create</a:t>
+            </a:r>
+            <a:r>
+              <a:rPr lang="pt-PT" sz="1400" dirty="0"/>
+              <a:t> </a:t>
+            </a:r>
+            <a:r>
+              <a:rPr lang="pt-PT" sz="1400" dirty="0" err="1"/>
+              <a:t>and</a:t>
+            </a:r>
+            <a:r>
+              <a:rPr lang="pt-PT" sz="1400" dirty="0"/>
+              <a:t> </a:t>
+            </a:r>
+            <a:r>
+              <a:rPr lang="pt-PT" sz="1400" dirty="0" err="1"/>
+              <a:t>handle</a:t>
+            </a:r>
+            <a:r>
+              <a:rPr lang="pt-PT" sz="1400" dirty="0"/>
+              <a:t> </a:t>
+            </a:r>
+            <a:r>
+              <a:rPr lang="pt-PT" sz="1400" dirty="0" err="1"/>
+              <a:t>the</a:t>
+            </a:r>
+            <a:r>
+              <a:rPr lang="pt-PT" sz="1400" dirty="0"/>
+              <a:t> </a:t>
+            </a:r>
+            <a:r>
+              <a:rPr lang="pt-PT" sz="1400" dirty="0" err="1"/>
+              <a:t>communication</a:t>
+            </a:r>
+            <a:r>
+              <a:rPr lang="pt-PT" sz="1400" dirty="0"/>
+              <a:t> (</a:t>
+            </a:r>
+            <a:r>
+              <a:rPr lang="pt-PT" sz="1400" dirty="0" err="1"/>
+              <a:t>using</a:t>
+            </a:r>
+            <a:r>
+              <a:rPr lang="pt-PT" sz="1400" dirty="0"/>
+              <a:t> </a:t>
+            </a:r>
+            <a:r>
+              <a:rPr lang="pt-PT" sz="1400" b="1" dirty="0" err="1"/>
+              <a:t>MPI_Comm_group</a:t>
+            </a:r>
+            <a:r>
+              <a:rPr lang="pt-PT" sz="1400" dirty="0"/>
+              <a:t>, </a:t>
+            </a:r>
+            <a:r>
+              <a:rPr lang="pt-PT" sz="1400" b="1" dirty="0" err="1"/>
+              <a:t>MPI_Group_incl</a:t>
+            </a:r>
+            <a:r>
+              <a:rPr lang="pt-PT" sz="1400" dirty="0"/>
+              <a:t>, </a:t>
+            </a:r>
+            <a:r>
+              <a:rPr lang="pt-PT" sz="1400" b="1" dirty="0" err="1"/>
+              <a:t>MPI_Comm_create</a:t>
+            </a:r>
+            <a:r>
+              <a:rPr lang="pt-PT" sz="1400" dirty="0"/>
+              <a:t>);</a:t>
+            </a:r>
+          </a:p>
+          <a:p>
+            <a:r>
+              <a:rPr lang="pt-PT" sz="1400" dirty="0"/>
+              <a:t>		</a:t>
+            </a:r>
+            <a:r>
+              <a:rPr lang="pt-PT" sz="1400" dirty="0" err="1"/>
+              <a:t>Sort</a:t>
+            </a:r>
+            <a:r>
+              <a:rPr lang="pt-PT" sz="1400" dirty="0"/>
+              <a:t> </a:t>
+            </a:r>
+            <a:r>
+              <a:rPr lang="pt-PT" sz="1400" dirty="0" err="1"/>
+              <a:t>subsequence</a:t>
+            </a:r>
+            <a:r>
+              <a:rPr lang="pt-PT" sz="1400" dirty="0"/>
+              <a:t>;</a:t>
+            </a:r>
+          </a:p>
+          <a:p>
+            <a:r>
+              <a:rPr lang="pt-PT" sz="1400" dirty="0"/>
+              <a:t>		</a:t>
+            </a:r>
+            <a:r>
+              <a:rPr lang="pt-PT" sz="1400" dirty="0" err="1"/>
+              <a:t>Gather</a:t>
+            </a:r>
+            <a:r>
+              <a:rPr lang="pt-PT" sz="1400" dirty="0"/>
+              <a:t> </a:t>
+            </a:r>
+            <a:r>
+              <a:rPr lang="pt-PT" sz="1400" dirty="0" err="1"/>
+              <a:t>the</a:t>
+            </a:r>
+            <a:r>
+              <a:rPr lang="pt-PT" sz="1400" dirty="0"/>
+              <a:t> </a:t>
+            </a:r>
+            <a:r>
+              <a:rPr lang="pt-PT" sz="1400" dirty="0" err="1"/>
+              <a:t>ordered</a:t>
+            </a:r>
+            <a:r>
+              <a:rPr lang="pt-PT" sz="1400" dirty="0"/>
+              <a:t> </a:t>
+            </a:r>
+            <a:r>
+              <a:rPr lang="pt-PT" sz="1400" dirty="0" err="1"/>
+              <a:t>subsequence</a:t>
+            </a:r>
+            <a:r>
+              <a:rPr lang="pt-PT" sz="1400" dirty="0"/>
+              <a:t> (</a:t>
+            </a:r>
+            <a:r>
+              <a:rPr lang="pt-PT" sz="1400" dirty="0" err="1"/>
+              <a:t>using</a:t>
+            </a:r>
+            <a:r>
+              <a:rPr lang="pt-PT" sz="1400" dirty="0"/>
+              <a:t> </a:t>
+            </a:r>
+            <a:r>
+              <a:rPr lang="pt-PT" sz="1400" b="1" dirty="0" err="1"/>
+              <a:t>MPI_Gather</a:t>
+            </a:r>
+            <a:r>
+              <a:rPr lang="pt-PT" sz="1400" dirty="0"/>
+              <a:t>);</a:t>
+            </a:r>
+          </a:p>
+          <a:p>
+            <a:r>
+              <a:rPr lang="pt-PT" sz="1400" dirty="0"/>
+              <a:t>		</a:t>
+            </a:r>
+            <a:r>
+              <a:rPr lang="pt-PT" sz="1400" dirty="0" err="1"/>
+              <a:t>Go</a:t>
+            </a:r>
+            <a:r>
+              <a:rPr lang="pt-PT" sz="1400" dirty="0"/>
+              <a:t> to </a:t>
+            </a:r>
+            <a:r>
+              <a:rPr lang="pt-PT" sz="1400" dirty="0" err="1"/>
+              <a:t>the</a:t>
+            </a:r>
+            <a:r>
+              <a:rPr lang="pt-PT" sz="1400" dirty="0"/>
+              <a:t> </a:t>
+            </a:r>
+            <a:r>
+              <a:rPr lang="pt-PT" sz="1400" dirty="0" err="1"/>
+              <a:t>next</a:t>
+            </a:r>
+            <a:r>
+              <a:rPr lang="pt-PT" sz="1400" dirty="0"/>
+              <a:t> </a:t>
+            </a:r>
+            <a:r>
+              <a:rPr lang="pt-PT" sz="1400" dirty="0" err="1"/>
+              <a:t>level</a:t>
+            </a:r>
+            <a:r>
+              <a:rPr lang="pt-PT" sz="1400" dirty="0"/>
+              <a:t> </a:t>
+            </a:r>
+            <a:r>
+              <a:rPr lang="pt-PT" sz="1400" dirty="0" err="1"/>
+              <a:t>until</a:t>
+            </a:r>
+            <a:r>
+              <a:rPr lang="pt-PT" sz="1400" dirty="0"/>
+              <a:t> </a:t>
+            </a:r>
+            <a:r>
+              <a:rPr lang="pt-PT" sz="1400" dirty="0" err="1"/>
+              <a:t>getting</a:t>
+            </a:r>
+            <a:r>
+              <a:rPr lang="pt-PT" sz="1400" dirty="0"/>
+              <a:t> </a:t>
+            </a:r>
+            <a:r>
+              <a:rPr lang="pt-PT" sz="1400" dirty="0" err="1"/>
+              <a:t>the</a:t>
+            </a:r>
+            <a:r>
+              <a:rPr lang="pt-PT" sz="1400" dirty="0"/>
+              <a:t> final </a:t>
+            </a:r>
+            <a:r>
+              <a:rPr lang="pt-PT" sz="1400" dirty="0" err="1"/>
+              <a:t>sequence</a:t>
+            </a:r>
+            <a:r>
+              <a:rPr lang="pt-PT" sz="1400" dirty="0"/>
+              <a:t>;</a:t>
+            </a:r>
+          </a:p>
+          <a:p>
+            <a:r>
+              <a:rPr lang="pt-PT" sz="1400" dirty="0"/>
+              <a:t>	</a:t>
+            </a:r>
+            <a:r>
+              <a:rPr lang="pt-PT" sz="1400" dirty="0" err="1"/>
+              <a:t>Terminate</a:t>
+            </a:r>
+            <a:r>
+              <a:rPr lang="pt-PT" sz="1400" dirty="0"/>
+              <a:t> </a:t>
+            </a:r>
+            <a:r>
+              <a:rPr lang="pt-PT" sz="1400" dirty="0" err="1"/>
+              <a:t>proccess</a:t>
+            </a:r>
+            <a:r>
+              <a:rPr lang="pt-PT" sz="1400" dirty="0"/>
+              <a:t> </a:t>
+            </a:r>
+            <a:r>
+              <a:rPr lang="pt-PT" sz="1400" dirty="0" err="1"/>
+              <a:t>when</a:t>
+            </a:r>
+            <a:r>
+              <a:rPr lang="pt-PT" sz="1400" dirty="0"/>
+              <a:t> </a:t>
+            </a:r>
+            <a:r>
+              <a:rPr lang="pt-PT" sz="1400" dirty="0" err="1"/>
+              <a:t>they</a:t>
+            </a:r>
+            <a:r>
+              <a:rPr lang="pt-PT" sz="1400" dirty="0"/>
+              <a:t> are </a:t>
+            </a:r>
+            <a:r>
+              <a:rPr lang="pt-PT" sz="1400" dirty="0" err="1"/>
+              <a:t>not</a:t>
+            </a:r>
+            <a:r>
+              <a:rPr lang="pt-PT" sz="1400" dirty="0"/>
+              <a:t> </a:t>
+            </a:r>
+            <a:r>
+              <a:rPr lang="pt-PT" sz="1400" dirty="0" err="1"/>
+              <a:t>needed</a:t>
+            </a:r>
+            <a:r>
+              <a:rPr lang="pt-PT" sz="1400" dirty="0"/>
+              <a:t> </a:t>
+            </a:r>
+            <a:r>
+              <a:rPr lang="pt-PT" sz="1400" dirty="0" err="1"/>
+              <a:t>anymore</a:t>
+            </a:r>
+            <a:r>
+              <a:rPr lang="pt-PT" sz="1400" dirty="0"/>
+              <a:t> (</a:t>
+            </a:r>
+            <a:r>
+              <a:rPr lang="pt-PT" sz="1400" dirty="0" err="1"/>
+              <a:t>using</a:t>
+            </a:r>
+            <a:r>
+              <a:rPr lang="pt-PT" sz="1400" dirty="0"/>
+              <a:t> </a:t>
+            </a:r>
+            <a:r>
+              <a:rPr lang="pt-PT" sz="1400" b="1" dirty="0" err="1"/>
+              <a:t>MPI_Finalize</a:t>
+            </a:r>
+            <a:r>
+              <a:rPr lang="pt-PT" sz="1400" dirty="0"/>
+              <a:t>);</a:t>
+            </a:r>
+          </a:p>
+          <a:p>
+            <a:endParaRPr lang="pt-PT" sz="1400" b="1" dirty="0"/>
+          </a:p>
+        </p:txBody>
+      </p:sp>
+      <p:sp>
+        <p:nvSpPr>
+          <p:cNvPr id="9" name="CaixaDeTexto 8">
+            <a:extLst>
+              <a:ext uri="{FF2B5EF4-FFF2-40B4-BE49-F238E27FC236}">
+                <a16:creationId xmlns:a16="http://schemas.microsoft.com/office/drawing/2014/main" id="{D9B8105C-6A16-4B6C-BA1F-2580FF0795AF}"/>
+              </a:ext>
+            </a:extLst>
+          </p:cNvPr>
+          <p:cNvSpPr txBox="1"/>
+          <p:nvPr/>
+        </p:nvSpPr>
+        <p:spPr>
+          <a:xfrm>
+            <a:off x="2211694" y="3410162"/>
+            <a:ext cx="1577789" cy="369332"/>
+          </a:xfrm>
+          <a:prstGeom prst="rect">
+            <a:avLst/>
+          </a:prstGeom>
+          <a:noFill/>
+        </p:spPr>
+        <p:txBody>
+          <a:bodyPr wrap="square" rtlCol="0">
+            <a:spAutoFit/>
+          </a:bodyPr>
+          <a:lstStyle/>
+          <a:p>
+            <a:pPr algn="ctr"/>
+            <a:r>
+              <a:rPr lang="pt-PT" dirty="0"/>
+              <a:t>1</a:t>
+            </a:r>
+          </a:p>
+        </p:txBody>
+      </p:sp>
+      <p:sp>
+        <p:nvSpPr>
+          <p:cNvPr id="11" name="CaixaDeTexto 10">
+            <a:extLst>
+              <a:ext uri="{FF2B5EF4-FFF2-40B4-BE49-F238E27FC236}">
+                <a16:creationId xmlns:a16="http://schemas.microsoft.com/office/drawing/2014/main" id="{96C844FC-70D5-4A30-87A2-84CC461DA6D5}"/>
+              </a:ext>
+            </a:extLst>
+          </p:cNvPr>
+          <p:cNvSpPr txBox="1"/>
+          <p:nvPr/>
+        </p:nvSpPr>
+        <p:spPr>
+          <a:xfrm>
+            <a:off x="4685681" y="3755537"/>
+            <a:ext cx="1997431" cy="369332"/>
+          </a:xfrm>
+          <a:prstGeom prst="rect">
+            <a:avLst/>
+          </a:prstGeom>
+          <a:noFill/>
+        </p:spPr>
+        <p:txBody>
+          <a:bodyPr wrap="square" rtlCol="0">
+            <a:spAutoFit/>
+          </a:bodyPr>
+          <a:lstStyle/>
+          <a:p>
+            <a:pPr algn="ctr"/>
+            <a:r>
+              <a:rPr lang="pt-PT" dirty="0"/>
+              <a:t>2</a:t>
+            </a:r>
+          </a:p>
+        </p:txBody>
+      </p:sp>
+      <p:sp>
+        <p:nvSpPr>
+          <p:cNvPr id="4" name="Parêntese esquerdo 3">
+            <a:extLst>
+              <a:ext uri="{FF2B5EF4-FFF2-40B4-BE49-F238E27FC236}">
+                <a16:creationId xmlns:a16="http://schemas.microsoft.com/office/drawing/2014/main" id="{C83D6715-6669-4C79-B185-D3092672D69E}"/>
+              </a:ext>
+            </a:extLst>
+          </p:cNvPr>
+          <p:cNvSpPr/>
+          <p:nvPr/>
+        </p:nvSpPr>
+        <p:spPr>
+          <a:xfrm rot="16200000">
+            <a:off x="5496932" y="215701"/>
+            <a:ext cx="374933" cy="6752654"/>
+          </a:xfrm>
+          <a:prstGeom prst="leftBracket">
+            <a:avLst/>
+          </a:prstGeom>
+        </p:spPr>
+        <p:style>
+          <a:lnRef idx="1">
+            <a:schemeClr val="accent1"/>
+          </a:lnRef>
+          <a:fillRef idx="0">
+            <a:schemeClr val="accent1"/>
+          </a:fillRef>
+          <a:effectRef idx="0">
+            <a:schemeClr val="accent1"/>
+          </a:effectRef>
+          <a:fontRef idx="minor">
+            <a:schemeClr val="tx1"/>
+          </a:fontRef>
+        </p:style>
+        <p:txBody>
+          <a:bodyPr rtlCol="0" anchor="ctr"/>
+          <a:lstStyle/>
+          <a:p>
+            <a:pPr algn="ctr"/>
+            <a:endParaRPr lang="pt-PT"/>
+          </a:p>
+        </p:txBody>
+      </p:sp>
+      <p:sp>
+        <p:nvSpPr>
+          <p:cNvPr id="5" name="Seta: Curvada para Baixo 4">
+            <a:extLst>
+              <a:ext uri="{FF2B5EF4-FFF2-40B4-BE49-F238E27FC236}">
+                <a16:creationId xmlns:a16="http://schemas.microsoft.com/office/drawing/2014/main" id="{F91D1109-5BA6-4F05-9016-0CBF12225F39}"/>
+              </a:ext>
+            </a:extLst>
+          </p:cNvPr>
+          <p:cNvSpPr/>
+          <p:nvPr/>
+        </p:nvSpPr>
+        <p:spPr>
+          <a:xfrm rot="16200000">
+            <a:off x="1237167" y="5764272"/>
+            <a:ext cx="968188" cy="358656"/>
+          </a:xfrm>
+          <a:prstGeom prst="curvedDownArrow">
+            <a:avLst/>
+          </a:prstGeom>
+        </p:spPr>
+        <p:style>
+          <a:lnRef idx="1">
+            <a:schemeClr val="dk1"/>
+          </a:lnRef>
+          <a:fillRef idx="2">
+            <a:schemeClr val="dk1"/>
+          </a:fillRef>
+          <a:effectRef idx="1">
+            <a:schemeClr val="dk1"/>
+          </a:effectRef>
+          <a:fontRef idx="minor">
+            <a:schemeClr val="dk1"/>
+          </a:fontRef>
+        </p:style>
+        <p:txBody>
+          <a:bodyPr rtlCol="0" anchor="ctr"/>
+          <a:lstStyle/>
+          <a:p>
+            <a:pPr algn="ctr"/>
+            <a:endParaRPr lang="pt-PT">
+              <a:solidFill>
+                <a:schemeClr val="tx1"/>
+              </a:solidFill>
+            </a:endParaRPr>
           </a:p>
         </p:txBody>
       </p:sp>
@@ -8757,7 +10579,7 @@
           <p:nvPr>
             <p:extLst>
               <p:ext uri="{D42A27DB-BD31-4B8C-83A1-F6EECF244321}">
-                <p14:modId xmlns:p14="http://schemas.microsoft.com/office/powerpoint/2010/main" val="1663701396"/>
+                <p14:modId xmlns:p14="http://schemas.microsoft.com/office/powerpoint/2010/main" val="4046033896"/>
               </p:ext>
             </p:extLst>
           </p:nvPr>
@@ -10170,7 +11992,7 @@
                           <a:ea typeface="Calibri" panose="020F0502020204030204" pitchFamily="34" charset="0"/>
                           <a:cs typeface="Calibri" panose="020F0502020204030204" pitchFamily="34" charset="0"/>
                         </a:rPr>
-                        <a:t>004.918 </a:t>
+                        <a:t>4.918 </a:t>
                       </a:r>
                       <a:r>
                         <a:rPr lang="pt-PT" sz="1200" dirty="0" err="1">
@@ -10886,25 +12708,69 @@
           <a:p>
             <a:pPr lvl="1"/>
             <a:r>
+              <a:rPr lang="pt-PT" dirty="0" err="1"/>
+              <a:t>Have</a:t>
+            </a:r>
+            <a:r>
               <a:rPr lang="pt-PT" dirty="0"/>
-              <a:t>A</a:t>
-            </a:r>
-          </a:p>
-          <a:p>
-            <a:pPr lvl="1"/>
-            <a:endParaRPr lang="pt-PT" dirty="0"/>
-          </a:p>
-          <a:p>
-            <a:pPr lvl="1"/>
+              <a:t> </a:t>
+            </a:r>
+            <a:r>
+              <a:rPr lang="pt-PT" dirty="0" err="1"/>
+              <a:t>improvenements</a:t>
+            </a:r>
             <a:r>
               <a:rPr lang="pt-PT" dirty="0"/>
-              <a:t>B</a:t>
-            </a:r>
-            <a:endParaRPr lang="pt-PT" dirty="0">
-              <a:latin typeface="Calibri" panose="020F0502020204030204" pitchFamily="34" charset="0"/>
-              <a:ea typeface="Calibri" panose="020F0502020204030204" pitchFamily="34" charset="0"/>
-              <a:cs typeface="Calibri" panose="020F0502020204030204" pitchFamily="34" charset="0"/>
-            </a:endParaRPr>
+              <a:t> </a:t>
+            </a:r>
+            <a:r>
+              <a:rPr lang="pt-PT" dirty="0" err="1"/>
+              <a:t>until</a:t>
+            </a:r>
+            <a:r>
+              <a:rPr lang="pt-PT" dirty="0"/>
+              <a:t> </a:t>
+            </a:r>
+            <a:r>
+              <a:rPr lang="pt-PT" dirty="0" err="1"/>
+              <a:t>reaching</a:t>
+            </a:r>
+            <a:r>
+              <a:rPr lang="pt-PT" dirty="0"/>
+              <a:t> </a:t>
+            </a:r>
+            <a:r>
+              <a:rPr lang="pt-PT" dirty="0" err="1"/>
+              <a:t>the</a:t>
+            </a:r>
+            <a:r>
+              <a:rPr lang="pt-PT" dirty="0"/>
+              <a:t> </a:t>
+            </a:r>
+            <a:r>
+              <a:rPr lang="pt-PT" dirty="0" err="1"/>
+              <a:t>maximum</a:t>
+            </a:r>
+            <a:r>
+              <a:rPr lang="pt-PT" dirty="0"/>
+              <a:t> cores </a:t>
+            </a:r>
+            <a:r>
+              <a:rPr lang="pt-PT" dirty="0" err="1"/>
+              <a:t>of</a:t>
+            </a:r>
+            <a:r>
+              <a:rPr lang="pt-PT" dirty="0"/>
+              <a:t> </a:t>
+            </a:r>
+            <a:r>
+              <a:rPr lang="pt-PT" dirty="0" err="1"/>
+              <a:t>each</a:t>
+            </a:r>
+            <a:r>
+              <a:rPr lang="pt-PT" dirty="0"/>
+              <a:t> PC;</a:t>
+            </a:r>
           </a:p>
           <a:p>
             <a:pPr lvl="1"/>
@@ -10915,28 +12781,239 @@
             </a:endParaRPr>
           </a:p>
           <a:p>
+            <a:pPr lvl="1"/>
+            <a:r>
+              <a:rPr lang="pt-PT" dirty="0" err="1"/>
+              <a:t>Get</a:t>
+            </a:r>
+            <a:r>
+              <a:rPr lang="pt-PT" dirty="0"/>
+              <a:t> </a:t>
+            </a:r>
+            <a:r>
+              <a:rPr lang="pt-PT" dirty="0" err="1"/>
+              <a:t>the</a:t>
+            </a:r>
+            <a:r>
+              <a:rPr lang="pt-PT" dirty="0"/>
+              <a:t> </a:t>
+            </a:r>
+            <a:r>
+              <a:rPr lang="pt-PT" dirty="0" err="1"/>
+              <a:t>best</a:t>
+            </a:r>
+            <a:r>
+              <a:rPr lang="pt-PT" dirty="0"/>
+              <a:t> performance in </a:t>
+            </a:r>
+            <a:r>
+              <a:rPr lang="pt-PT" dirty="0" err="1"/>
+              <a:t>the</a:t>
+            </a:r>
+            <a:r>
+              <a:rPr lang="pt-PT" dirty="0"/>
+              <a:t> </a:t>
+            </a:r>
+            <a:r>
+              <a:rPr lang="pt-PT" dirty="0" err="1"/>
+              <a:t>maximum</a:t>
+            </a:r>
+            <a:r>
+              <a:rPr lang="pt-PT" dirty="0"/>
+              <a:t> </a:t>
+            </a:r>
+            <a:r>
+              <a:rPr lang="pt-PT" dirty="0" err="1"/>
+              <a:t>size</a:t>
+            </a:r>
+            <a:r>
+              <a:rPr lang="pt-PT" dirty="0"/>
+              <a:t> </a:t>
+            </a:r>
+            <a:r>
+              <a:rPr lang="pt-PT" dirty="0" err="1"/>
+              <a:t>of</a:t>
+            </a:r>
+            <a:r>
+              <a:rPr lang="pt-PT" dirty="0"/>
+              <a:t> cores </a:t>
+            </a:r>
+            <a:r>
+              <a:rPr lang="pt-PT" dirty="0" err="1"/>
+              <a:t>that</a:t>
+            </a:r>
+            <a:r>
+              <a:rPr lang="pt-PT" dirty="0"/>
+              <a:t> </a:t>
+            </a:r>
+            <a:r>
+              <a:rPr lang="pt-PT" dirty="0" err="1"/>
+              <a:t>each</a:t>
+            </a:r>
+            <a:r>
+              <a:rPr lang="pt-PT" dirty="0"/>
+              <a:t> PC </a:t>
+            </a:r>
+            <a:r>
+              <a:rPr lang="pt-PT" dirty="0" err="1"/>
+              <a:t>supports</a:t>
+            </a:r>
+            <a:r>
+              <a:rPr lang="pt-PT" dirty="0"/>
+              <a:t>;</a:t>
+            </a:r>
+          </a:p>
+          <a:p>
+            <a:pPr lvl="1"/>
+            <a:endParaRPr lang="pt-PT" dirty="0"/>
+          </a:p>
+          <a:p>
+            <a:pPr lvl="1"/>
+            <a:r>
+              <a:rPr lang="pt-PT" dirty="0" err="1"/>
+              <a:t>With</a:t>
+            </a:r>
+            <a:r>
+              <a:rPr lang="pt-PT" dirty="0"/>
+              <a:t> more </a:t>
+            </a:r>
+            <a:r>
+              <a:rPr lang="pt-PT" dirty="0" err="1"/>
+              <a:t>than</a:t>
+            </a:r>
+            <a:r>
+              <a:rPr lang="pt-PT" dirty="0"/>
+              <a:t> </a:t>
+            </a:r>
+            <a:r>
+              <a:rPr lang="pt-PT" dirty="0" err="1"/>
+              <a:t>the</a:t>
+            </a:r>
+            <a:r>
+              <a:rPr lang="pt-PT" dirty="0"/>
+              <a:t> </a:t>
+            </a:r>
+            <a:r>
+              <a:rPr lang="pt-PT" dirty="0" err="1"/>
+              <a:t>actual</a:t>
+            </a:r>
+            <a:r>
+              <a:rPr lang="pt-PT" dirty="0"/>
+              <a:t> </a:t>
+            </a:r>
+            <a:r>
+              <a:rPr lang="pt-PT" dirty="0" err="1"/>
+              <a:t>number</a:t>
+            </a:r>
+            <a:r>
+              <a:rPr lang="pt-PT" dirty="0"/>
+              <a:t> </a:t>
+            </a:r>
+            <a:r>
+              <a:rPr lang="pt-PT" dirty="0" err="1"/>
+              <a:t>of</a:t>
+            </a:r>
+            <a:r>
+              <a:rPr lang="pt-PT" dirty="0"/>
+              <a:t> </a:t>
+            </a:r>
+            <a:r>
+              <a:rPr lang="pt-PT" dirty="0" err="1"/>
+              <a:t>available</a:t>
+            </a:r>
+            <a:r>
+              <a:rPr lang="pt-PT" dirty="0"/>
+              <a:t> </a:t>
+            </a:r>
+            <a:r>
+              <a:rPr lang="pt-PT" dirty="0" err="1"/>
+              <a:t>CPUs</a:t>
+            </a:r>
+            <a:r>
+              <a:rPr lang="pt-PT" dirty="0"/>
+              <a:t>, </a:t>
+            </a:r>
+            <a:r>
+              <a:rPr lang="pt-PT" dirty="0" err="1"/>
+              <a:t>it</a:t>
+            </a:r>
+            <a:r>
+              <a:rPr lang="pt-PT" dirty="0"/>
+              <a:t> </a:t>
+            </a:r>
+            <a:r>
+              <a:rPr lang="pt-PT" dirty="0" err="1"/>
+              <a:t>would</a:t>
+            </a:r>
+            <a:r>
+              <a:rPr lang="pt-PT" dirty="0"/>
+              <a:t> </a:t>
+            </a:r>
+            <a:r>
+              <a:rPr lang="pt-PT" dirty="0" err="1"/>
+              <a:t>be</a:t>
+            </a:r>
+            <a:r>
+              <a:rPr lang="pt-PT" dirty="0"/>
+              <a:t> </a:t>
+            </a:r>
+            <a:r>
+              <a:rPr lang="pt-PT" dirty="0" err="1"/>
+              <a:t>expected</a:t>
+            </a:r>
+            <a:r>
+              <a:rPr lang="pt-PT" dirty="0"/>
+              <a:t> for </a:t>
+            </a:r>
+            <a:r>
+              <a:rPr lang="pt-PT" dirty="0" err="1"/>
+              <a:t>the</a:t>
+            </a:r>
+            <a:r>
+              <a:rPr lang="pt-PT" dirty="0"/>
+              <a:t> </a:t>
+            </a:r>
+            <a:r>
+              <a:rPr lang="pt-PT" dirty="0" err="1"/>
+              <a:t>program</a:t>
+            </a:r>
+            <a:r>
+              <a:rPr lang="pt-PT" dirty="0"/>
+              <a:t> to </a:t>
+            </a:r>
+            <a:r>
+              <a:rPr lang="pt-PT" dirty="0" err="1"/>
+              <a:t>get</a:t>
+            </a:r>
+            <a:r>
+              <a:rPr lang="pt-PT" dirty="0"/>
+              <a:t> </a:t>
+            </a:r>
+            <a:r>
+              <a:rPr lang="pt-PT" dirty="0" err="1"/>
+              <a:t>longer</a:t>
+            </a:r>
+            <a:r>
+              <a:rPr lang="pt-PT" dirty="0"/>
+              <a:t> times;</a:t>
+            </a:r>
+          </a:p>
+          <a:p>
+            <a:pPr lvl="1"/>
+            <a:endParaRPr lang="pt-PT" dirty="0"/>
+          </a:p>
+          <a:p>
+            <a:pPr algn="just"/>
+            <a:r>
+              <a:rPr lang="en-US" dirty="0"/>
+              <a:t>Outcome:</a:t>
+            </a:r>
+          </a:p>
+          <a:p>
             <a:pPr lvl="1" algn="just"/>
             <a:r>
-              <a:rPr lang="pt-PT" dirty="0"/>
-              <a:t>C</a:t>
-            </a:r>
-          </a:p>
-          <a:p>
-            <a:pPr lvl="1" algn="just"/>
-            <a:endParaRPr lang="pt-PT" dirty="0"/>
-          </a:p>
-          <a:p>
-            <a:pPr algn="just"/>
-            <a:r>
               <a:rPr lang="en-US" dirty="0"/>
-              <a:t>Test results:</a:t>
-            </a:r>
-          </a:p>
-          <a:p>
-            <a:pPr lvl="1" algn="just"/>
-            <a:r>
-              <a:rPr lang="en-US" dirty="0"/>
-              <a:t>A</a:t>
+              <a:t>For the dataSeq32.bin file the results are not very meaningful since we are dealing with a very short sequence and the communication group operations time ends up affecting the performance.</a:t>
             </a:r>
           </a:p>
           <a:p>
@@ -10947,7 +13024,7 @@
             <a:pPr lvl="1" algn="just"/>
             <a:r>
               <a:rPr lang="en-US" dirty="0"/>
-              <a:t>B</a:t>
+              <a:t>Overall, all the remaining results follow the expectations whereas, for the outsiders, the standard deviation can explain any uncommon value.</a:t>
             </a:r>
           </a:p>
           <a:p>
@@ -10956,18 +13033,7 @@
           </a:p>
           <a:p>
             <a:pPr lvl="1" algn="just"/>
-            <a:r>
-              <a:rPr lang="en-US" dirty="0"/>
-              <a:t>C</a:t>
-            </a:r>
-            <a:endParaRPr lang="pt-PT" dirty="0"/>
-          </a:p>
-          <a:p>
-            <a:pPr lvl="1"/>
-            <a:endParaRPr lang="pt-PT" dirty="0">
-              <a:latin typeface="Calibri" panose="020F0502020204030204" pitchFamily="34" charset="0"/>
-              <a:cs typeface="Calibri" panose="020F0502020204030204" pitchFamily="34" charset="0"/>
-            </a:endParaRPr>
+            <a:endParaRPr lang="en-US" dirty="0"/>
           </a:p>
         </p:txBody>
       </p:sp>
